--- a/doc/talk/IKSwift.pptx
+++ b/doc/talk/IKSwift.pptx
@@ -5,14 +5,15 @@
     <p:sldMasterId id="2147484063" r:id="rId1"/>
   </p:sldMasterIdLst>
   <p:notesMasterIdLst>
-    <p:notesMasterId r:id="rId4"/>
+    <p:notesMasterId r:id="rId5"/>
   </p:notesMasterIdLst>
   <p:handoutMasterIdLst>
-    <p:handoutMasterId r:id="rId5"/>
+    <p:handoutMasterId r:id="rId6"/>
   </p:handoutMasterIdLst>
   <p:sldIdLst>
-    <p:sldId id="362" r:id="rId2"/>
-    <p:sldId id="366" r:id="rId3"/>
+    <p:sldId id="367" r:id="rId2"/>
+    <p:sldId id="362" r:id="rId3"/>
+    <p:sldId id="366" r:id="rId4"/>
   </p:sldIdLst>
   <p:sldSz cx="9144000" cy="6858000" type="screen4x3"/>
   <p:notesSz cx="6858000" cy="9296400"/>
@@ -290,7 +291,7 @@
               <a:pPr>
                 <a:defRPr/>
               </a:pPr>
-              <a:t>5/2/14</a:t>
+              <a:t>5/8/14</a:t>
             </a:fld>
             <a:endParaRPr lang="en-US"/>
           </a:p>
@@ -1124,7 +1125,7 @@
           <a:p>
             <a:fld id="{374D2CB4-9CEF-3C4C-842D-04B843513857}" type="datetimeFigureOut">
               <a:rPr lang="en-US" smtClean="0"/>
-              <a:t>5/2/14</a:t>
+              <a:t>5/8/14</a:t>
             </a:fld>
             <a:endParaRPr lang="en-US"/>
           </a:p>
@@ -1294,7 +1295,7 @@
           <a:p>
             <a:fld id="{374D2CB4-9CEF-3C4C-842D-04B843513857}" type="datetimeFigureOut">
               <a:rPr lang="en-US" smtClean="0"/>
-              <a:t>5/2/14</a:t>
+              <a:t>5/8/14</a:t>
             </a:fld>
             <a:endParaRPr lang="en-US"/>
           </a:p>
@@ -1504,7 +1505,7 @@
           <a:p>
             <a:fld id="{374D2CB4-9CEF-3C4C-842D-04B843513857}" type="datetimeFigureOut">
               <a:rPr lang="en-US" smtClean="0"/>
-              <a:t>5/2/14</a:t>
+              <a:t>5/8/14</a:t>
             </a:fld>
             <a:endParaRPr lang="en-US"/>
           </a:p>
@@ -1674,7 +1675,7 @@
           <a:p>
             <a:fld id="{374D2CB4-9CEF-3C4C-842D-04B843513857}" type="datetimeFigureOut">
               <a:rPr lang="en-US" smtClean="0"/>
-              <a:t>5/2/14</a:t>
+              <a:t>5/8/14</a:t>
             </a:fld>
             <a:endParaRPr lang="en-US"/>
           </a:p>
@@ -1950,7 +1951,7 @@
           <a:p>
             <a:fld id="{374D2CB4-9CEF-3C4C-842D-04B843513857}" type="datetimeFigureOut">
               <a:rPr lang="en-US" smtClean="0"/>
-              <a:t>5/2/14</a:t>
+              <a:t>5/8/14</a:t>
             </a:fld>
             <a:endParaRPr lang="en-US"/>
           </a:p>
@@ -2238,7 +2239,7 @@
           <a:p>
             <a:fld id="{374D2CB4-9CEF-3C4C-842D-04B843513857}" type="datetimeFigureOut">
               <a:rPr lang="en-US" smtClean="0"/>
-              <a:t>5/2/14</a:t>
+              <a:t>5/8/14</a:t>
             </a:fld>
             <a:endParaRPr lang="en-US"/>
           </a:p>
@@ -2690,7 +2691,7 @@
           <a:p>
             <a:fld id="{374D2CB4-9CEF-3C4C-842D-04B843513857}" type="datetimeFigureOut">
               <a:rPr lang="en-US" smtClean="0"/>
-              <a:t>5/2/14</a:t>
+              <a:t>5/8/14</a:t>
             </a:fld>
             <a:endParaRPr lang="en-US"/>
           </a:p>
@@ -2838,7 +2839,7 @@
           <a:p>
             <a:fld id="{374D2CB4-9CEF-3C4C-842D-04B843513857}" type="datetimeFigureOut">
               <a:rPr lang="en-US" smtClean="0"/>
-              <a:t>5/2/14</a:t>
+              <a:t>5/8/14</a:t>
             </a:fld>
             <a:endParaRPr lang="en-US"/>
           </a:p>
@@ -2933,7 +2934,7 @@
           <a:p>
             <a:fld id="{374D2CB4-9CEF-3C4C-842D-04B843513857}" type="datetimeFigureOut">
               <a:rPr lang="en-US" smtClean="0"/>
-              <a:t>5/2/14</a:t>
+              <a:t>5/8/14</a:t>
             </a:fld>
             <a:endParaRPr lang="en-US"/>
           </a:p>
@@ -3210,7 +3211,7 @@
           <a:p>
             <a:fld id="{374D2CB4-9CEF-3C4C-842D-04B843513857}" type="datetimeFigureOut">
               <a:rPr lang="en-US" smtClean="0"/>
-              <a:t>5/2/14</a:t>
+              <a:t>5/8/14</a:t>
             </a:fld>
             <a:endParaRPr lang="en-US"/>
           </a:p>
@@ -3463,7 +3464,7 @@
           <a:p>
             <a:fld id="{374D2CB4-9CEF-3C4C-842D-04B843513857}" type="datetimeFigureOut">
               <a:rPr lang="en-US" smtClean="0"/>
-              <a:t>5/2/14</a:t>
+              <a:t>5/8/14</a:t>
             </a:fld>
             <a:endParaRPr lang="en-US"/>
           </a:p>
@@ -3676,7 +3677,7 @@
           <a:p>
             <a:fld id="{374D2CB4-9CEF-3C4C-842D-04B843513857}" type="datetimeFigureOut">
               <a:rPr lang="en-US" smtClean="0"/>
-              <a:t>5/2/14</a:t>
+              <a:t>5/8/14</a:t>
             </a:fld>
             <a:endParaRPr lang="en-US"/>
           </a:p>
@@ -4144,6 +4145,161 @@
           <a:lstStyle/>
           <a:p>
             <a:r>
+              <a:rPr lang="en-US" dirty="0" smtClean="0"/>
+              <a:t>Outline</a:t>
+            </a:r>
+            <a:endParaRPr lang="en-US" dirty="0"/>
+          </a:p>
+        </p:txBody>
+      </p:sp>
+      <p:sp>
+        <p:nvSpPr>
+          <p:cNvPr id="9" name="Content Placeholder 8"/>
+          <p:cNvSpPr>
+            <a:spLocks noGrp="1"/>
+          </p:cNvSpPr>
+          <p:nvPr>
+            <p:ph idx="1"/>
+          </p:nvPr>
+        </p:nvSpPr>
+        <p:spPr/>
+        <p:txBody>
+          <a:bodyPr/>
+          <a:lstStyle/>
+          <a:p>
+            <a:r>
+              <a:rPr lang="en-US" dirty="0" smtClean="0"/>
+              <a:t>an overview of the project and its objectives,</a:t>
+            </a:r>
+          </a:p>
+          <a:p>
+            <a:r>
+              <a:rPr lang="en-US" dirty="0" smtClean="0"/>
+              <a:t>a </a:t>
+            </a:r>
+            <a:r>
+              <a:rPr lang="en-US" dirty="0"/>
+              <a:t>discussion of the architectural and timing </a:t>
+            </a:r>
+            <a:r>
+              <a:rPr lang="en-US" dirty="0" smtClean="0"/>
+              <a:t>design</a:t>
+            </a:r>
+          </a:p>
+          <a:p>
+            <a:pPr lvl="1"/>
+            <a:r>
+              <a:rPr lang="en-US" dirty="0" smtClean="0"/>
+              <a:t>New hardware architecture diagram</a:t>
+            </a:r>
+            <a:endParaRPr lang="en-US" dirty="0"/>
+          </a:p>
+          <a:p>
+            <a:r>
+              <a:rPr lang="en-US" dirty="0" smtClean="0"/>
+              <a:t>experiences </a:t>
+            </a:r>
+            <a:r>
+              <a:rPr lang="en-US" dirty="0"/>
+              <a:t>and issues in implementation (the difficult parts</a:t>
+            </a:r>
+            <a:r>
+              <a:rPr lang="en-US" dirty="0" smtClean="0"/>
+              <a:t>)</a:t>
+            </a:r>
+          </a:p>
+          <a:p>
+            <a:pPr lvl="1"/>
+            <a:r>
+              <a:rPr lang="en-US" dirty="0" smtClean="0"/>
+              <a:t>Fixed point accuracy and precision</a:t>
+            </a:r>
+          </a:p>
+          <a:p>
+            <a:pPr lvl="1"/>
+            <a:r>
+              <a:rPr lang="en-US" dirty="0" smtClean="0"/>
+              <a:t>FPGA resources</a:t>
+            </a:r>
+          </a:p>
+          <a:p>
+            <a:pPr lvl="1"/>
+            <a:r>
+              <a:rPr lang="en-US" dirty="0" smtClean="0"/>
+              <a:t>Driver data movement</a:t>
+            </a:r>
+            <a:endParaRPr lang="en-US" dirty="0"/>
+          </a:p>
+          <a:p>
+            <a:r>
+              <a:rPr lang="en-US" dirty="0" smtClean="0"/>
+              <a:t>a </a:t>
+            </a:r>
+            <a:r>
+              <a:rPr lang="en-US" dirty="0"/>
+              <a:t>summary including lessons </a:t>
+            </a:r>
+            <a:r>
+              <a:rPr lang="en-US" dirty="0" smtClean="0"/>
+              <a:t>learned</a:t>
+            </a:r>
+            <a:endParaRPr lang="en-US" dirty="0"/>
+          </a:p>
+        </p:txBody>
+      </p:sp>
+    </p:spTree>
+    <p:extLst>
+      <p:ext uri="{BB962C8B-B14F-4D97-AF65-F5344CB8AC3E}">
+        <p14:creationId xmlns:p14="http://schemas.microsoft.com/office/powerpoint/2010/main" val="1738559117"/>
+      </p:ext>
+    </p:extLst>
+  </p:cSld>
+  <p:clrMapOvr>
+    <a:masterClrMapping/>
+  </p:clrMapOvr>
+  <p:timing>
+    <p:tnLst>
+      <p:par>
+        <p:cTn xmlns:p14="http://schemas.microsoft.com/office/powerpoint/2010/main" id="1" dur="indefinite" restart="never" nodeType="tmRoot"/>
+      </p:par>
+    </p:tnLst>
+  </p:timing>
+</p:sld>
+</file>
+
+<file path=ppt/slides/slide2.xml><?xml version="1.0" encoding="utf-8"?>
+<p:sld xmlns:a="http://schemas.openxmlformats.org/drawingml/2006/main" xmlns:r="http://schemas.openxmlformats.org/officeDocument/2006/relationships" xmlns:p="http://schemas.openxmlformats.org/presentationml/2006/main">
+  <p:cSld>
+    <p:spTree>
+      <p:nvGrpSpPr>
+        <p:cNvPr id="1" name=""/>
+        <p:cNvGrpSpPr/>
+        <p:nvPr/>
+      </p:nvGrpSpPr>
+      <p:grpSpPr>
+        <a:xfrm>
+          <a:off x="0" y="0"/>
+          <a:ext cx="0" cy="0"/>
+          <a:chOff x="0" y="0"/>
+          <a:chExt cx="0" cy="0"/>
+        </a:xfrm>
+      </p:grpSpPr>
+      <p:sp>
+        <p:nvSpPr>
+          <p:cNvPr id="2" name="Title 1"/>
+          <p:cNvSpPr>
+            <a:spLocks noGrp="1"/>
+          </p:cNvSpPr>
+          <p:nvPr>
+            <p:ph type="title"/>
+          </p:nvPr>
+        </p:nvSpPr>
+        <p:spPr/>
+        <p:txBody>
+          <a:bodyPr/>
+          <a:lstStyle/>
+          <a:p>
+            <a:r>
               <a:rPr lang="en-US" sz="3600" dirty="0" smtClean="0"/>
               <a:t>A Core Robot Algorithm: Inverse Kinematics</a:t>
             </a:r>
@@ -4441,7 +4597,7 @@
 </p:sld>
 </file>
 
-<file path=ppt/slides/slide2.xml><?xml version="1.0" encoding="utf-8"?>
+<file path=ppt/slides/slide3.xml><?xml version="1.0" encoding="utf-8"?>
 <p:sld xmlns:a="http://schemas.openxmlformats.org/drawingml/2006/main" xmlns:r="http://schemas.openxmlformats.org/officeDocument/2006/relationships" xmlns:p="http://schemas.openxmlformats.org/presentationml/2006/main">
   <p:cSld>
     <p:spTree>
@@ -4563,13 +4719,8 @@
             </a:r>
             <a:r>
               <a:rPr lang="en-US" dirty="0" smtClean="0"/>
-              <a:t>s: compare against 10ms for general algorithm on </a:t>
-            </a:r>
-            <a:r>
-              <a:rPr lang="en-US" dirty="0" smtClean="0"/>
-              <a:t>CPU</a:t>
-            </a:r>
-            <a:endParaRPr lang="en-US" dirty="0" smtClean="0"/>
+              <a:t>s: compare against 10ms for general algorithm on CPU</a:t>
+            </a:r>
           </a:p>
         </p:txBody>
       </p:sp>

--- a/doc/talk/IKSwift.pptx
+++ b/doc/talk/IKSwift.pptx
@@ -10,6 +10,7 @@
     <p:sldId id="258" r:id="rId5"/>
     <p:sldId id="259" r:id="rId6"/>
     <p:sldId id="260" r:id="rId7"/>
+    <p:sldId id="261" r:id="rId8"/>
   </p:sldIdLst>
   <p:sldSz cx="9144000" cy="6858000"/>
   <p:notesSz cx="7772400" cy="10058400"/>
@@ -1215,7 +1216,7 @@
                 <a:spcPct val="80000"/>
               </a:lnSpc>
             </a:pPr>
-            <a:fld id="{031BE5DD-5CED-4C95-83D1-B658D884BD22}" type="slidenum">
+            <a:fld id="{5F2EE9D9-B5F9-47A3-B3E3-EFC8FC920B27}" type="slidenum">
               <a:rPr lang="en-US" sz="1600">
                 <a:solidFill>
                   <a:srgbClr val="ffffff"/>
@@ -1582,7 +1583,7 @@
                 <a:spcPct val="100000"/>
               </a:lnSpc>
             </a:pPr>
-            <a:fld id="{8621ED73-F854-4CA9-94A3-474A2AE4E1A9}" type="slidenum">
+            <a:fld id="{E8300D9E-BD3D-48AB-B35C-C0D2BD4F95B7}" type="slidenum">
               <a:rPr lang="en-US" sz="1200">
                 <a:solidFill>
                   <a:srgbClr val="8b8b8b"/>
@@ -2484,7 +2485,7 @@
                   <a:srgbClr val="000000"/>
                 </a:solidFill>
               </a:rPr>
-              <a:t>Fixed Point</a:t>
+              <a:t>Resource Minimization </a:t>
             </a:r>
             <a:endParaRPr/>
           </a:p>
@@ -2515,7 +2516,7 @@
             </a:pPr>
             <a:r>
               <a:rPr lang="en-US"/>
-              <a:t>Varying number of bits </a:t>
+              <a:t>Want all of computations done on FPGA</a:t>
             </a:r>
             <a:endParaRPr/>
           </a:p>
@@ -2527,19 +2528,7 @@
             </a:pPr>
             <a:r>
               <a:rPr lang="en-US"/>
-              <a:t>Always 16 bits for fraction part</a:t>
-            </a:r>
-            <a:endParaRPr/>
-          </a:p>
-          <a:p>
-            <a:pPr lvl="2">
-              <a:buSzPct val="25000"/>
-              <a:buFont typeface="StarSymbol"/>
-              <a:buChar char=""/>
-            </a:pPr>
-            <a:r>
-              <a:rPr lang="en-US"/>
-              <a:t>1/2^16 smallest increment between numbers</a:t>
+              <a:t>Problems of size vs. accuracy</a:t>
             </a:r>
             <a:endParaRPr/>
           </a:p>
@@ -2551,7 +2540,31 @@
             </a:pPr>
             <a:r>
               <a:rPr lang="en-US"/>
-              <a:t>Average 16 signed bits for integer part</a:t>
+              <a:t>Floating point arithmetic is expensive and instead used fixed point</a:t>
+            </a:r>
+            <a:endParaRPr/>
+          </a:p>
+          <a:p>
+            <a:pPr lvl="1">
+              <a:buSzPct val="25000"/>
+              <a:buFont typeface="StarSymbol"/>
+              <a:buChar char=""/>
+            </a:pPr>
+            <a:r>
+              <a:rPr lang="en-US"/>
+              <a:t>Bit width of fixed point numbers greatly influenced the accuracy</a:t>
+            </a:r>
+            <a:endParaRPr/>
+          </a:p>
+          <a:p>
+            <a:pPr lvl="1">
+              <a:buSzPct val="25000"/>
+              <a:buFont typeface="StarSymbol"/>
+              <a:buChar char=""/>
+            </a:pPr>
+            <a:r>
+              <a:rPr lang="en-US"/>
+              <a:t>Own implementation of sin and cos functions</a:t>
             </a:r>
             <a:endParaRPr/>
           </a:p>
@@ -2563,7 +2576,7 @@
             </a:pPr>
             <a:r>
               <a:rPr lang="en-US"/>
-              <a:t>Fixed point numbers use integer arithmetic</a:t>
+              <a:t>Wanted design to be configurable</a:t>
             </a:r>
             <a:endParaRPr/>
           </a:p>
@@ -2575,7 +2588,19 @@
             </a:pPr>
             <a:r>
               <a:rPr lang="en-US"/>
-              <a:t>Smaller design than floating point megafunctions </a:t>
+              <a:t>Still can configure for different robots </a:t>
+            </a:r>
+            <a:endParaRPr/>
+          </a:p>
+          <a:p>
+            <a:pPr lvl="1">
+              <a:buSzPct val="25000"/>
+              <a:buFont typeface="StarSymbol"/>
+              <a:buChar char=""/>
+            </a:pPr>
+            <a:r>
+              <a:rPr lang="en-US"/>
+              <a:t>No longer supports translational joints</a:t>
             </a:r>
             <a:endParaRPr/>
           </a:p>
@@ -2587,7 +2612,7 @@
             </a:pPr>
             <a:r>
               <a:rPr lang="en-US"/>
-              <a:t>Loss of precision during certain operations</a:t>
+              <a:t>Sharing resources</a:t>
             </a:r>
             <a:endParaRPr/>
           </a:p>
@@ -2599,7 +2624,7 @@
             </a:pPr>
             <a:r>
               <a:rPr lang="en-US"/>
-              <a:t>Multiplications result in a number twice as large as original numbers being multiplied. Need to truncate </a:t>
+              <a:t>Timing diagram showed what operations were done when allowing us to find where resources can be shared</a:t>
             </a:r>
             <a:endParaRPr/>
           </a:p>
@@ -2611,31 +2636,7 @@
             </a:pPr>
             <a:r>
               <a:rPr lang="en-US"/>
-              <a:t>Division results in number half as large unless shifted before which can save precision</a:t>
-            </a:r>
-            <a:endParaRPr/>
-          </a:p>
-          <a:p>
-            <a:pPr lvl="1">
-              <a:buSzPct val="25000"/>
-              <a:buFont typeface="StarSymbol"/>
-              <a:buChar char=""/>
-            </a:pPr>
-            <a:r>
-              <a:rPr lang="en-US"/>
-              <a:t>Square root results in number half as large and cannot be fixed by shifting</a:t>
-            </a:r>
-            <a:endParaRPr/>
-          </a:p>
-          <a:p>
-            <a:pPr>
-              <a:buSzPct val="25000"/>
-              <a:buFont typeface="StarSymbol"/>
-              <a:buChar char=""/>
-            </a:pPr>
-            <a:r>
-              <a:rPr lang="en-US"/>
-              <a:t>Software converts from floating point to fixed point so FGPA only sees fixed point</a:t>
+              <a:t>Instead of each component having its own multipliers had a shared multiplier for whole design</a:t>
             </a:r>
             <a:endParaRPr/>
           </a:p>
@@ -2715,7 +2716,7 @@
                   <a:srgbClr val="000000"/>
                 </a:solidFill>
               </a:rPr>
-              <a:t>Lianne's Lessons Learned</a:t>
+              <a:t>Fixed Point</a:t>
             </a:r>
             <a:endParaRPr/>
           </a:p>
@@ -2746,7 +2747,43 @@
             </a:pPr>
             <a:r>
               <a:rPr lang="en-US"/>
-              <a:t>Plan before trying to implement</a:t>
+              <a:t>Varying number of bits </a:t>
+            </a:r>
+            <a:endParaRPr/>
+          </a:p>
+          <a:p>
+            <a:pPr lvl="1">
+              <a:buSzPct val="25000"/>
+              <a:buFont typeface="StarSymbol"/>
+              <a:buChar char=""/>
+            </a:pPr>
+            <a:r>
+              <a:rPr lang="en-US"/>
+              <a:t>Always 16 bits for fraction part</a:t>
+            </a:r>
+            <a:endParaRPr/>
+          </a:p>
+          <a:p>
+            <a:pPr lvl="2">
+              <a:buSzPct val="25000"/>
+              <a:buFont typeface="StarSymbol"/>
+              <a:buChar char=""/>
+            </a:pPr>
+            <a:r>
+              <a:rPr lang="en-US"/>
+              <a:t>1/2^16 smallest increment between numbers</a:t>
+            </a:r>
+            <a:endParaRPr/>
+          </a:p>
+          <a:p>
+            <a:pPr lvl="1">
+              <a:buSzPct val="25000"/>
+              <a:buFont typeface="StarSymbol"/>
+              <a:buChar char=""/>
+            </a:pPr>
+            <a:r>
+              <a:rPr lang="en-US"/>
+              <a:t>Average 16 signed bits for integer part</a:t>
             </a:r>
             <a:endParaRPr/>
           </a:p>
@@ -2758,7 +2795,79 @@
             </a:pPr>
             <a:r>
               <a:rPr lang="en-US"/>
-              <a:t>Need to use timing diagram to understand which steps have to happen in what order to maximize resource sharing and parallelism </a:t>
+              <a:t>Fixed point numbers use integer arithmetic</a:t>
+            </a:r>
+            <a:endParaRPr/>
+          </a:p>
+          <a:p>
+            <a:pPr lvl="1">
+              <a:buSzPct val="25000"/>
+              <a:buFont typeface="StarSymbol"/>
+              <a:buChar char=""/>
+            </a:pPr>
+            <a:r>
+              <a:rPr lang="en-US"/>
+              <a:t>Smaller design than floating point megafunctions </a:t>
+            </a:r>
+            <a:endParaRPr/>
+          </a:p>
+          <a:p>
+            <a:pPr>
+              <a:buSzPct val="25000"/>
+              <a:buFont typeface="StarSymbol"/>
+              <a:buChar char=""/>
+            </a:pPr>
+            <a:r>
+              <a:rPr lang="en-US"/>
+              <a:t>Loss of precision during certain operations</a:t>
+            </a:r>
+            <a:endParaRPr/>
+          </a:p>
+          <a:p>
+            <a:pPr lvl="1">
+              <a:buSzPct val="25000"/>
+              <a:buFont typeface="StarSymbol"/>
+              <a:buChar char=""/>
+            </a:pPr>
+            <a:r>
+              <a:rPr lang="en-US"/>
+              <a:t>Multiplications result in a number twice as large as original numbers being multiplied. Need to truncate </a:t>
+            </a:r>
+            <a:endParaRPr/>
+          </a:p>
+          <a:p>
+            <a:pPr lvl="1">
+              <a:buSzPct val="25000"/>
+              <a:buFont typeface="StarSymbol"/>
+              <a:buChar char=""/>
+            </a:pPr>
+            <a:r>
+              <a:rPr lang="en-US"/>
+              <a:t>Division results in number half as large unless shifted before which can save precision</a:t>
+            </a:r>
+            <a:endParaRPr/>
+          </a:p>
+          <a:p>
+            <a:pPr lvl="1">
+              <a:buSzPct val="25000"/>
+              <a:buFont typeface="StarSymbol"/>
+              <a:buChar char=""/>
+            </a:pPr>
+            <a:r>
+              <a:rPr lang="en-US"/>
+              <a:t>Square root results in number half as large and cannot be fixed by shifting</a:t>
+            </a:r>
+            <a:endParaRPr/>
+          </a:p>
+          <a:p>
+            <a:pPr>
+              <a:buSzPct val="25000"/>
+              <a:buFont typeface="StarSymbol"/>
+              <a:buChar char=""/>
+            </a:pPr>
+            <a:r>
+              <a:rPr lang="en-US"/>
+              <a:t>Software converts from floating point to fixed point so FGPA only sees fixed point</a:t>
             </a:r>
             <a:endParaRPr/>
           </a:p>
@@ -2773,6 +2882,129 @@
           <p:childTnLst>
             <p:seq>
               <p:cTn id="6" nodeType="mainSeq"/>
+              <p:prevCondLst>
+                <p:cond delay="0" evt="onPrev">
+                  <p:tgtEl>
+                    <p:sldTgt/>
+                  </p:tgtEl>
+                </p:cond>
+              </p:prevCondLst>
+              <p:nextCondLst>
+                <p:cond delay="0" evt="onNext">
+                  <p:tgtEl>
+                    <p:sldTgt/>
+                  </p:tgtEl>
+                </p:cond>
+              </p:nextCondLst>
+            </p:seq>
+          </p:childTnLst>
+        </p:cTn>
+      </p:par>
+    </p:tnLst>
+  </p:timing>
+</p:sld>
+</file>
+
+<file path=ppt/slides/slide6.xml><?xml version="1.0" encoding="utf-8"?>
+<p:sld xmlns:a="http://schemas.openxmlformats.org/drawingml/2006/main" xmlns:p="http://schemas.openxmlformats.org/presentationml/2006/main" xmlns:r="http://schemas.openxmlformats.org/officeDocument/2006/relationships">
+  <p:cSld>
+    <p:spTree>
+      <p:nvGrpSpPr>
+        <p:cNvPr id="1" name=""/>
+        <p:cNvGrpSpPr/>
+        <p:nvPr/>
+      </p:nvGrpSpPr>
+      <p:grpSpPr>
+        <a:xfrm>
+          <a:off x="0" y="0"/>
+          <a:ext cx="0" cy="0"/>
+          <a:chOff x="0" y="0"/>
+          <a:chExt cx="0" cy="0"/>
+        </a:xfrm>
+      </p:grpSpPr>
+      <p:sp>
+        <p:nvSpPr>
+          <p:cNvPr id="53" name="TextShape 1"/>
+          <p:cNvSpPr txBox="1"/>
+          <p:nvPr/>
+        </p:nvSpPr>
+        <p:spPr>
+          <a:xfrm>
+            <a:off x="0" y="58320"/>
+            <a:ext cx="9143640" cy="568800"/>
+          </a:xfrm>
+          <a:prstGeom prst="rect">
+            <a:avLst/>
+          </a:prstGeom>
+        </p:spPr>
+        <p:txBody>
+          <a:bodyPr anchor="ctr" bIns="0" lIns="0" rIns="0" tIns="0" wrap="none"/>
+          <a:p>
+            <a:pPr algn="ctr"/>
+            <a:r>
+              <a:rPr lang="en-US">
+                <a:solidFill>
+                  <a:srgbClr val="000000"/>
+                </a:solidFill>
+              </a:rPr>
+              <a:t>Lianne's Lessons Learned</a:t>
+            </a:r>
+            <a:endParaRPr/>
+          </a:p>
+        </p:txBody>
+      </p:sp>
+      <p:sp>
+        <p:nvSpPr>
+          <p:cNvPr id="54" name="TextShape 2"/>
+          <p:cNvSpPr txBox="1"/>
+          <p:nvPr/>
+        </p:nvSpPr>
+        <p:spPr>
+          <a:xfrm>
+            <a:off x="360" y="731520"/>
+            <a:ext cx="9143640" cy="6019560"/>
+          </a:xfrm>
+          <a:prstGeom prst="rect">
+            <a:avLst/>
+          </a:prstGeom>
+        </p:spPr>
+        <p:txBody>
+          <a:bodyPr bIns="0" lIns="0" rIns="0" tIns="0" wrap="none"/>
+          <a:p>
+            <a:pPr>
+              <a:buSzPct val="25000"/>
+              <a:buFont typeface="StarSymbol"/>
+              <a:buChar char=""/>
+            </a:pPr>
+            <a:r>
+              <a:rPr lang="en-US"/>
+              <a:t>Plan before trying to implement</a:t>
+            </a:r>
+            <a:endParaRPr/>
+          </a:p>
+          <a:p>
+            <a:pPr>
+              <a:buSzPct val="25000"/>
+              <a:buFont typeface="StarSymbol"/>
+              <a:buChar char=""/>
+            </a:pPr>
+            <a:r>
+              <a:rPr lang="en-US"/>
+              <a:t>Need to use timing diagram to understand which steps have to happen in what order to maximize resource sharing and parallelism </a:t>
+            </a:r>
+            <a:endParaRPr/>
+          </a:p>
+        </p:txBody>
+      </p:sp>
+    </p:spTree>
+  </p:cSld>
+  <p:timing>
+    <p:tnLst>
+      <p:par>
+        <p:cTn dur="indefinite" id="7" nodeType="tmRoot" restart="never">
+          <p:childTnLst>
+            <p:seq>
+              <p:cTn id="8" nodeType="mainSeq"/>
               <p:prevCondLst>
                 <p:cond delay="0" evt="onPrev">
                   <p:tgtEl>

--- a/doc/talk/IKSwift.pptx
+++ b/doc/talk/IKSwift.pptx
@@ -11,6 +11,7 @@
     <p:sldId id="259" r:id="rId6"/>
     <p:sldId id="260" r:id="rId7"/>
     <p:sldId id="261" r:id="rId8"/>
+    <p:sldId id="262" r:id="rId9"/>
   </p:sldIdLst>
   <p:sldSz cx="9144000" cy="6858000"/>
   <p:notesSz cx="7772400" cy="10058400"/>
@@ -1216,7 +1217,7 @@
                 <a:spcPct val="80000"/>
               </a:lnSpc>
             </a:pPr>
-            <a:fld id="{5F2EE9D9-B5F9-47A3-B3E3-EFC8FC920B27}" type="slidenum">
+            <a:fld id="{FF46D322-7652-4D32-BEFD-3B42F06317C3}" type="slidenum">
               <a:rPr lang="en-US" sz="1600">
                 <a:solidFill>
                   <a:srgbClr val="ffffff"/>
@@ -1583,7 +1584,7 @@
                 <a:spcPct val="100000"/>
               </a:lnSpc>
             </a:pPr>
-            <a:fld id="{E8300D9E-BD3D-48AB-B35C-C0D2BD4F95B7}" type="slidenum">
+            <a:fld id="{004BFB14-C62D-4D6F-BBCD-076B72BBCE90}" type="slidenum">
               <a:rPr lang="en-US" sz="1200">
                 <a:solidFill>
                   <a:srgbClr val="8b8b8b"/>
@@ -1781,6 +1782,22 @@
                 <a:latin typeface="Franklin Gothic Book"/>
               </a:rPr>
               <a:t>experiences and issues in implementation (the difficult parts)</a:t>
+            </a:r>
+            <a:endParaRPr/>
+          </a:p>
+          <a:p>
+            <a:pPr lvl="1">
+              <a:buFont typeface="Arial"/>
+              <a:buChar char="–"/>
+            </a:pPr>
+            <a:r>
+              <a:rPr lang="en-US" sz="2400">
+                <a:solidFill>
+                  <a:srgbClr val="000000"/>
+                </a:solidFill>
+                <a:latin typeface="Franklin Gothic Book"/>
+              </a:rPr>
+              <a:t>Deciding on algorithms</a:t>
             </a:r>
             <a:endParaRPr/>
           </a:p>
@@ -2947,7 +2964,7 @@
                   <a:srgbClr val="000000"/>
                 </a:solidFill>
               </a:rPr>
-              <a:t>Lianne's Lessons Learned</a:t>
+              <a:t>Algorithm Heuristics</a:t>
             </a:r>
             <a:endParaRPr/>
           </a:p>
@@ -2961,7 +2978,7 @@
         </p:nvSpPr>
         <p:spPr>
           <a:xfrm>
-            <a:off x="360" y="731520"/>
+            <a:off x="0" y="838080"/>
             <a:ext cx="9143640" cy="6019560"/>
           </a:xfrm>
           <a:prstGeom prst="rect">
@@ -2978,7 +2995,43 @@
             </a:pPr>
             <a:r>
               <a:rPr lang="en-US"/>
-              <a:t>Plan before trying to implement</a:t>
+              <a:t>Multiple steps had possible algorithms</a:t>
+            </a:r>
+            <a:endParaRPr/>
+          </a:p>
+          <a:p>
+            <a:pPr lvl="1">
+              <a:buSzPct val="25000"/>
+              <a:buFont typeface="StarSymbol"/>
+              <a:buChar char=""/>
+            </a:pPr>
+            <a:r>
+              <a:rPr lang="en-US"/>
+              <a:t>Inverse kinetic algorithm</a:t>
+            </a:r>
+            <a:endParaRPr/>
+          </a:p>
+          <a:p>
+            <a:pPr lvl="1">
+              <a:buSzPct val="25000"/>
+              <a:buFont typeface="StarSymbol"/>
+              <a:buChar char=""/>
+            </a:pPr>
+            <a:r>
+              <a:rPr lang="en-US"/>
+              <a:t>Matrix inverse algorithm</a:t>
+            </a:r>
+            <a:endParaRPr/>
+          </a:p>
+          <a:p>
+            <a:pPr lvl="1">
+              <a:buSzPct val="25000"/>
+              <a:buFont typeface="StarSymbol"/>
+              <a:buChar char=""/>
+            </a:pPr>
+            <a:r>
+              <a:rPr lang="en-US"/>
+              <a:t>Sin and cos algorithms</a:t>
             </a:r>
             <a:endParaRPr/>
           </a:p>
@@ -2990,7 +3043,91 @@
             </a:pPr>
             <a:r>
               <a:rPr lang="en-US"/>
-              <a:t>Need to use timing diagram to understand which steps have to happen in what order to maximize resource sharing and parallelism </a:t>
+              <a:t>Best algorithms for software might not be best for hardware</a:t>
+            </a:r>
+            <a:endParaRPr/>
+          </a:p>
+          <a:p>
+            <a:pPr lvl="1">
+              <a:buSzPct val="25000"/>
+              <a:buFont typeface="StarSymbol"/>
+              <a:buChar char=""/>
+            </a:pPr>
+            <a:r>
+              <a:rPr lang="en-US"/>
+              <a:t>Can it be parallized?</a:t>
+            </a:r>
+            <a:endParaRPr/>
+          </a:p>
+          <a:p>
+            <a:pPr lvl="1">
+              <a:buSzPct val="25000"/>
+              <a:buFont typeface="StarSymbol"/>
+              <a:buChar char=""/>
+            </a:pPr>
+            <a:r>
+              <a:rPr lang="en-US"/>
+              <a:t>How many operations are needed?</a:t>
+            </a:r>
+            <a:endParaRPr/>
+          </a:p>
+          <a:p>
+            <a:pPr lvl="1">
+              <a:buSzPct val="25000"/>
+              <a:buFont typeface="StarSymbol"/>
+              <a:buChar char=""/>
+            </a:pPr>
+            <a:r>
+              <a:rPr lang="en-US"/>
+              <a:t>How big will the implementation be?</a:t>
+            </a:r>
+            <a:endParaRPr/>
+          </a:p>
+          <a:p>
+            <a:pPr lvl="1">
+              <a:buSzPct val="25000"/>
+              <a:buFont typeface="StarSymbol"/>
+              <a:buChar char=""/>
+            </a:pPr>
+            <a:r>
+              <a:rPr lang="en-US"/>
+              <a:t>Accurate in fixed point?</a:t>
+            </a:r>
+            <a:endParaRPr/>
+          </a:p>
+          <a:p>
+            <a:pPr>
+              <a:buSzPct val="25000"/>
+              <a:buFont typeface="StarSymbol"/>
+              <a:buChar char=""/>
+            </a:pPr>
+            <a:r>
+              <a:rPr lang="en-US"/>
+              <a:t>Need to be able to understand the algorithm to implement it</a:t>
+            </a:r>
+            <a:endParaRPr/>
+          </a:p>
+          <a:p>
+            <a:pPr lvl="1">
+              <a:buSzPct val="25000"/>
+              <a:buFont typeface="StarSymbol"/>
+              <a:buChar char=""/>
+            </a:pPr>
+            <a:r>
+              <a:rPr lang="en-US"/>
+              <a:t>Algorithms were found in research papers and described abstractly</a:t>
+            </a:r>
+            <a:endParaRPr/>
+          </a:p>
+          <a:p>
+            <a:pPr lvl="1">
+              <a:buSzPct val="25000"/>
+              <a:buFont typeface="StarSymbol"/>
+              <a:buChar char=""/>
+            </a:pPr>
+            <a:r>
+              <a:rPr lang="en-US"/>
+              <a:t>Need to test thoroughly to ensure algorithm was implemented correctly  </a:t>
             </a:r>
             <a:endParaRPr/>
           </a:p>
@@ -3005,6 +3142,129 @@
           <p:childTnLst>
             <p:seq>
               <p:cTn id="8" nodeType="mainSeq"/>
+              <p:prevCondLst>
+                <p:cond delay="0" evt="onPrev">
+                  <p:tgtEl>
+                    <p:sldTgt/>
+                  </p:tgtEl>
+                </p:cond>
+              </p:prevCondLst>
+              <p:nextCondLst>
+                <p:cond delay="0" evt="onNext">
+                  <p:tgtEl>
+                    <p:sldTgt/>
+                  </p:tgtEl>
+                </p:cond>
+              </p:nextCondLst>
+            </p:seq>
+          </p:childTnLst>
+        </p:cTn>
+      </p:par>
+    </p:tnLst>
+  </p:timing>
+</p:sld>
+</file>
+
+<file path=ppt/slides/slide7.xml><?xml version="1.0" encoding="utf-8"?>
+<p:sld xmlns:a="http://schemas.openxmlformats.org/drawingml/2006/main" xmlns:p="http://schemas.openxmlformats.org/presentationml/2006/main" xmlns:r="http://schemas.openxmlformats.org/officeDocument/2006/relationships">
+  <p:cSld>
+    <p:spTree>
+      <p:nvGrpSpPr>
+        <p:cNvPr id="1" name=""/>
+        <p:cNvGrpSpPr/>
+        <p:nvPr/>
+      </p:nvGrpSpPr>
+      <p:grpSpPr>
+        <a:xfrm>
+          <a:off x="0" y="0"/>
+          <a:ext cx="0" cy="0"/>
+          <a:chOff x="0" y="0"/>
+          <a:chExt cx="0" cy="0"/>
+        </a:xfrm>
+      </p:grpSpPr>
+      <p:sp>
+        <p:nvSpPr>
+          <p:cNvPr id="55" name="TextShape 1"/>
+          <p:cNvSpPr txBox="1"/>
+          <p:nvPr/>
+        </p:nvSpPr>
+        <p:spPr>
+          <a:xfrm>
+            <a:off x="0" y="58320"/>
+            <a:ext cx="9143640" cy="568800"/>
+          </a:xfrm>
+          <a:prstGeom prst="rect">
+            <a:avLst/>
+          </a:prstGeom>
+        </p:spPr>
+        <p:txBody>
+          <a:bodyPr anchor="ctr" bIns="0" lIns="0" rIns="0" tIns="0" wrap="none"/>
+          <a:p>
+            <a:pPr algn="ctr"/>
+            <a:r>
+              <a:rPr lang="en-US">
+                <a:solidFill>
+                  <a:srgbClr val="000000"/>
+                </a:solidFill>
+              </a:rPr>
+              <a:t>Lianne's Lessons Learned</a:t>
+            </a:r>
+            <a:endParaRPr/>
+          </a:p>
+        </p:txBody>
+      </p:sp>
+      <p:sp>
+        <p:nvSpPr>
+          <p:cNvPr id="56" name="TextShape 2"/>
+          <p:cNvSpPr txBox="1"/>
+          <p:nvPr/>
+        </p:nvSpPr>
+        <p:spPr>
+          <a:xfrm>
+            <a:off x="360" y="731520"/>
+            <a:ext cx="9143640" cy="6019560"/>
+          </a:xfrm>
+          <a:prstGeom prst="rect">
+            <a:avLst/>
+          </a:prstGeom>
+        </p:spPr>
+        <p:txBody>
+          <a:bodyPr bIns="0" lIns="0" rIns="0" tIns="0" wrap="none"/>
+          <a:p>
+            <a:pPr>
+              <a:buSzPct val="25000"/>
+              <a:buFont typeface="StarSymbol"/>
+              <a:buChar char=""/>
+            </a:pPr>
+            <a:r>
+              <a:rPr lang="en-US"/>
+              <a:t>Plan before trying to implement</a:t>
+            </a:r>
+            <a:endParaRPr/>
+          </a:p>
+          <a:p>
+            <a:pPr>
+              <a:buSzPct val="25000"/>
+              <a:buFont typeface="StarSymbol"/>
+              <a:buChar char=""/>
+            </a:pPr>
+            <a:r>
+              <a:rPr lang="en-US"/>
+              <a:t>Need to use timing diagram to understand which steps have to happen in what order to maximize resource sharing and parallelism </a:t>
+            </a:r>
+            <a:endParaRPr/>
+          </a:p>
+        </p:txBody>
+      </p:sp>
+    </p:spTree>
+  </p:cSld>
+  <p:timing>
+    <p:tnLst>
+      <p:par>
+        <p:cTn dur="indefinite" id="9" nodeType="tmRoot" restart="never">
+          <p:childTnLst>
+            <p:seq>
+              <p:cTn id="10" nodeType="mainSeq"/>
               <p:prevCondLst>
                 <p:cond delay="0" evt="onPrev">
                   <p:tgtEl>

--- a/doc/talk/IKSwift.pptx
+++ b/doc/talk/IKSwift.pptx
@@ -1,25 +1,119 @@
 
 <file path=ppt/presentation.xml><?xml version="1.0" encoding="utf-8"?>
-<p:presentation xmlns:a="http://schemas.openxmlformats.org/drawingml/2006/main" xmlns:p="http://schemas.openxmlformats.org/presentationml/2006/main" xmlns:r="http://schemas.openxmlformats.org/officeDocument/2006/relationships">
+<p:presentation xmlns:a="http://schemas.openxmlformats.org/drawingml/2006/main" xmlns:r="http://schemas.openxmlformats.org/officeDocument/2006/relationships" xmlns:p="http://schemas.openxmlformats.org/presentationml/2006/main">
   <p:sldMasterIdLst>
-    <p:sldMasterId id="2147483648" r:id="rId2"/>
+    <p:sldMasterId id="2147483648" r:id="rId1"/>
   </p:sldMasterIdLst>
   <p:sldIdLst>
-    <p:sldId id="256" r:id="rId3"/>
-    <p:sldId id="257" r:id="rId4"/>
-    <p:sldId id="258" r:id="rId5"/>
-    <p:sldId id="259" r:id="rId6"/>
-    <p:sldId id="260" r:id="rId7"/>
-    <p:sldId id="261" r:id="rId8"/>
-    <p:sldId id="262" r:id="rId9"/>
+    <p:sldId id="256" r:id="rId2"/>
+    <p:sldId id="257" r:id="rId3"/>
+    <p:sldId id="258" r:id="rId4"/>
+    <p:sldId id="259" r:id="rId5"/>
+    <p:sldId id="263" r:id="rId6"/>
+    <p:sldId id="261" r:id="rId7"/>
   </p:sldIdLst>
-  <p:sldSz cx="9144000" cy="6858000"/>
+  <p:sldSz cx="9144000" cy="6858000" type="screen4x3"/>
   <p:notesSz cx="7772400" cy="10058400"/>
+  <p:defaultTextStyle>
+    <a:defPPr>
+      <a:defRPr lang="en-US"/>
+    </a:defPPr>
+    <a:lvl1pPr marL="0" algn="l" defTabSz="914400" rtl="0" eaLnBrk="1" latinLnBrk="0" hangingPunct="1">
+      <a:defRPr sz="1800" kern="1200">
+        <a:solidFill>
+          <a:schemeClr val="tx1"/>
+        </a:solidFill>
+        <a:latin typeface="+mn-lt"/>
+        <a:ea typeface="+mn-ea"/>
+        <a:cs typeface="+mn-cs"/>
+      </a:defRPr>
+    </a:lvl1pPr>
+    <a:lvl2pPr marL="457200" algn="l" defTabSz="914400" rtl="0" eaLnBrk="1" latinLnBrk="0" hangingPunct="1">
+      <a:defRPr sz="1800" kern="1200">
+        <a:solidFill>
+          <a:schemeClr val="tx1"/>
+        </a:solidFill>
+        <a:latin typeface="+mn-lt"/>
+        <a:ea typeface="+mn-ea"/>
+        <a:cs typeface="+mn-cs"/>
+      </a:defRPr>
+    </a:lvl2pPr>
+    <a:lvl3pPr marL="914400" algn="l" defTabSz="914400" rtl="0" eaLnBrk="1" latinLnBrk="0" hangingPunct="1">
+      <a:defRPr sz="1800" kern="1200">
+        <a:solidFill>
+          <a:schemeClr val="tx1"/>
+        </a:solidFill>
+        <a:latin typeface="+mn-lt"/>
+        <a:ea typeface="+mn-ea"/>
+        <a:cs typeface="+mn-cs"/>
+      </a:defRPr>
+    </a:lvl3pPr>
+    <a:lvl4pPr marL="1371600" algn="l" defTabSz="914400" rtl="0" eaLnBrk="1" latinLnBrk="0" hangingPunct="1">
+      <a:defRPr sz="1800" kern="1200">
+        <a:solidFill>
+          <a:schemeClr val="tx1"/>
+        </a:solidFill>
+        <a:latin typeface="+mn-lt"/>
+        <a:ea typeface="+mn-ea"/>
+        <a:cs typeface="+mn-cs"/>
+      </a:defRPr>
+    </a:lvl4pPr>
+    <a:lvl5pPr marL="1828800" algn="l" defTabSz="914400" rtl="0" eaLnBrk="1" latinLnBrk="0" hangingPunct="1">
+      <a:defRPr sz="1800" kern="1200">
+        <a:solidFill>
+          <a:schemeClr val="tx1"/>
+        </a:solidFill>
+        <a:latin typeface="+mn-lt"/>
+        <a:ea typeface="+mn-ea"/>
+        <a:cs typeface="+mn-cs"/>
+      </a:defRPr>
+    </a:lvl5pPr>
+    <a:lvl6pPr marL="2286000" algn="l" defTabSz="914400" rtl="0" eaLnBrk="1" latinLnBrk="0" hangingPunct="1">
+      <a:defRPr sz="1800" kern="1200">
+        <a:solidFill>
+          <a:schemeClr val="tx1"/>
+        </a:solidFill>
+        <a:latin typeface="+mn-lt"/>
+        <a:ea typeface="+mn-ea"/>
+        <a:cs typeface="+mn-cs"/>
+      </a:defRPr>
+    </a:lvl6pPr>
+    <a:lvl7pPr marL="2743200" algn="l" defTabSz="914400" rtl="0" eaLnBrk="1" latinLnBrk="0" hangingPunct="1">
+      <a:defRPr sz="1800" kern="1200">
+        <a:solidFill>
+          <a:schemeClr val="tx1"/>
+        </a:solidFill>
+        <a:latin typeface="+mn-lt"/>
+        <a:ea typeface="+mn-ea"/>
+        <a:cs typeface="+mn-cs"/>
+      </a:defRPr>
+    </a:lvl7pPr>
+    <a:lvl8pPr marL="3200400" algn="l" defTabSz="914400" rtl="0" eaLnBrk="1" latinLnBrk="0" hangingPunct="1">
+      <a:defRPr sz="1800" kern="1200">
+        <a:solidFill>
+          <a:schemeClr val="tx1"/>
+        </a:solidFill>
+        <a:latin typeface="+mn-lt"/>
+        <a:ea typeface="+mn-ea"/>
+        <a:cs typeface="+mn-cs"/>
+      </a:defRPr>
+    </a:lvl8pPr>
+    <a:lvl9pPr marL="3657600" algn="l" defTabSz="914400" rtl="0" eaLnBrk="1" latinLnBrk="0" hangingPunct="1">
+      <a:defRPr sz="1800" kern="1200">
+        <a:solidFill>
+          <a:schemeClr val="tx1"/>
+        </a:solidFill>
+        <a:latin typeface="+mn-lt"/>
+        <a:ea typeface="+mn-ea"/>
+        <a:cs typeface="+mn-cs"/>
+      </a:defRPr>
+    </a:lvl9pPr>
+  </p:defaultTextStyle>
 </p:presentation>
 </file>
 
 <file path=ppt/slideLayouts/slideLayout1.xml><?xml version="1.0" encoding="utf-8"?>
-<p:sldLayout xmlns:a="http://schemas.openxmlformats.org/drawingml/2006/main" xmlns:p="http://schemas.openxmlformats.org/presentationml/2006/main" xmlns:r="http://schemas.openxmlformats.org/officeDocument/2006/relationships" preserve="1" type="blank">
+<p:sldLayout xmlns:a="http://schemas.openxmlformats.org/drawingml/2006/main" xmlns:r="http://schemas.openxmlformats.org/officeDocument/2006/relationships" xmlns:p="http://schemas.openxmlformats.org/presentationml/2006/main" type="blank" preserve="1">
   <p:cSld name="Blank Slide">
     <p:spTree>
       <p:nvGrpSpPr>
@@ -37,11 +131,14 @@
       </p:grpSpPr>
     </p:spTree>
   </p:cSld>
+  <p:clrMapOvr>
+    <a:masterClrMapping/>
+  </p:clrMapOvr>
 </p:sldLayout>
 </file>
 
 <file path=ppt/slideLayouts/slideLayout10.xml><?xml version="1.0" encoding="utf-8"?>
-<p:sldLayout xmlns:a="http://schemas.openxmlformats.org/drawingml/2006/main" xmlns:p="http://schemas.openxmlformats.org/presentationml/2006/main" xmlns:r="http://schemas.openxmlformats.org/officeDocument/2006/relationships" preserve="1" type="objOverTx">
+<p:sldLayout xmlns:a="http://schemas.openxmlformats.org/drawingml/2006/main" xmlns:r="http://schemas.openxmlformats.org/officeDocument/2006/relationships" xmlns:p="http://schemas.openxmlformats.org/presentationml/2006/main" type="objOverTx" preserve="1">
   <p:cSld name="Title, Content over Content">
     <p:spTree>
       <p:nvGrpSpPr>
@@ -77,7 +174,8 @@
           </a:prstGeom>
         </p:spPr>
         <p:txBody>
-          <a:bodyPr anchor="ctr" bIns="0" lIns="0" rIns="0" tIns="0" wrap="none"/>
+          <a:bodyPr wrap="none" lIns="0" tIns="0" rIns="0" bIns="0" anchor="ctr"/>
+          <a:lstStyle/>
           <a:p>
             <a:endParaRPr/>
           </a:p>
@@ -103,7 +201,8 @@
           </a:prstGeom>
         </p:spPr>
         <p:txBody>
-          <a:bodyPr bIns="0" lIns="0" rIns="0" tIns="0" wrap="none"/>
+          <a:bodyPr wrap="none" lIns="0" tIns="0" rIns="0" bIns="0"/>
+          <a:lstStyle/>
           <a:p>
             <a:endParaRPr/>
           </a:p>
@@ -129,7 +228,8 @@
           </a:prstGeom>
         </p:spPr>
         <p:txBody>
-          <a:bodyPr bIns="0" lIns="0" rIns="0" tIns="0" wrap="none"/>
+          <a:bodyPr wrap="none" lIns="0" tIns="0" rIns="0" bIns="0"/>
+          <a:lstStyle/>
           <a:p>
             <a:endParaRPr/>
           </a:p>
@@ -137,11 +237,14 @@
       </p:sp>
     </p:spTree>
   </p:cSld>
+  <p:clrMapOvr>
+    <a:masterClrMapping/>
+  </p:clrMapOvr>
 </p:sldLayout>
 </file>
 
 <file path=ppt/slideLayouts/slideLayout11.xml><?xml version="1.0" encoding="utf-8"?>
-<p:sldLayout xmlns:a="http://schemas.openxmlformats.org/drawingml/2006/main" xmlns:p="http://schemas.openxmlformats.org/presentationml/2006/main" xmlns:r="http://schemas.openxmlformats.org/officeDocument/2006/relationships" preserve="1" type="fourObj">
+<p:sldLayout xmlns:a="http://schemas.openxmlformats.org/drawingml/2006/main" xmlns:r="http://schemas.openxmlformats.org/officeDocument/2006/relationships" xmlns:p="http://schemas.openxmlformats.org/presentationml/2006/main" type="fourObj" preserve="1">
   <p:cSld name="Title, 4 Content">
     <p:spTree>
       <p:nvGrpSpPr>
@@ -177,7 +280,8 @@
           </a:prstGeom>
         </p:spPr>
         <p:txBody>
-          <a:bodyPr anchor="ctr" bIns="0" lIns="0" rIns="0" tIns="0" wrap="none"/>
+          <a:bodyPr wrap="none" lIns="0" tIns="0" rIns="0" bIns="0" anchor="ctr"/>
+          <a:lstStyle/>
           <a:p>
             <a:endParaRPr/>
           </a:p>
@@ -203,7 +307,8 @@
           </a:prstGeom>
         </p:spPr>
         <p:txBody>
-          <a:bodyPr bIns="0" lIns="0" rIns="0" tIns="0" wrap="none"/>
+          <a:bodyPr wrap="none" lIns="0" tIns="0" rIns="0" bIns="0"/>
+          <a:lstStyle/>
           <a:p>
             <a:endParaRPr/>
           </a:p>
@@ -229,7 +334,8 @@
           </a:prstGeom>
         </p:spPr>
         <p:txBody>
-          <a:bodyPr bIns="0" lIns="0" rIns="0" tIns="0" wrap="none"/>
+          <a:bodyPr wrap="none" lIns="0" tIns="0" rIns="0" bIns="0"/>
+          <a:lstStyle/>
           <a:p>
             <a:endParaRPr/>
           </a:p>
@@ -255,7 +361,8 @@
           </a:prstGeom>
         </p:spPr>
         <p:txBody>
-          <a:bodyPr bIns="0" lIns="0" rIns="0" tIns="0" wrap="none"/>
+          <a:bodyPr wrap="none" lIns="0" tIns="0" rIns="0" bIns="0"/>
+          <a:lstStyle/>
           <a:p>
             <a:endParaRPr/>
           </a:p>
@@ -281,7 +388,8 @@
           </a:prstGeom>
         </p:spPr>
         <p:txBody>
-          <a:bodyPr bIns="0" lIns="0" rIns="0" tIns="0" wrap="none"/>
+          <a:bodyPr wrap="none" lIns="0" tIns="0" rIns="0" bIns="0"/>
+          <a:lstStyle/>
           <a:p>
             <a:endParaRPr/>
           </a:p>
@@ -289,11 +397,14 @@
       </p:sp>
     </p:spTree>
   </p:cSld>
+  <p:clrMapOvr>
+    <a:masterClrMapping/>
+  </p:clrMapOvr>
 </p:sldLayout>
 </file>
 
 <file path=ppt/slideLayouts/slideLayout12.xml><?xml version="1.0" encoding="utf-8"?>
-<p:sldLayout xmlns:a="http://schemas.openxmlformats.org/drawingml/2006/main" xmlns:p="http://schemas.openxmlformats.org/presentationml/2006/main" xmlns:r="http://schemas.openxmlformats.org/officeDocument/2006/relationships" preserve="1" type="blank">
+<p:sldLayout xmlns:a="http://schemas.openxmlformats.org/drawingml/2006/main" xmlns:r="http://schemas.openxmlformats.org/officeDocument/2006/relationships" xmlns:p="http://schemas.openxmlformats.org/presentationml/2006/main" type="blank" preserve="1">
   <p:cSld name="Title, 6 Content">
     <p:spTree>
       <p:nvGrpSpPr>
@@ -329,7 +440,8 @@
           </a:prstGeom>
         </p:spPr>
         <p:txBody>
-          <a:bodyPr anchor="ctr" bIns="0" lIns="0" rIns="0" tIns="0" wrap="none"/>
+          <a:bodyPr wrap="none" lIns="0" tIns="0" rIns="0" bIns="0" anchor="ctr"/>
+          <a:lstStyle/>
           <a:p>
             <a:endParaRPr/>
           </a:p>
@@ -355,7 +467,8 @@
           </a:prstGeom>
         </p:spPr>
         <p:txBody>
-          <a:bodyPr bIns="0" lIns="0" rIns="0" tIns="0" wrap="none"/>
+          <a:bodyPr wrap="none" lIns="0" tIns="0" rIns="0" bIns="0"/>
+          <a:lstStyle/>
           <a:p>
             <a:endParaRPr/>
           </a:p>
@@ -381,7 +494,8 @@
           </a:prstGeom>
         </p:spPr>
         <p:txBody>
-          <a:bodyPr bIns="0" lIns="0" rIns="0" tIns="0" wrap="none"/>
+          <a:bodyPr wrap="none" lIns="0" tIns="0" rIns="0" bIns="0"/>
+          <a:lstStyle/>
           <a:p>
             <a:endParaRPr/>
           </a:p>
@@ -389,12 +503,12 @@
       </p:sp>
       <p:pic>
         <p:nvPicPr>
-          <p:cNvPr descr="" id="39" name=""/>
+          <p:cNvPr id="39" name="Picture 38"/>
           <p:cNvPicPr/>
           <p:nvPr/>
         </p:nvPicPr>
         <p:blipFill>
-          <a:blip r:embed="rId2"/>
+          <a:blip r:embed="rId2" cstate="print"/>
           <a:stretch>
             <a:fillRect/>
           </a:stretch>
@@ -414,12 +528,12 @@
       </p:pic>
       <p:pic>
         <p:nvPicPr>
-          <p:cNvPr descr="" id="40" name=""/>
+          <p:cNvPr id="40" name="Picture 39"/>
           <p:cNvPicPr/>
           <p:nvPr/>
         </p:nvPicPr>
         <p:blipFill>
-          <a:blip r:embed="rId3"/>
+          <a:blip r:embed="rId2" cstate="print"/>
           <a:stretch>
             <a:fillRect/>
           </a:stretch>
@@ -439,11 +553,14 @@
       </p:pic>
     </p:spTree>
   </p:cSld>
+  <p:clrMapOvr>
+    <a:masterClrMapping/>
+  </p:clrMapOvr>
 </p:sldLayout>
 </file>
 
 <file path=ppt/slideLayouts/slideLayout2.xml><?xml version="1.0" encoding="utf-8"?>
-<p:sldLayout xmlns:a="http://schemas.openxmlformats.org/drawingml/2006/main" xmlns:p="http://schemas.openxmlformats.org/presentationml/2006/main" xmlns:r="http://schemas.openxmlformats.org/officeDocument/2006/relationships" preserve="1" type="tx">
+<p:sldLayout xmlns:a="http://schemas.openxmlformats.org/drawingml/2006/main" xmlns:r="http://schemas.openxmlformats.org/officeDocument/2006/relationships" xmlns:p="http://schemas.openxmlformats.org/presentationml/2006/main" type="tx" preserve="1">
   <p:cSld name="Title Slide">
     <p:spTree>
       <p:nvGrpSpPr>
@@ -479,7 +596,8 @@
           </a:prstGeom>
         </p:spPr>
         <p:txBody>
-          <a:bodyPr anchor="ctr" bIns="0" lIns="0" rIns="0" tIns="0" wrap="none"/>
+          <a:bodyPr wrap="none" lIns="0" tIns="0" rIns="0" bIns="0" anchor="ctr"/>
+          <a:lstStyle/>
           <a:p>
             <a:endParaRPr/>
           </a:p>
@@ -505,7 +623,8 @@
           </a:prstGeom>
         </p:spPr>
         <p:txBody>
-          <a:bodyPr anchor="ctr" bIns="0" lIns="0" rIns="0" tIns="0" wrap="none"/>
+          <a:bodyPr wrap="none" lIns="0" tIns="0" rIns="0" bIns="0" anchor="ctr"/>
+          <a:lstStyle/>
           <a:p>
             <a:pPr algn="ctr"/>
             <a:endParaRPr/>
@@ -514,11 +633,14 @@
       </p:sp>
     </p:spTree>
   </p:cSld>
+  <p:clrMapOvr>
+    <a:masterClrMapping/>
+  </p:clrMapOvr>
 </p:sldLayout>
 </file>
 
 <file path=ppt/slideLayouts/slideLayout3.xml><?xml version="1.0" encoding="utf-8"?>
-<p:sldLayout xmlns:a="http://schemas.openxmlformats.org/drawingml/2006/main" xmlns:p="http://schemas.openxmlformats.org/presentationml/2006/main" xmlns:r="http://schemas.openxmlformats.org/officeDocument/2006/relationships" preserve="1" type="obj">
+<p:sldLayout xmlns:a="http://schemas.openxmlformats.org/drawingml/2006/main" xmlns:r="http://schemas.openxmlformats.org/officeDocument/2006/relationships" xmlns:p="http://schemas.openxmlformats.org/presentationml/2006/main" type="obj" preserve="1">
   <p:cSld name="Title, Content">
     <p:spTree>
       <p:nvGrpSpPr>
@@ -554,7 +676,8 @@
           </a:prstGeom>
         </p:spPr>
         <p:txBody>
-          <a:bodyPr anchor="ctr" bIns="0" lIns="0" rIns="0" tIns="0" wrap="none"/>
+          <a:bodyPr wrap="none" lIns="0" tIns="0" rIns="0" bIns="0" anchor="ctr"/>
+          <a:lstStyle/>
           <a:p>
             <a:endParaRPr/>
           </a:p>
@@ -580,7 +703,8 @@
           </a:prstGeom>
         </p:spPr>
         <p:txBody>
-          <a:bodyPr bIns="0" lIns="0" rIns="0" tIns="0" wrap="none"/>
+          <a:bodyPr wrap="none" lIns="0" tIns="0" rIns="0" bIns="0"/>
+          <a:lstStyle/>
           <a:p>
             <a:endParaRPr/>
           </a:p>
@@ -588,11 +712,14 @@
       </p:sp>
     </p:spTree>
   </p:cSld>
+  <p:clrMapOvr>
+    <a:masterClrMapping/>
+  </p:clrMapOvr>
 </p:sldLayout>
 </file>
 
 <file path=ppt/slideLayouts/slideLayout4.xml><?xml version="1.0" encoding="utf-8"?>
-<p:sldLayout xmlns:a="http://schemas.openxmlformats.org/drawingml/2006/main" xmlns:p="http://schemas.openxmlformats.org/presentationml/2006/main" xmlns:r="http://schemas.openxmlformats.org/officeDocument/2006/relationships" preserve="1" type="twoObj">
+<p:sldLayout xmlns:a="http://schemas.openxmlformats.org/drawingml/2006/main" xmlns:r="http://schemas.openxmlformats.org/officeDocument/2006/relationships" xmlns:p="http://schemas.openxmlformats.org/presentationml/2006/main" type="twoObj" preserve="1">
   <p:cSld name="Title, 2 Content">
     <p:spTree>
       <p:nvGrpSpPr>
@@ -628,7 +755,8 @@
           </a:prstGeom>
         </p:spPr>
         <p:txBody>
-          <a:bodyPr anchor="ctr" bIns="0" lIns="0" rIns="0" tIns="0" wrap="none"/>
+          <a:bodyPr wrap="none" lIns="0" tIns="0" rIns="0" bIns="0" anchor="ctr"/>
+          <a:lstStyle/>
           <a:p>
             <a:endParaRPr/>
           </a:p>
@@ -654,7 +782,8 @@
           </a:prstGeom>
         </p:spPr>
         <p:txBody>
-          <a:bodyPr bIns="0" lIns="0" rIns="0" tIns="0" wrap="none"/>
+          <a:bodyPr wrap="none" lIns="0" tIns="0" rIns="0" bIns="0"/>
+          <a:lstStyle/>
           <a:p>
             <a:endParaRPr/>
           </a:p>
@@ -680,7 +809,8 @@
           </a:prstGeom>
         </p:spPr>
         <p:txBody>
-          <a:bodyPr bIns="0" lIns="0" rIns="0" tIns="0" wrap="none"/>
+          <a:bodyPr wrap="none" lIns="0" tIns="0" rIns="0" bIns="0"/>
+          <a:lstStyle/>
           <a:p>
             <a:endParaRPr/>
           </a:p>
@@ -688,11 +818,14 @@
       </p:sp>
     </p:spTree>
   </p:cSld>
+  <p:clrMapOvr>
+    <a:masterClrMapping/>
+  </p:clrMapOvr>
 </p:sldLayout>
 </file>
 
 <file path=ppt/slideLayouts/slideLayout5.xml><?xml version="1.0" encoding="utf-8"?>
-<p:sldLayout xmlns:a="http://schemas.openxmlformats.org/drawingml/2006/main" xmlns:p="http://schemas.openxmlformats.org/presentationml/2006/main" xmlns:r="http://schemas.openxmlformats.org/officeDocument/2006/relationships" preserve="1" type="titleOnly">
+<p:sldLayout xmlns:a="http://schemas.openxmlformats.org/drawingml/2006/main" xmlns:r="http://schemas.openxmlformats.org/officeDocument/2006/relationships" xmlns:p="http://schemas.openxmlformats.org/presentationml/2006/main" type="titleOnly" preserve="1">
   <p:cSld name="Title Only">
     <p:spTree>
       <p:nvGrpSpPr>
@@ -728,7 +861,8 @@
           </a:prstGeom>
         </p:spPr>
         <p:txBody>
-          <a:bodyPr anchor="ctr" bIns="0" lIns="0" rIns="0" tIns="0" wrap="none"/>
+          <a:bodyPr wrap="none" lIns="0" tIns="0" rIns="0" bIns="0" anchor="ctr"/>
+          <a:lstStyle/>
           <a:p>
             <a:endParaRPr/>
           </a:p>
@@ -736,11 +870,14 @@
       </p:sp>
     </p:spTree>
   </p:cSld>
+  <p:clrMapOvr>
+    <a:masterClrMapping/>
+  </p:clrMapOvr>
 </p:sldLayout>
 </file>
 
 <file path=ppt/slideLayouts/slideLayout6.xml><?xml version="1.0" encoding="utf-8"?>
-<p:sldLayout xmlns:a="http://schemas.openxmlformats.org/drawingml/2006/main" xmlns:p="http://schemas.openxmlformats.org/presentationml/2006/main" xmlns:r="http://schemas.openxmlformats.org/officeDocument/2006/relationships" preserve="1" type="objOnly">
+<p:sldLayout xmlns:a="http://schemas.openxmlformats.org/drawingml/2006/main" xmlns:r="http://schemas.openxmlformats.org/officeDocument/2006/relationships" xmlns:p="http://schemas.openxmlformats.org/presentationml/2006/main" type="objOnly" preserve="1">
   <p:cSld name="Centered Text">
     <p:spTree>
       <p:nvGrpSpPr>
@@ -776,7 +913,8 @@
           </a:prstGeom>
         </p:spPr>
         <p:txBody>
-          <a:bodyPr anchor="ctr" bIns="0" lIns="0" rIns="0" tIns="0" wrap="none"/>
+          <a:bodyPr wrap="none" lIns="0" tIns="0" rIns="0" bIns="0" anchor="ctr"/>
+          <a:lstStyle/>
           <a:p>
             <a:pPr algn="ctr"/>
             <a:endParaRPr/>
@@ -785,11 +923,14 @@
       </p:sp>
     </p:spTree>
   </p:cSld>
+  <p:clrMapOvr>
+    <a:masterClrMapping/>
+  </p:clrMapOvr>
 </p:sldLayout>
 </file>
 
 <file path=ppt/slideLayouts/slideLayout7.xml><?xml version="1.0" encoding="utf-8"?>
-<p:sldLayout xmlns:a="http://schemas.openxmlformats.org/drawingml/2006/main" xmlns:p="http://schemas.openxmlformats.org/presentationml/2006/main" xmlns:r="http://schemas.openxmlformats.org/officeDocument/2006/relationships" preserve="1" type="twoObjAndObj">
+<p:sldLayout xmlns:a="http://schemas.openxmlformats.org/drawingml/2006/main" xmlns:r="http://schemas.openxmlformats.org/officeDocument/2006/relationships" xmlns:p="http://schemas.openxmlformats.org/presentationml/2006/main" type="twoObjAndObj" preserve="1">
   <p:cSld name="Title, 2 Content and Content">
     <p:spTree>
       <p:nvGrpSpPr>
@@ -825,7 +966,8 @@
           </a:prstGeom>
         </p:spPr>
         <p:txBody>
-          <a:bodyPr anchor="ctr" bIns="0" lIns="0" rIns="0" tIns="0" wrap="none"/>
+          <a:bodyPr wrap="none" lIns="0" tIns="0" rIns="0" bIns="0" anchor="ctr"/>
+          <a:lstStyle/>
           <a:p>
             <a:endParaRPr/>
           </a:p>
@@ -851,7 +993,8 @@
           </a:prstGeom>
         </p:spPr>
         <p:txBody>
-          <a:bodyPr bIns="0" lIns="0" rIns="0" tIns="0" wrap="none"/>
+          <a:bodyPr wrap="none" lIns="0" tIns="0" rIns="0" bIns="0"/>
+          <a:lstStyle/>
           <a:p>
             <a:endParaRPr/>
           </a:p>
@@ -877,7 +1020,8 @@
           </a:prstGeom>
         </p:spPr>
         <p:txBody>
-          <a:bodyPr bIns="0" lIns="0" rIns="0" tIns="0" wrap="none"/>
+          <a:bodyPr wrap="none" lIns="0" tIns="0" rIns="0" bIns="0"/>
+          <a:lstStyle/>
           <a:p>
             <a:endParaRPr/>
           </a:p>
@@ -903,7 +1047,8 @@
           </a:prstGeom>
         </p:spPr>
         <p:txBody>
-          <a:bodyPr bIns="0" lIns="0" rIns="0" tIns="0" wrap="none"/>
+          <a:bodyPr wrap="none" lIns="0" tIns="0" rIns="0" bIns="0"/>
+          <a:lstStyle/>
           <a:p>
             <a:endParaRPr/>
           </a:p>
@@ -911,11 +1056,14 @@
       </p:sp>
     </p:spTree>
   </p:cSld>
+  <p:clrMapOvr>
+    <a:masterClrMapping/>
+  </p:clrMapOvr>
 </p:sldLayout>
 </file>
 
 <file path=ppt/slideLayouts/slideLayout8.xml><?xml version="1.0" encoding="utf-8"?>
-<p:sldLayout xmlns:a="http://schemas.openxmlformats.org/drawingml/2006/main" xmlns:p="http://schemas.openxmlformats.org/presentationml/2006/main" xmlns:r="http://schemas.openxmlformats.org/officeDocument/2006/relationships" preserve="1" type="objAndTwoObj">
+<p:sldLayout xmlns:a="http://schemas.openxmlformats.org/drawingml/2006/main" xmlns:r="http://schemas.openxmlformats.org/officeDocument/2006/relationships" xmlns:p="http://schemas.openxmlformats.org/presentationml/2006/main" type="objAndTwoObj" preserve="1">
   <p:cSld name="Title Content and 2 Content">
     <p:spTree>
       <p:nvGrpSpPr>
@@ -951,7 +1099,8 @@
           </a:prstGeom>
         </p:spPr>
         <p:txBody>
-          <a:bodyPr anchor="ctr" bIns="0" lIns="0" rIns="0" tIns="0" wrap="none"/>
+          <a:bodyPr wrap="none" lIns="0" tIns="0" rIns="0" bIns="0" anchor="ctr"/>
+          <a:lstStyle/>
           <a:p>
             <a:endParaRPr/>
           </a:p>
@@ -977,7 +1126,8 @@
           </a:prstGeom>
         </p:spPr>
         <p:txBody>
-          <a:bodyPr bIns="0" lIns="0" rIns="0" tIns="0" wrap="none"/>
+          <a:bodyPr wrap="none" lIns="0" tIns="0" rIns="0" bIns="0"/>
+          <a:lstStyle/>
           <a:p>
             <a:endParaRPr/>
           </a:p>
@@ -1003,7 +1153,8 @@
           </a:prstGeom>
         </p:spPr>
         <p:txBody>
-          <a:bodyPr bIns="0" lIns="0" rIns="0" tIns="0" wrap="none"/>
+          <a:bodyPr wrap="none" lIns="0" tIns="0" rIns="0" bIns="0"/>
+          <a:lstStyle/>
           <a:p>
             <a:endParaRPr/>
           </a:p>
@@ -1029,7 +1180,8 @@
           </a:prstGeom>
         </p:spPr>
         <p:txBody>
-          <a:bodyPr bIns="0" lIns="0" rIns="0" tIns="0" wrap="none"/>
+          <a:bodyPr wrap="none" lIns="0" tIns="0" rIns="0" bIns="0"/>
+          <a:lstStyle/>
           <a:p>
             <a:endParaRPr/>
           </a:p>
@@ -1037,11 +1189,14 @@
       </p:sp>
     </p:spTree>
   </p:cSld>
+  <p:clrMapOvr>
+    <a:masterClrMapping/>
+  </p:clrMapOvr>
 </p:sldLayout>
 </file>
 
 <file path=ppt/slideLayouts/slideLayout9.xml><?xml version="1.0" encoding="utf-8"?>
-<p:sldLayout xmlns:a="http://schemas.openxmlformats.org/drawingml/2006/main" xmlns:p="http://schemas.openxmlformats.org/presentationml/2006/main" xmlns:r="http://schemas.openxmlformats.org/officeDocument/2006/relationships" preserve="1" type="twoObjOverTx">
+<p:sldLayout xmlns:a="http://schemas.openxmlformats.org/drawingml/2006/main" xmlns:r="http://schemas.openxmlformats.org/officeDocument/2006/relationships" xmlns:p="http://schemas.openxmlformats.org/presentationml/2006/main" type="twoObjOverTx" preserve="1">
   <p:cSld name="Title, 2 Content over Content">
     <p:spTree>
       <p:nvGrpSpPr>
@@ -1077,7 +1232,8 @@
           </a:prstGeom>
         </p:spPr>
         <p:txBody>
-          <a:bodyPr anchor="ctr" bIns="0" lIns="0" rIns="0" tIns="0" wrap="none"/>
+          <a:bodyPr wrap="none" lIns="0" tIns="0" rIns="0" bIns="0" anchor="ctr"/>
+          <a:lstStyle/>
           <a:p>
             <a:endParaRPr/>
           </a:p>
@@ -1103,7 +1259,8 @@
           </a:prstGeom>
         </p:spPr>
         <p:txBody>
-          <a:bodyPr bIns="0" lIns="0" rIns="0" tIns="0" wrap="none"/>
+          <a:bodyPr wrap="none" lIns="0" tIns="0" rIns="0" bIns="0"/>
+          <a:lstStyle/>
           <a:p>
             <a:endParaRPr/>
           </a:p>
@@ -1129,7 +1286,8 @@
           </a:prstGeom>
         </p:spPr>
         <p:txBody>
-          <a:bodyPr bIns="0" lIns="0" rIns="0" tIns="0" wrap="none"/>
+          <a:bodyPr wrap="none" lIns="0" tIns="0" rIns="0" bIns="0"/>
+          <a:lstStyle/>
           <a:p>
             <a:endParaRPr/>
           </a:p>
@@ -1155,7 +1313,8 @@
           </a:prstGeom>
         </p:spPr>
         <p:txBody>
-          <a:bodyPr bIns="0" lIns="0" rIns="0" tIns="0" wrap="none"/>
+          <a:bodyPr wrap="none" lIns="0" tIns="0" rIns="0" bIns="0"/>
+          <a:lstStyle/>
           <a:p>
             <a:endParaRPr/>
           </a:p>
@@ -1163,17 +1322,21 @@
       </p:sp>
     </p:spTree>
   </p:cSld>
+  <p:clrMapOvr>
+    <a:masterClrMapping/>
+  </p:clrMapOvr>
 </p:sldLayout>
 </file>
 
 <file path=ppt/slideMasters/slideMaster1.xml><?xml version="1.0" encoding="utf-8"?>
-<p:sldMaster xmlns:a="http://schemas.openxmlformats.org/drawingml/2006/main" xmlns:p="http://schemas.openxmlformats.org/presentationml/2006/main" xmlns:r="http://schemas.openxmlformats.org/officeDocument/2006/relationships">
+<p:sldMaster xmlns:a="http://schemas.openxmlformats.org/drawingml/2006/main" xmlns:r="http://schemas.openxmlformats.org/officeDocument/2006/relationships" xmlns:p="http://schemas.openxmlformats.org/presentationml/2006/main">
   <p:cSld>
     <p:bg>
       <p:bgPr>
         <a:solidFill>
-          <a:srgbClr val="ffffff"/>
+          <a:srgbClr val="FFFFFF"/>
         </a:solidFill>
+        <a:effectLst/>
       </p:bgPr>
     </p:bg>
     <p:spTree>
@@ -1192,7 +1355,7 @@
       </p:grpSpPr>
       <p:sp>
         <p:nvSpPr>
-          <p:cNvPr id="0" name="CustomShape 1"/>
+          <p:cNvPr id="7" name="CustomShape 1"/>
           <p:cNvSpPr/>
           <p:nvPr/>
         </p:nvSpPr>
@@ -1210,7 +1373,8 @@
           </a:ln>
         </p:spPr>
         <p:txBody>
-          <a:bodyPr bIns="39960" lIns="80280" rIns="80280" tIns="39960"/>
+          <a:bodyPr lIns="80280" tIns="39960" rIns="80280" bIns="39960"/>
+          <a:lstStyle/>
           <a:p>
             <a:pPr algn="r">
               <a:lnSpc>
@@ -1220,12 +1384,17 @@
             <a:fld id="{FF46D322-7652-4D32-BEFD-3B42F06317C3}" type="slidenum">
               <a:rPr lang="en-US" sz="1600">
                 <a:solidFill>
-                  <a:srgbClr val="ffffff"/>
+                  <a:srgbClr val="FFFFFF"/>
                 </a:solidFill>
                 <a:latin typeface="Tahoma"/>
                 <a:ea typeface="Tahoma"/>
               </a:rPr>
-              <a:t>&lt;number&gt;</a:t>
+              <a:pPr algn="r">
+                <a:lnSpc>
+                  <a:spcPct val="80000"/>
+                </a:lnSpc>
+              </a:pPr>
+              <a:t>‹#›</a:t>
             </a:fld>
             <a:endParaRPr/>
           </a:p>
@@ -1233,7 +1402,7 @@
       </p:sp>
       <p:sp>
         <p:nvSpPr>
-          <p:cNvPr id="1" name="PlaceHolder 2"/>
+          <p:cNvPr id="8" name="PlaceHolder 2"/>
           <p:cNvSpPr>
             <a:spLocks noGrp="1"/>
           </p:cNvSpPr>
@@ -1252,6 +1421,7 @@
         </p:spPr>
         <p:txBody>
           <a:bodyPr anchor="ctr"/>
+          <a:lstStyle/>
           <a:p>
             <a:pPr algn="ctr">
               <a:lnSpc>
@@ -1259,7 +1429,7 @@
               </a:lnSpc>
             </a:pPr>
             <a:r>
-              <a:rPr b="1" lang="en-US" sz="4000">
+              <a:rPr lang="en-US" sz="4000" b="1">
                 <a:solidFill>
                   <a:srgbClr val="000000"/>
                 </a:solidFill>
@@ -1292,6 +1462,7 @@
         </p:spPr>
         <p:txBody>
           <a:bodyPr/>
+          <a:lstStyle/>
           <a:p>
             <a:pPr>
               <a:buSzPct val="25000"/>
@@ -1512,6 +1683,7 @@
         </p:spPr>
         <p:txBody>
           <a:bodyPr anchor="ctr"/>
+          <a:lstStyle/>
           <a:p>
             <a:pPr>
               <a:lnSpc>
@@ -1521,7 +1693,7 @@
             <a:r>
               <a:rPr lang="en-US" sz="1200">
                 <a:solidFill>
-                  <a:srgbClr val="8b8b8b"/>
+                  <a:srgbClr val="8B8B8B"/>
                 </a:solidFill>
                 <a:latin typeface="Arial"/>
               </a:rPr>
@@ -1552,6 +1724,7 @@
         </p:spPr>
         <p:txBody>
           <a:bodyPr anchor="ctr"/>
+          <a:lstStyle/>
           <a:p>
             <a:endParaRPr/>
           </a:p>
@@ -1578,6 +1751,7 @@
         </p:spPr>
         <p:txBody>
           <a:bodyPr anchor="ctr"/>
+          <a:lstStyle/>
           <a:p>
             <a:pPr algn="r">
               <a:lnSpc>
@@ -1587,11 +1761,16 @@
             <a:fld id="{004BFB14-C62D-4D6F-BBCD-076B72BBCE90}" type="slidenum">
               <a:rPr lang="en-US" sz="1200">
                 <a:solidFill>
-                  <a:srgbClr val="8b8b8b"/>
+                  <a:srgbClr val="8B8B8B"/>
                 </a:solidFill>
                 <a:latin typeface="Arial"/>
               </a:rPr>
-              <a:t>&lt;number&gt;</a:t>
+              <a:pPr algn="r">
+                <a:lnSpc>
+                  <a:spcPct val="100000"/>
+                </a:lnSpc>
+              </a:pPr>
+              <a:t>‹#›</a:t>
             </a:fld>
             <a:endParaRPr/>
           </a:p>
@@ -1613,7 +1792,7 @@
           </a:prstGeom>
           <a:ln w="25560">
             <a:solidFill>
-              <a:srgbClr val="2c7c9f"/>
+              <a:srgbClr val="2C7C9F"/>
             </a:solidFill>
             <a:round/>
           </a:ln>
@@ -1621,26 +1800,31 @@
       </p:sp>
     </p:spTree>
   </p:cSld>
-  <p:clrMap accent1="accent1" accent2="accent2" accent3="accent3" accent4="accent4" accent5="accent5" accent6="accent6" bg1="lt1" bg2="lt2" folHlink="folHlink" hlink="hlink" tx1="dk1" tx2="dk2"/>
+  <p:clrMap bg1="lt1" tx1="dk1" bg2="lt2" tx2="dk2" accent1="accent1" accent2="accent2" accent3="accent3" accent4="accent4" accent5="accent5" accent6="accent6" hlink="hlink" folHlink="folHlink"/>
   <p:sldLayoutIdLst>
-    <p:sldLayoutId id="2147483649" r:id="rId2"/>
-    <p:sldLayoutId id="2147483650" r:id="rId3"/>
-    <p:sldLayoutId id="2147483651" r:id="rId4"/>
-    <p:sldLayoutId id="2147483652" r:id="rId5"/>
-    <p:sldLayoutId id="2147483653" r:id="rId6"/>
-    <p:sldLayoutId id="2147483654" r:id="rId7"/>
-    <p:sldLayoutId id="2147483655" r:id="rId8"/>
-    <p:sldLayoutId id="2147483656" r:id="rId9"/>
-    <p:sldLayoutId id="2147483657" r:id="rId10"/>
-    <p:sldLayoutId id="2147483658" r:id="rId11"/>
-    <p:sldLayoutId id="2147483659" r:id="rId12"/>
-    <p:sldLayoutId id="2147483660" r:id="rId13"/>
+    <p:sldLayoutId id="2147483649" r:id="rId1"/>
+    <p:sldLayoutId id="2147483650" r:id="rId2"/>
+    <p:sldLayoutId id="2147483651" r:id="rId3"/>
+    <p:sldLayoutId id="2147483652" r:id="rId4"/>
+    <p:sldLayoutId id="2147483653" r:id="rId5"/>
+    <p:sldLayoutId id="2147483654" r:id="rId6"/>
+    <p:sldLayoutId id="2147483655" r:id="rId7"/>
+    <p:sldLayoutId id="2147483656" r:id="rId8"/>
+    <p:sldLayoutId id="2147483657" r:id="rId9"/>
+    <p:sldLayoutId id="2147483658" r:id="rId10"/>
+    <p:sldLayoutId id="2147483659" r:id="rId11"/>
+    <p:sldLayoutId id="2147483660" r:id="rId12"/>
   </p:sldLayoutIdLst>
+  <p:txStyles>
+    <p:titleStyle/>
+    <p:bodyStyle/>
+    <p:otherStyle/>
+  </p:txStyles>
 </p:sldMaster>
 </file>
 
 <file path=ppt/slides/slide1.xml><?xml version="1.0" encoding="utf-8"?>
-<p:sld xmlns:a="http://schemas.openxmlformats.org/drawingml/2006/main" xmlns:p="http://schemas.openxmlformats.org/presentationml/2006/main" xmlns:r="http://schemas.openxmlformats.org/officeDocument/2006/relationships">
+<p:sld xmlns:a="http://schemas.openxmlformats.org/drawingml/2006/main" xmlns:r="http://schemas.openxmlformats.org/officeDocument/2006/relationships" xmlns:p="http://schemas.openxmlformats.org/presentationml/2006/main">
   <p:cSld>
     <p:spTree>
       <p:nvGrpSpPr>
@@ -1673,6 +1857,7 @@
         </p:spPr>
         <p:txBody>
           <a:bodyPr anchor="ctr"/>
+          <a:lstStyle/>
           <a:p>
             <a:pPr algn="ctr">
               <a:lnSpc>
@@ -1680,7 +1865,7 @@
               </a:lnSpc>
             </a:pPr>
             <a:r>
-              <a:rPr b="1" lang="en-US" sz="4000">
+              <a:rPr lang="en-US" sz="4000" b="1">
                 <a:solidFill>
                   <a:srgbClr val="000000"/>
                 </a:solidFill>
@@ -1709,6 +1894,7 @@
         </p:spPr>
         <p:txBody>
           <a:bodyPr/>
+          <a:lstStyle/>
           <a:p>
             <a:pPr>
               <a:lnSpc>
@@ -1881,22 +2067,25 @@
       </p:sp>
     </p:spTree>
   </p:cSld>
+  <p:clrMapOvr>
+    <a:masterClrMapping/>
+  </p:clrMapOvr>
   <p:timing>
     <p:tnLst>
       <p:par>
-        <p:cTn dur="indefinite" id="1" nodeType="tmRoot" restart="never">
+        <p:cTn id="1" dur="indefinite" restart="never" nodeType="tmRoot">
           <p:childTnLst>
             <p:seq>
               <p:cTn id="2" nodeType="mainSeq"/>
               <p:prevCondLst>
-                <p:cond delay="0" evt="onPrev">
+                <p:cond evt="onPrev" delay="0">
                   <p:tgtEl>
                     <p:sldTgt/>
                   </p:tgtEl>
                 </p:cond>
               </p:prevCondLst>
               <p:nextCondLst>
-                <p:cond delay="0" evt="onNext">
+                <p:cond evt="onNext" delay="0">
                   <p:tgtEl>
                     <p:sldTgt/>
                   </p:tgtEl>
@@ -1912,7 +2101,7 @@
 </file>
 
 <file path=ppt/slides/slide2.xml><?xml version="1.0" encoding="utf-8"?>
-<p:sld xmlns:a="http://schemas.openxmlformats.org/drawingml/2006/main" xmlns:p="http://schemas.openxmlformats.org/presentationml/2006/main" xmlns:r="http://schemas.openxmlformats.org/officeDocument/2006/relationships">
+<p:sld xmlns:a="http://schemas.openxmlformats.org/drawingml/2006/main" xmlns:r="http://schemas.openxmlformats.org/officeDocument/2006/relationships" xmlns:p="http://schemas.openxmlformats.org/presentationml/2006/main">
   <p:cSld>
     <p:spTree>
       <p:nvGrpSpPr>
@@ -1945,6 +2134,7 @@
         </p:spPr>
         <p:txBody>
           <a:bodyPr anchor="ctr"/>
+          <a:lstStyle/>
           <a:p>
             <a:pPr algn="ctr">
               <a:lnSpc>
@@ -1952,7 +2142,7 @@
               </a:lnSpc>
             </a:pPr>
             <a:r>
-              <a:rPr b="1" lang="en-US" sz="3600">
+              <a:rPr lang="en-US" sz="3600" b="1">
                 <a:solidFill>
                   <a:srgbClr val="000000"/>
                 </a:solidFill>
@@ -1966,13 +2156,13 @@
       </p:sp>
       <p:pic>
         <p:nvPicPr>
-          <p:cNvPr descr="" id="44" name="Content Placeholder 3"/>
+          <p:cNvPr id="44" name="Content Placeholder 3"/>
           <p:cNvPicPr/>
           <p:nvPr/>
         </p:nvPicPr>
         <p:blipFill>
-          <a:blip r:embed="rId1"/>
-          <a:srcRect b="14894" l="9093" r="9642" t="2755"/>
+          <a:blip r:embed="rId2" cstate="print"/>
+          <a:srcRect l="9093" t="2755" r="9642" b="14894"/>
           <a:stretch>
             <a:fillRect/>
           </a:stretch>
@@ -1992,13 +2182,13 @@
       </p:pic>
       <p:pic>
         <p:nvPicPr>
-          <p:cNvPr descr="" id="45" name="Content Placeholder 3"/>
+          <p:cNvPr id="45" name="Content Placeholder 3"/>
           <p:cNvPicPr/>
           <p:nvPr/>
         </p:nvPicPr>
         <p:blipFill>
-          <a:blip r:embed="rId2"/>
-          <a:srcRect b="10295" l="1005" r="4188" t="1496"/>
+          <a:blip r:embed="rId3" cstate="print"/>
+          <a:srcRect l="1005" t="1496" r="4188" b="10295"/>
           <a:stretch>
             <a:fillRect/>
           </a:stretch>
@@ -2036,7 +2226,8 @@
           </a:ln>
         </p:spPr>
         <p:txBody>
-          <a:bodyPr bIns="45000" lIns="90000" rIns="90000" tIns="45000"/>
+          <a:bodyPr lIns="90000" tIns="45000" rIns="90000" bIns="45000"/>
+          <a:lstStyle/>
           <a:p>
             <a:pPr>
               <a:lnSpc>
@@ -2046,15 +2237,35 @@
               <a:buChar char="•"/>
             </a:pPr>
             <a:r>
-              <a:rPr lang="en-US" sz="2400">
-                <a:solidFill>
-                  <a:srgbClr val="000000"/>
-                </a:solidFill>
-                <a:latin typeface="Franklin Gothic Book"/>
-              </a:rPr>
-              <a:t>How to control a robot’s joints to achieve desired pose</a:t>
-            </a:r>
-            <a:endParaRPr/>
+              <a:rPr lang="en-US" sz="2400" dirty="0" smtClean="0">
+                <a:solidFill>
+                  <a:srgbClr val="000000"/>
+                </a:solidFill>
+                <a:latin typeface="Franklin Gothic Medium" pitchFamily="34" charset="0"/>
+              </a:rPr>
+              <a:t>Setting a robot’s joints so end </a:t>
+            </a:r>
+            <a:r>
+              <a:rPr lang="en-US" sz="2400" dirty="0" err="1" smtClean="0">
+                <a:solidFill>
+                  <a:srgbClr val="000000"/>
+                </a:solidFill>
+                <a:latin typeface="Franklin Gothic Medium" pitchFamily="34" charset="0"/>
+              </a:rPr>
+              <a:t>effector</a:t>
+            </a:r>
+            <a:r>
+              <a:rPr lang="en-US" sz="2400" dirty="0" smtClean="0">
+                <a:solidFill>
+                  <a:srgbClr val="000000"/>
+                </a:solidFill>
+                <a:latin typeface="Franklin Gothic Medium" pitchFamily="34" charset="0"/>
+              </a:rPr>
+              <a:t> reaches a target</a:t>
+            </a:r>
+            <a:endParaRPr dirty="0">
+              <a:latin typeface="Franklin Gothic Medium" pitchFamily="34" charset="0"/>
+            </a:endParaRPr>
           </a:p>
           <a:p>
             <a:pPr lvl="1">
@@ -2065,15 +2276,17 @@
               <a:buChar char="•"/>
             </a:pPr>
             <a:r>
-              <a:rPr lang="en-US" sz="2400">
-                <a:solidFill>
-                  <a:srgbClr val="000000"/>
-                </a:solidFill>
-                <a:latin typeface="Franklin Gothic Book"/>
+              <a:rPr lang="en-US" sz="2400" dirty="0">
+                <a:solidFill>
+                  <a:srgbClr val="000000"/>
+                </a:solidFill>
+                <a:latin typeface="Franklin Gothic Medium" pitchFamily="34" charset="0"/>
               </a:rPr>
               <a:t>Input: current robot geometry</a:t>
             </a:r>
-            <a:endParaRPr/>
+            <a:endParaRPr dirty="0">
+              <a:latin typeface="Franklin Gothic Medium" pitchFamily="34" charset="0"/>
+            </a:endParaRPr>
           </a:p>
           <a:p>
             <a:pPr lvl="1">
@@ -2084,15 +2297,17 @@
               <a:buChar char="•"/>
             </a:pPr>
             <a:r>
-              <a:rPr lang="en-US" sz="2400">
-                <a:solidFill>
-                  <a:srgbClr val="000000"/>
-                </a:solidFill>
-                <a:latin typeface="Franklin Gothic Book"/>
+              <a:rPr lang="en-US" sz="2400" dirty="0">
+                <a:solidFill>
+                  <a:srgbClr val="000000"/>
+                </a:solidFill>
+                <a:latin typeface="Franklin Gothic Medium" pitchFamily="34" charset="0"/>
               </a:rPr>
               <a:t>Output: required joint increments</a:t>
             </a:r>
-            <a:endParaRPr/>
+            <a:endParaRPr dirty="0">
+              <a:latin typeface="Franklin Gothic Medium" pitchFamily="34" charset="0"/>
+            </a:endParaRPr>
           </a:p>
           <a:p>
             <a:pPr>
@@ -2100,7 +2315,9 @@
                 <a:spcPct val="100000"/>
               </a:lnSpc>
             </a:pPr>
-            <a:endParaRPr/>
+            <a:endParaRPr dirty="0">
+              <a:latin typeface="Franklin Gothic Medium" pitchFamily="34" charset="0"/>
+            </a:endParaRPr>
           </a:p>
           <a:p>
             <a:pPr>
@@ -2111,15 +2328,17 @@
               <a:buChar char="•"/>
             </a:pPr>
             <a:r>
-              <a:rPr lang="en-US" sz="2400">
-                <a:solidFill>
-                  <a:srgbClr val="000000"/>
-                </a:solidFill>
-                <a:latin typeface="Franklin Gothic Book"/>
+              <a:rPr lang="en-US" sz="2400" dirty="0">
+                <a:solidFill>
+                  <a:srgbClr val="000000"/>
+                </a:solidFill>
+                <a:latin typeface="Franklin Gothic Medium" pitchFamily="34" charset="0"/>
               </a:rPr>
               <a:t>Computationally intensive problem all limbed robots must solve</a:t>
             </a:r>
-            <a:endParaRPr/>
+            <a:endParaRPr dirty="0">
+              <a:latin typeface="Franklin Gothic Medium" pitchFamily="34" charset="0"/>
+            </a:endParaRPr>
           </a:p>
           <a:p>
             <a:pPr>
@@ -2127,7 +2346,9 @@
                 <a:spcPct val="100000"/>
               </a:lnSpc>
             </a:pPr>
-            <a:endParaRPr/>
+            <a:endParaRPr dirty="0">
+              <a:latin typeface="Franklin Gothic Medium" pitchFamily="34" charset="0"/>
+            </a:endParaRPr>
           </a:p>
           <a:p>
             <a:pPr>
@@ -2138,15 +2359,17 @@
               <a:buChar char="•"/>
             </a:pPr>
             <a:r>
-              <a:rPr lang="en-US" sz="2400">
-                <a:solidFill>
-                  <a:srgbClr val="000000"/>
-                </a:solidFill>
-                <a:latin typeface="Franklin Gothic Book"/>
+              <a:rPr lang="en-US" sz="2400" dirty="0">
+                <a:solidFill>
+                  <a:srgbClr val="000000"/>
+                </a:solidFill>
+                <a:latin typeface="Franklin Gothic Medium" pitchFamily="34" charset="0"/>
               </a:rPr>
               <a:t>Beyond controlling single arms and legs, many larger problems rely on inverse kinematics</a:t>
             </a:r>
-            <a:endParaRPr/>
+            <a:endParaRPr dirty="0">
+              <a:latin typeface="Franklin Gothic Medium" pitchFamily="34" charset="0"/>
+            </a:endParaRPr>
           </a:p>
           <a:p>
             <a:pPr lvl="1">
@@ -2157,15 +2380,17 @@
               <a:buChar char="•"/>
             </a:pPr>
             <a:r>
-              <a:rPr lang="en-US" sz="2400">
-                <a:solidFill>
-                  <a:srgbClr val="000000"/>
-                </a:solidFill>
-                <a:latin typeface="Franklin Gothic Book"/>
+              <a:rPr lang="en-US" sz="2400" dirty="0">
+                <a:solidFill>
+                  <a:srgbClr val="000000"/>
+                </a:solidFill>
+                <a:latin typeface="Franklin Gothic Medium" pitchFamily="34" charset="0"/>
               </a:rPr>
               <a:t>redundant manipulators</a:t>
             </a:r>
-            <a:endParaRPr/>
+            <a:endParaRPr dirty="0">
+              <a:latin typeface="Franklin Gothic Medium" pitchFamily="34" charset="0"/>
+            </a:endParaRPr>
           </a:p>
           <a:p>
             <a:pPr lvl="1">
@@ -2176,15 +2401,17 @@
               <a:buChar char="•"/>
             </a:pPr>
             <a:r>
-              <a:rPr lang="en-US" sz="2400">
-                <a:solidFill>
-                  <a:srgbClr val="000000"/>
-                </a:solidFill>
-                <a:latin typeface="Franklin Gothic Book"/>
+              <a:rPr lang="en-US" sz="2400" dirty="0">
+                <a:solidFill>
+                  <a:srgbClr val="000000"/>
+                </a:solidFill>
+                <a:latin typeface="Franklin Gothic Medium" pitchFamily="34" charset="0"/>
               </a:rPr>
               <a:t>multiple end effectors</a:t>
             </a:r>
-            <a:endParaRPr/>
+            <a:endParaRPr dirty="0">
+              <a:latin typeface="Franklin Gothic Medium" pitchFamily="34" charset="0"/>
+            </a:endParaRPr>
           </a:p>
           <a:p>
             <a:pPr lvl="1">
@@ -2195,15 +2422,17 @@
               <a:buChar char="•"/>
             </a:pPr>
             <a:r>
-              <a:rPr lang="en-US" sz="2400">
-                <a:solidFill>
-                  <a:srgbClr val="000000"/>
-                </a:solidFill>
-                <a:latin typeface="Franklin Gothic Book"/>
+              <a:rPr lang="en-US" sz="2400" dirty="0">
+                <a:solidFill>
+                  <a:srgbClr val="000000"/>
+                </a:solidFill>
+                <a:latin typeface="Franklin Gothic Medium" pitchFamily="34" charset="0"/>
               </a:rPr>
               <a:t>inverse dynamics</a:t>
             </a:r>
-            <a:endParaRPr/>
+            <a:endParaRPr dirty="0">
+              <a:latin typeface="Franklin Gothic Medium" pitchFamily="34" charset="0"/>
+            </a:endParaRPr>
           </a:p>
           <a:p>
             <a:pPr>
@@ -2211,17 +2440,20 @@
                 <a:spcPct val="100000"/>
               </a:lnSpc>
             </a:pPr>
-            <a:endParaRPr/>
+            <a:endParaRPr dirty="0"/>
           </a:p>
         </p:txBody>
       </p:sp>
     </p:spTree>
   </p:cSld>
+  <p:clrMapOvr>
+    <a:masterClrMapping/>
+  </p:clrMapOvr>
 </p:sld>
 </file>
 
 <file path=ppt/slides/slide3.xml><?xml version="1.0" encoding="utf-8"?>
-<p:sld xmlns:a="http://schemas.openxmlformats.org/drawingml/2006/main" xmlns:p="http://schemas.openxmlformats.org/presentationml/2006/main" xmlns:r="http://schemas.openxmlformats.org/officeDocument/2006/relationships">
+<p:sld xmlns:a="http://schemas.openxmlformats.org/drawingml/2006/main" xmlns:r="http://schemas.openxmlformats.org/officeDocument/2006/relationships" xmlns:p="http://schemas.openxmlformats.org/presentationml/2006/main">
   <p:cSld>
     <p:spTree>
       <p:nvGrpSpPr>
@@ -2254,6 +2486,7 @@
         </p:spPr>
         <p:txBody>
           <a:bodyPr anchor="ctr"/>
+          <a:lstStyle/>
           <a:p>
             <a:pPr algn="ctr">
               <a:lnSpc>
@@ -2261,7 +2494,7 @@
               </a:lnSpc>
             </a:pPr>
             <a:r>
-              <a:rPr b="1" lang="en-US" sz="3600">
+              <a:rPr lang="en-US" sz="3600" b="1" dirty="0">
                 <a:solidFill>
                   <a:srgbClr val="000000"/>
                 </a:solidFill>
@@ -2269,7 +2502,7 @@
               </a:rPr>
               <a:t>A Digital Accelerator for Inverse Kinematics</a:t>
             </a:r>
-            <a:endParaRPr/>
+            <a:endParaRPr dirty="0"/>
           </a:p>
         </p:txBody>
       </p:sp>
@@ -2290,13 +2523,16 @@
         </p:spPr>
         <p:txBody>
           <a:bodyPr/>
+          <a:lstStyle/>
           <a:p>
             <a:pPr>
               <a:lnSpc>
                 <a:spcPct val="100000"/>
               </a:lnSpc>
             </a:pPr>
-            <a:endParaRPr/>
+            <a:endParaRPr sz="2800" dirty="0">
+              <a:latin typeface="Franklin Gothic Medium" pitchFamily="34" charset="0"/>
+            </a:endParaRPr>
           </a:p>
           <a:p>
             <a:pPr>
@@ -2307,15 +2543,17 @@
               <a:buChar char="•"/>
             </a:pPr>
             <a:r>
-              <a:rPr lang="en-US" sz="2400">
-                <a:solidFill>
-                  <a:srgbClr val="000000"/>
-                </a:solidFill>
-                <a:latin typeface="Franklin Gothic Book"/>
+              <a:rPr lang="en-US" sz="2800" dirty="0">
+                <a:solidFill>
+                  <a:srgbClr val="000000"/>
+                </a:solidFill>
+                <a:latin typeface="Franklin Gothic Medium" pitchFamily="34" charset="0"/>
               </a:rPr>
               <a:t>Inverse kinematics not well suited for normal digital architectures</a:t>
             </a:r>
-            <a:endParaRPr/>
+            <a:endParaRPr sz="2800" dirty="0">
+              <a:latin typeface="Franklin Gothic Medium" pitchFamily="34" charset="0"/>
+            </a:endParaRPr>
           </a:p>
           <a:p>
             <a:pPr lvl="1">
@@ -2326,15 +2564,17 @@
               <a:buChar char="–"/>
             </a:pPr>
             <a:r>
-              <a:rPr lang="en-US">
-                <a:solidFill>
-                  <a:srgbClr val="000000"/>
-                </a:solidFill>
-                <a:latin typeface="Franklin Gothic Book"/>
+              <a:rPr lang="en-US" sz="2800" dirty="0">
+                <a:solidFill>
+                  <a:srgbClr val="000000"/>
+                </a:solidFill>
+                <a:latin typeface="Franklin Gothic Medium" pitchFamily="34" charset="0"/>
               </a:rPr>
               <a:t>Entirely floating point array, matrix operations</a:t>
             </a:r>
-            <a:endParaRPr/>
+            <a:endParaRPr sz="2800" dirty="0">
+              <a:latin typeface="Franklin Gothic Medium" pitchFamily="34" charset="0"/>
+            </a:endParaRPr>
           </a:p>
           <a:p>
             <a:pPr lvl="1">
@@ -2345,15 +2585,17 @@
               <a:buChar char="–"/>
             </a:pPr>
             <a:r>
-              <a:rPr lang="en-US">
-                <a:solidFill>
-                  <a:srgbClr val="000000"/>
-                </a:solidFill>
-                <a:latin typeface="Franklin Gothic Book"/>
+              <a:rPr lang="en-US" sz="2800" dirty="0">
+                <a:solidFill>
+                  <a:srgbClr val="000000"/>
+                </a:solidFill>
+                <a:latin typeface="Franklin Gothic Medium" pitchFamily="34" charset="0"/>
               </a:rPr>
               <a:t>40% of cycles in inverting matrices</a:t>
             </a:r>
-            <a:endParaRPr/>
+            <a:endParaRPr sz="2800" dirty="0">
+              <a:latin typeface="Franklin Gothic Medium" pitchFamily="34" charset="0"/>
+            </a:endParaRPr>
           </a:p>
           <a:p>
             <a:pPr lvl="1">
@@ -2364,18 +2606,22 @@
               <a:buChar char="–"/>
             </a:pPr>
             <a:r>
-              <a:rPr lang="en-US">
-                <a:solidFill>
-                  <a:srgbClr val="000000"/>
-                </a:solidFill>
-                <a:latin typeface="Franklin Gothic Book"/>
+              <a:rPr lang="en-US" sz="2800" dirty="0">
+                <a:solidFill>
+                  <a:srgbClr val="000000"/>
+                </a:solidFill>
+                <a:latin typeface="Franklin Gothic Medium" pitchFamily="34" charset="0"/>
               </a:rPr>
               <a:t>15% of cycles in sine, cosine operations</a:t>
             </a:r>
-            <a:endParaRPr/>
-          </a:p>
-          <a:p>
-            <a:endParaRPr/>
+            <a:endParaRPr sz="2800" dirty="0">
+              <a:latin typeface="Franklin Gothic Medium" pitchFamily="34" charset="0"/>
+            </a:endParaRPr>
+          </a:p>
+          <a:p>
+            <a:endParaRPr sz="2800" dirty="0">
+              <a:latin typeface="Franklin Gothic Medium" pitchFamily="34" charset="0"/>
+            </a:endParaRPr>
           </a:p>
           <a:p>
             <a:pPr>
@@ -2386,15 +2632,26 @@
               <a:buChar char="•"/>
             </a:pPr>
             <a:r>
-              <a:rPr lang="en-US" sz="2400">
-                <a:solidFill>
-                  <a:srgbClr val="000000"/>
-                </a:solidFill>
-                <a:latin typeface="Franklin Gothic Book"/>
-              </a:rPr>
-              <a:t>We’ve created an accelerator to solve IK via damped least squares</a:t>
-            </a:r>
-            <a:endParaRPr/>
+              <a:rPr lang="en-US" sz="2800" dirty="0" smtClean="0">
+                <a:solidFill>
+                  <a:srgbClr val="000000"/>
+                </a:solidFill>
+                <a:latin typeface="Franklin Gothic Medium" pitchFamily="34" charset="0"/>
+              </a:rPr>
+              <a:t>We solve IK </a:t>
+            </a:r>
+            <a:r>
+              <a:rPr lang="en-US" sz="2800" dirty="0">
+                <a:solidFill>
+                  <a:srgbClr val="000000"/>
+                </a:solidFill>
+                <a:latin typeface="Franklin Gothic Medium" pitchFamily="34" charset="0"/>
+              </a:rPr>
+              <a:t>via damped least squares</a:t>
+            </a:r>
+            <a:endParaRPr sz="2800" dirty="0">
+              <a:latin typeface="Franklin Gothic Medium" pitchFamily="34" charset="0"/>
+            </a:endParaRPr>
           </a:p>
           <a:p>
             <a:pPr lvl="1">
@@ -2405,15 +2662,17 @@
               <a:buChar char="–"/>
             </a:pPr>
             <a:r>
-              <a:rPr lang="en-US">
-                <a:solidFill>
-                  <a:srgbClr val="000000"/>
-                </a:solidFill>
-                <a:latin typeface="Franklin Gothic Book"/>
+              <a:rPr lang="en-US" sz="2800" dirty="0">
+                <a:solidFill>
+                  <a:srgbClr val="000000"/>
+                </a:solidFill>
+                <a:latin typeface="Franklin Gothic Medium" pitchFamily="34" charset="0"/>
               </a:rPr>
               <a:t>Dedicated sine, cosine function generators</a:t>
             </a:r>
-            <a:endParaRPr/>
+            <a:endParaRPr sz="2800" dirty="0">
+              <a:latin typeface="Franklin Gothic Medium" pitchFamily="34" charset="0"/>
+            </a:endParaRPr>
           </a:p>
           <a:p>
             <a:pPr lvl="1">
@@ -2424,15 +2683,17 @@
               <a:buChar char="–"/>
             </a:pPr>
             <a:r>
-              <a:rPr lang="en-US">
-                <a:solidFill>
-                  <a:srgbClr val="000000"/>
-                </a:solidFill>
-                <a:latin typeface="Franklin Gothic Book"/>
+              <a:rPr lang="en-US" sz="2800" dirty="0">
+                <a:solidFill>
+                  <a:srgbClr val="000000"/>
+                </a:solidFill>
+                <a:latin typeface="Franklin Gothic Medium" pitchFamily="34" charset="0"/>
               </a:rPr>
               <a:t>Parallel, fixed-point functional units</a:t>
             </a:r>
-            <a:endParaRPr/>
+            <a:endParaRPr sz="2800" dirty="0">
+              <a:latin typeface="Franklin Gothic Medium" pitchFamily="34" charset="0"/>
+            </a:endParaRPr>
           </a:p>
           <a:p>
             <a:pPr lvl="1">
@@ -2443,25 +2704,48 @@
               <a:buChar char="–"/>
             </a:pPr>
             <a:r>
-              <a:rPr lang="en-US">
-                <a:solidFill>
-                  <a:srgbClr val="000000"/>
-                </a:solidFill>
-                <a:latin typeface="Franklin Gothic Book"/>
-              </a:rPr>
-              <a:t>Solves IK problem in 4μs: compare against 10ms for general algorithm on CPU</a:t>
-            </a:r>
-            <a:endParaRPr/>
+              <a:rPr lang="en-US" sz="2800" dirty="0">
+                <a:solidFill>
+                  <a:srgbClr val="000000"/>
+                </a:solidFill>
+                <a:latin typeface="Franklin Gothic Medium" pitchFamily="34" charset="0"/>
+              </a:rPr>
+              <a:t>Solves IK problem in </a:t>
+            </a:r>
+            <a:r>
+              <a:rPr lang="en-US" sz="2800" dirty="0" smtClean="0">
+                <a:solidFill>
+                  <a:srgbClr val="000000"/>
+                </a:solidFill>
+                <a:latin typeface="Franklin Gothic Medium" pitchFamily="34" charset="0"/>
+              </a:rPr>
+              <a:t>100μs</a:t>
+            </a:r>
+            <a:r>
+              <a:rPr lang="en-US" sz="2800" dirty="0">
+                <a:solidFill>
+                  <a:srgbClr val="000000"/>
+                </a:solidFill>
+                <a:latin typeface="Franklin Gothic Medium" pitchFamily="34" charset="0"/>
+              </a:rPr>
+              <a:t>: compare against 10ms for general algorithm on CPU</a:t>
+            </a:r>
+            <a:endParaRPr sz="2800" dirty="0">
+              <a:latin typeface="Franklin Gothic Medium" pitchFamily="34" charset="0"/>
+            </a:endParaRPr>
           </a:p>
         </p:txBody>
       </p:sp>
     </p:spTree>
   </p:cSld>
+  <p:clrMapOvr>
+    <a:masterClrMapping/>
+  </p:clrMapOvr>
 </p:sld>
 </file>
 
 <file path=ppt/slides/slide4.xml><?xml version="1.0" encoding="utf-8"?>
-<p:sld xmlns:a="http://schemas.openxmlformats.org/drawingml/2006/main" xmlns:p="http://schemas.openxmlformats.org/presentationml/2006/main" xmlns:r="http://schemas.openxmlformats.org/officeDocument/2006/relationships">
+<p:sld xmlns:a="http://schemas.openxmlformats.org/drawingml/2006/main" xmlns:r="http://schemas.openxmlformats.org/officeDocument/2006/relationships" xmlns:p="http://schemas.openxmlformats.org/presentationml/2006/main">
   <p:cSld>
     <p:spTree>
       <p:nvGrpSpPr>
@@ -2493,190 +2777,159 @@
           </a:prstGeom>
         </p:spPr>
         <p:txBody>
-          <a:bodyPr anchor="ctr" bIns="0" lIns="0" rIns="0" tIns="0" wrap="none"/>
+          <a:bodyPr wrap="none" lIns="0" tIns="0" rIns="0" bIns="0" anchor="ctr"/>
+          <a:lstStyle/>
           <a:p>
             <a:pPr algn="ctr"/>
             <a:r>
-              <a:rPr lang="en-US">
-                <a:solidFill>
-                  <a:srgbClr val="000000"/>
-                </a:solidFill>
-              </a:rPr>
-              <a:t>Resource Minimization </a:t>
-            </a:r>
-            <a:endParaRPr/>
-          </a:p>
-        </p:txBody>
-      </p:sp>
-      <p:sp>
-        <p:nvSpPr>
-          <p:cNvPr id="50" name="TextShape 2"/>
+              <a:rPr lang="en-US" sz="3600" b="1" dirty="0" smtClean="0">
+                <a:latin typeface="Franklin Gothic Medium" pitchFamily="34" charset="0"/>
+              </a:rPr>
+              <a:t>Architecture and Timing Design</a:t>
+            </a:r>
+            <a:endParaRPr sz="3600" b="1" dirty="0">
+              <a:latin typeface="Franklin Gothic Medium" pitchFamily="34" charset="0"/>
+            </a:endParaRPr>
+          </a:p>
+        </p:txBody>
+      </p:sp>
+      <p:sp>
+        <p:nvSpPr>
+          <p:cNvPr id="5" name="TextBox 4"/>
           <p:cNvSpPr txBox="1"/>
           <p:nvPr/>
         </p:nvSpPr>
         <p:spPr>
           <a:xfrm>
-            <a:off x="0" y="838080"/>
-            <a:ext cx="9143640" cy="6019560"/>
-          </a:xfrm>
-          <a:prstGeom prst="rect">
-            <a:avLst/>
-          </a:prstGeom>
-        </p:spPr>
-        <p:txBody>
-          <a:bodyPr bIns="0" lIns="0" rIns="0" tIns="0" wrap="none"/>
+            <a:off x="457200" y="1295400"/>
+            <a:ext cx="8382000" cy="3970318"/>
+          </a:xfrm>
+          <a:prstGeom prst="rect">
+            <a:avLst/>
+          </a:prstGeom>
+          <a:noFill/>
+        </p:spPr>
+        <p:txBody>
+          <a:bodyPr wrap="square" rtlCol="0">
+            <a:spAutoFit/>
+          </a:bodyPr>
+          <a:lstStyle/>
           <a:p>
             <a:pPr>
-              <a:buSzPct val="25000"/>
-              <a:buFont typeface="StarSymbol"/>
-              <a:buChar char=""/>
-            </a:pPr>
-            <a:r>
-              <a:rPr lang="en-US"/>
-              <a:t>Want all of computations done on FPGA</a:t>
-            </a:r>
-            <a:endParaRPr/>
+              <a:buFont typeface="Arial" pitchFamily="34" charset="0"/>
+              <a:buChar char="•"/>
+            </a:pPr>
+            <a:r>
+              <a:rPr lang="en-US" sz="2800" dirty="0" smtClean="0">
+                <a:latin typeface="Franklin Gothic Medium" pitchFamily="34" charset="0"/>
+              </a:rPr>
+              <a:t>Architectural Choices</a:t>
+            </a:r>
           </a:p>
           <a:p>
             <a:pPr lvl="1">
-              <a:buSzPct val="25000"/>
-              <a:buFont typeface="StarSymbol"/>
-              <a:buChar char=""/>
-            </a:pPr>
-            <a:r>
-              <a:rPr lang="en-US"/>
-              <a:t>Problems of size vs. accuracy</a:t>
-            </a:r>
-            <a:endParaRPr/>
+              <a:buFont typeface="Arial" pitchFamily="34" charset="0"/>
+              <a:buChar char="•"/>
+            </a:pPr>
+            <a:r>
+              <a:rPr lang="en-US" sz="2800" dirty="0" smtClean="0">
+                <a:latin typeface="Franklin Gothic Medium" pitchFamily="34" charset="0"/>
+              </a:rPr>
+              <a:t>Pipelining sine/cosine and array multiply</a:t>
+            </a:r>
           </a:p>
           <a:p>
             <a:pPr lvl="1">
-              <a:buSzPct val="25000"/>
-              <a:buFont typeface="StarSymbol"/>
-              <a:buChar char=""/>
-            </a:pPr>
-            <a:r>
-              <a:rPr lang="en-US"/>
-              <a:t>Floating point arithmetic is expensive and instead used fixed point</a:t>
-            </a:r>
-            <a:endParaRPr/>
+              <a:buFont typeface="Arial" pitchFamily="34" charset="0"/>
+              <a:buChar char="•"/>
+            </a:pPr>
+            <a:r>
+              <a:rPr lang="en-US" sz="2800" dirty="0" smtClean="0">
+                <a:latin typeface="Franklin Gothic Medium" pitchFamily="34" charset="0"/>
+              </a:rPr>
+              <a:t>Parallelized matrix multiply and matrix inversion</a:t>
+            </a:r>
           </a:p>
           <a:p>
             <a:pPr lvl="1">
-              <a:buSzPct val="25000"/>
-              <a:buFont typeface="StarSymbol"/>
-              <a:buChar char=""/>
-            </a:pPr>
-            <a:r>
-              <a:rPr lang="en-US"/>
-              <a:t>Bit width of fixed point numbers greatly influenced the accuracy</a:t>
-            </a:r>
-            <a:endParaRPr/>
+              <a:buFont typeface="Arial" pitchFamily="34" charset="0"/>
+              <a:buChar char="•"/>
+            </a:pPr>
+            <a:r>
+              <a:rPr lang="en-US" sz="2800" dirty="0">
+                <a:latin typeface="Franklin Gothic Medium" pitchFamily="34" charset="0"/>
+              </a:rPr>
+              <a:t>F</a:t>
+            </a:r>
+            <a:r>
+              <a:rPr lang="en-US" sz="2800" dirty="0" smtClean="0">
+                <a:latin typeface="Franklin Gothic Medium" pitchFamily="34" charset="0"/>
+              </a:rPr>
+              <a:t>ixed point representations throughout system</a:t>
+            </a:r>
+          </a:p>
+          <a:p>
+            <a:pPr>
+              <a:buFont typeface="Arial" pitchFamily="34" charset="0"/>
+              <a:buChar char="•"/>
+            </a:pPr>
+            <a:r>
+              <a:rPr lang="en-US" sz="2800" dirty="0" smtClean="0">
+                <a:latin typeface="Franklin Gothic Medium" pitchFamily="34" charset="0"/>
+              </a:rPr>
+              <a:t>Timing Choices</a:t>
+            </a:r>
           </a:p>
           <a:p>
             <a:pPr lvl="1">
-              <a:buSzPct val="25000"/>
-              <a:buFont typeface="StarSymbol"/>
-              <a:buChar char=""/>
-            </a:pPr>
-            <a:r>
-              <a:rPr lang="en-US"/>
-              <a:t>Own implementation of sin and cos functions</a:t>
-            </a:r>
-            <a:endParaRPr/>
-          </a:p>
-          <a:p>
-            <a:pPr>
-              <a:buSzPct val="25000"/>
-              <a:buFont typeface="StarSymbol"/>
-              <a:buChar char=""/>
-            </a:pPr>
-            <a:r>
-              <a:rPr lang="en-US"/>
-              <a:t>Wanted design to be configurable</a:t>
-            </a:r>
-            <a:endParaRPr/>
+              <a:buFont typeface="Arial" pitchFamily="34" charset="0"/>
+              <a:buChar char="•"/>
+            </a:pPr>
+            <a:r>
+              <a:rPr lang="en-US" sz="2800" dirty="0" smtClean="0">
+                <a:latin typeface="Franklin Gothic Medium" pitchFamily="34" charset="0"/>
+              </a:rPr>
+              <a:t>Single array of multipliers shared amongst modules</a:t>
+            </a:r>
           </a:p>
           <a:p>
             <a:pPr lvl="1">
-              <a:buSzPct val="25000"/>
-              <a:buFont typeface="StarSymbol"/>
-              <a:buChar char=""/>
-            </a:pPr>
-            <a:r>
-              <a:rPr lang="en-US"/>
-              <a:t>Still can configure for different robots </a:t>
-            </a:r>
-            <a:endParaRPr/>
-          </a:p>
-          <a:p>
-            <a:pPr lvl="1">
-              <a:buSzPct val="25000"/>
-              <a:buFont typeface="StarSymbol"/>
-              <a:buChar char=""/>
-            </a:pPr>
-            <a:r>
-              <a:rPr lang="en-US"/>
-              <a:t>No longer supports translational joints</a:t>
-            </a:r>
-            <a:endParaRPr/>
-          </a:p>
-          <a:p>
-            <a:pPr>
-              <a:buSzPct val="25000"/>
-              <a:buFont typeface="StarSymbol"/>
-              <a:buChar char=""/>
-            </a:pPr>
-            <a:r>
-              <a:rPr lang="en-US"/>
-              <a:t>Sharing resources</a:t>
-            </a:r>
-            <a:endParaRPr/>
-          </a:p>
-          <a:p>
-            <a:pPr lvl="1">
-              <a:buSzPct val="25000"/>
-              <a:buFont typeface="StarSymbol"/>
-              <a:buChar char=""/>
-            </a:pPr>
-            <a:r>
-              <a:rPr lang="en-US"/>
-              <a:t>Timing diagram showed what operations were done when allowing us to find where resources can be shared</a:t>
-            </a:r>
-            <a:endParaRPr/>
-          </a:p>
-          <a:p>
-            <a:pPr lvl="1">
-              <a:buSzPct val="25000"/>
-              <a:buFont typeface="StarSymbol"/>
-              <a:buChar char=""/>
-            </a:pPr>
-            <a:r>
-              <a:rPr lang="en-US"/>
-              <a:t>Instead of each component having its own multipliers had a shared multiplier for whole design</a:t>
-            </a:r>
-            <a:endParaRPr/>
+              <a:buFont typeface="Arial" pitchFamily="34" charset="0"/>
+              <a:buChar char="•"/>
+            </a:pPr>
+            <a:r>
+              <a:rPr lang="en-US" sz="2800" dirty="0" smtClean="0">
+                <a:latin typeface="Franklin Gothic Medium" pitchFamily="34" charset="0"/>
+              </a:rPr>
+              <a:t>Aggregate individual enable and done signals into global state machine</a:t>
+            </a:r>
+            <a:endParaRPr lang="en-US" sz="2800" dirty="0">
+              <a:latin typeface="Franklin Gothic Medium" pitchFamily="34" charset="0"/>
+            </a:endParaRPr>
           </a:p>
         </p:txBody>
       </p:sp>
     </p:spTree>
   </p:cSld>
+  <p:clrMapOvr>
+    <a:masterClrMapping/>
+  </p:clrMapOvr>
   <p:timing>
     <p:tnLst>
       <p:par>
-        <p:cTn dur="indefinite" id="3" nodeType="tmRoot" restart="never">
+        <p:cTn id="1" dur="indefinite" restart="never" nodeType="tmRoot">
           <p:childTnLst>
             <p:seq>
-              <p:cTn id="4" nodeType="mainSeq"/>
+              <p:cTn id="2" nodeType="mainSeq"/>
               <p:prevCondLst>
-                <p:cond delay="0" evt="onPrev">
+                <p:cond evt="onPrev" delay="0">
                   <p:tgtEl>
                     <p:sldTgt/>
                   </p:tgtEl>
                 </p:cond>
               </p:prevCondLst>
               <p:nextCondLst>
-                <p:cond delay="0" evt="onNext">
+                <p:cond evt="onNext" delay="0">
                   <p:tgtEl>
                     <p:sldTgt/>
                   </p:tgtEl>
@@ -2692,7 +2945,7 @@
 </file>
 
 <file path=ppt/slides/slide5.xml><?xml version="1.0" encoding="utf-8"?>
-<p:sld xmlns:a="http://schemas.openxmlformats.org/drawingml/2006/main" xmlns:p="http://schemas.openxmlformats.org/presentationml/2006/main" xmlns:r="http://schemas.openxmlformats.org/officeDocument/2006/relationships">
+<p:sld xmlns:a="http://schemas.openxmlformats.org/drawingml/2006/main" xmlns:r="http://schemas.openxmlformats.org/officeDocument/2006/relationships" xmlns:p="http://schemas.openxmlformats.org/presentationml/2006/main">
   <p:cSld>
     <p:spTree>
       <p:nvGrpSpPr>
@@ -2710,220 +2963,141 @@
       </p:grpSpPr>
       <p:sp>
         <p:nvSpPr>
-          <p:cNvPr id="51" name="TextShape 1"/>
-          <p:cNvSpPr txBox="1"/>
-          <p:nvPr/>
-        </p:nvSpPr>
-        <p:spPr>
-          <a:xfrm>
-            <a:off x="0" y="58320"/>
-            <a:ext cx="9143640" cy="568800"/>
-          </a:xfrm>
-          <a:prstGeom prst="rect">
-            <a:avLst/>
-          </a:prstGeom>
-        </p:spPr>
-        <p:txBody>
-          <a:bodyPr anchor="ctr" bIns="0" lIns="0" rIns="0" tIns="0" wrap="none"/>
+          <p:cNvPr id="2" name="Title 1"/>
+          <p:cNvSpPr>
+            <a:spLocks noGrp="1"/>
+          </p:cNvSpPr>
+          <p:nvPr>
+            <p:ph type="title"/>
+          </p:nvPr>
+        </p:nvSpPr>
+        <p:spPr/>
+        <p:txBody>
+          <a:bodyPr/>
+          <a:lstStyle/>
           <a:p>
             <a:pPr algn="ctr"/>
             <a:r>
-              <a:rPr lang="en-US">
-                <a:solidFill>
-                  <a:srgbClr val="000000"/>
-                </a:solidFill>
-              </a:rPr>
-              <a:t>Fixed Point</a:t>
-            </a:r>
-            <a:endParaRPr/>
-          </a:p>
-        </p:txBody>
-      </p:sp>
-      <p:sp>
-        <p:nvSpPr>
-          <p:cNvPr id="52" name="TextShape 2"/>
-          <p:cNvSpPr txBox="1"/>
-          <p:nvPr/>
-        </p:nvSpPr>
-        <p:spPr>
-          <a:xfrm>
-            <a:off x="0" y="838080"/>
+              <a:rPr lang="en-US" sz="3600" b="1" dirty="0" smtClean="0">
+                <a:latin typeface="Franklin Gothic Medium" pitchFamily="34" charset="0"/>
+              </a:rPr>
+              <a:t>Experiences and Issues</a:t>
+            </a:r>
+            <a:endParaRPr lang="en-US" sz="3600" b="1" dirty="0">
+              <a:latin typeface="Franklin Gothic Medium" pitchFamily="34" charset="0"/>
+            </a:endParaRPr>
+          </a:p>
+        </p:txBody>
+      </p:sp>
+      <p:sp>
+        <p:nvSpPr>
+          <p:cNvPr id="3" name="Text Placeholder 2"/>
+          <p:cNvSpPr>
+            <a:spLocks noGrp="1"/>
+          </p:cNvSpPr>
+          <p:nvPr>
+            <p:ph type="body"/>
+          </p:nvPr>
+        </p:nvSpPr>
+        <p:spPr>
+          <a:xfrm>
+            <a:off x="609600" y="1524000"/>
             <a:ext cx="9143640" cy="6019560"/>
           </a:xfrm>
-          <a:prstGeom prst="rect">
-            <a:avLst/>
-          </a:prstGeom>
-        </p:spPr>
-        <p:txBody>
-          <a:bodyPr bIns="0" lIns="0" rIns="0" tIns="0" wrap="none"/>
-          <a:p>
-            <a:pPr>
-              <a:buSzPct val="25000"/>
-              <a:buFont typeface="StarSymbol"/>
-              <a:buChar char=""/>
-            </a:pPr>
-            <a:r>
-              <a:rPr lang="en-US"/>
-              <a:t>Varying number of bits </a:t>
-            </a:r>
-            <a:endParaRPr/>
-          </a:p>
-          <a:p>
-            <a:pPr lvl="1">
-              <a:buSzPct val="25000"/>
-              <a:buFont typeface="StarSymbol"/>
-              <a:buChar char=""/>
-            </a:pPr>
-            <a:r>
-              <a:rPr lang="en-US"/>
-              <a:t>Always 16 bits for fraction part</a:t>
-            </a:r>
-            <a:endParaRPr/>
-          </a:p>
-          <a:p>
-            <a:pPr lvl="2">
-              <a:buSzPct val="25000"/>
-              <a:buFont typeface="StarSymbol"/>
-              <a:buChar char=""/>
-            </a:pPr>
-            <a:r>
-              <a:rPr lang="en-US"/>
-              <a:t>1/2^16 smallest increment between numbers</a:t>
-            </a:r>
-            <a:endParaRPr/>
-          </a:p>
-          <a:p>
-            <a:pPr lvl="1">
-              <a:buSzPct val="25000"/>
-              <a:buFont typeface="StarSymbol"/>
-              <a:buChar char=""/>
-            </a:pPr>
-            <a:r>
-              <a:rPr lang="en-US"/>
-              <a:t>Average 16 signed bits for integer part</a:t>
-            </a:r>
-            <a:endParaRPr/>
-          </a:p>
-          <a:p>
-            <a:pPr>
-              <a:buSzPct val="25000"/>
-              <a:buFont typeface="StarSymbol"/>
-              <a:buChar char=""/>
-            </a:pPr>
-            <a:r>
-              <a:rPr lang="en-US"/>
-              <a:t>Fixed point numbers use integer arithmetic</a:t>
-            </a:r>
-            <a:endParaRPr/>
-          </a:p>
-          <a:p>
-            <a:pPr lvl="1">
-              <a:buSzPct val="25000"/>
-              <a:buFont typeface="StarSymbol"/>
-              <a:buChar char=""/>
-            </a:pPr>
-            <a:r>
-              <a:rPr lang="en-US"/>
-              <a:t>Smaller design than floating point megafunctions </a:t>
-            </a:r>
-            <a:endParaRPr/>
-          </a:p>
-          <a:p>
-            <a:pPr>
-              <a:buSzPct val="25000"/>
-              <a:buFont typeface="StarSymbol"/>
-              <a:buChar char=""/>
-            </a:pPr>
-            <a:r>
-              <a:rPr lang="en-US"/>
-              <a:t>Loss of precision during certain operations</a:t>
-            </a:r>
-            <a:endParaRPr/>
-          </a:p>
-          <a:p>
-            <a:pPr lvl="1">
-              <a:buSzPct val="25000"/>
-              <a:buFont typeface="StarSymbol"/>
-              <a:buChar char=""/>
-            </a:pPr>
-            <a:r>
-              <a:rPr lang="en-US"/>
-              <a:t>Multiplications result in a number twice as large as original numbers being multiplied. Need to truncate </a:t>
-            </a:r>
-            <a:endParaRPr/>
-          </a:p>
-          <a:p>
-            <a:pPr lvl="1">
-              <a:buSzPct val="25000"/>
-              <a:buFont typeface="StarSymbol"/>
-              <a:buChar char=""/>
-            </a:pPr>
-            <a:r>
-              <a:rPr lang="en-US"/>
-              <a:t>Division results in number half as large unless shifted before which can save precision</a:t>
-            </a:r>
-            <a:endParaRPr/>
-          </a:p>
-          <a:p>
-            <a:pPr lvl="1">
-              <a:buSzPct val="25000"/>
-              <a:buFont typeface="StarSymbol"/>
-              <a:buChar char=""/>
-            </a:pPr>
-            <a:r>
-              <a:rPr lang="en-US"/>
-              <a:t>Square root results in number half as large and cannot be fixed by shifting</a:t>
-            </a:r>
-            <a:endParaRPr/>
-          </a:p>
-          <a:p>
-            <a:pPr>
-              <a:buSzPct val="25000"/>
-              <a:buFont typeface="StarSymbol"/>
-              <a:buChar char=""/>
-            </a:pPr>
-            <a:r>
-              <a:rPr lang="en-US"/>
-              <a:t>Software converts from floating point to fixed point so FGPA only sees fixed point</a:t>
-            </a:r>
-            <a:endParaRPr/>
+        </p:spPr>
+        <p:txBody>
+          <a:bodyPr/>
+          <a:lstStyle/>
+          <a:p>
+            <a:pPr algn="l">
+              <a:buFont typeface="Arial" pitchFamily="34" charset="0"/>
+              <a:buChar char="•"/>
+            </a:pPr>
+            <a:r>
+              <a:rPr lang="en-US" sz="2800" dirty="0" smtClean="0">
+                <a:latin typeface="Franklin Gothic Medium" pitchFamily="34" charset="0"/>
+              </a:rPr>
+              <a:t>Deciding on the algorithm to use</a:t>
+            </a:r>
+          </a:p>
+          <a:p>
+            <a:pPr algn="l">
+              <a:buFont typeface="Arial" pitchFamily="34" charset="0"/>
+              <a:buChar char="•"/>
+            </a:pPr>
+            <a:r>
+              <a:rPr lang="en-US" sz="2800" dirty="0" smtClean="0">
+                <a:latin typeface="Franklin Gothic Medium" pitchFamily="34" charset="0"/>
+              </a:rPr>
+              <a:t>Determining what implementation would fit on </a:t>
+            </a:r>
+          </a:p>
+          <a:p>
+            <a:pPr algn="l"/>
+            <a:r>
+              <a:rPr lang="en-US" sz="2800" dirty="0">
+                <a:latin typeface="Franklin Gothic Medium" pitchFamily="34" charset="0"/>
+              </a:rPr>
+              <a:t>  </a:t>
+            </a:r>
+            <a:r>
+              <a:rPr lang="en-US" sz="2800" dirty="0" smtClean="0">
+                <a:latin typeface="Franklin Gothic Medium" pitchFamily="34" charset="0"/>
+              </a:rPr>
+              <a:t>the board</a:t>
+            </a:r>
+          </a:p>
+          <a:p>
+            <a:pPr algn="l">
+              <a:buFont typeface="Arial" pitchFamily="34" charset="0"/>
+              <a:buChar char="•"/>
+            </a:pPr>
+            <a:r>
+              <a:rPr lang="en-US" sz="2800" dirty="0" smtClean="0">
+                <a:latin typeface="Franklin Gothic Medium" pitchFamily="34" charset="0"/>
+              </a:rPr>
+              <a:t>Convincing ourselves the algorithm works</a:t>
+            </a:r>
+          </a:p>
+          <a:p>
+            <a:pPr algn="l">
+              <a:buFont typeface="Arial" pitchFamily="34" charset="0"/>
+              <a:buChar char="•"/>
+            </a:pPr>
+            <a:r>
+              <a:rPr lang="en-US" sz="2800" dirty="0" smtClean="0">
+                <a:latin typeface="Franklin Gothic Medium" pitchFamily="34" charset="0"/>
+              </a:rPr>
+              <a:t>Extensively tested the core hardware, but not the</a:t>
+            </a:r>
+          </a:p>
+          <a:p>
+            <a:pPr algn="l"/>
+            <a:r>
+              <a:rPr lang="en-US" sz="2800" dirty="0" smtClean="0">
+                <a:latin typeface="Franklin Gothic Medium" pitchFamily="34" charset="0"/>
+              </a:rPr>
+              <a:t>  top-level interface (until yesterday)</a:t>
+            </a:r>
+          </a:p>
+          <a:p>
+            <a:pPr algn="l"/>
+            <a:endParaRPr lang="en-US" sz="2800" dirty="0" smtClean="0">
+              <a:latin typeface="Franklin Gothic Medium" pitchFamily="34" charset="0"/>
+            </a:endParaRPr>
           </a:p>
         </p:txBody>
       </p:sp>
     </p:spTree>
   </p:cSld>
-  <p:timing>
-    <p:tnLst>
-      <p:par>
-        <p:cTn dur="indefinite" id="5" nodeType="tmRoot" restart="never">
-          <p:childTnLst>
-            <p:seq>
-              <p:cTn id="6" nodeType="mainSeq"/>
-              <p:prevCondLst>
-                <p:cond delay="0" evt="onPrev">
-                  <p:tgtEl>
-                    <p:sldTgt/>
-                  </p:tgtEl>
-                </p:cond>
-              </p:prevCondLst>
-              <p:nextCondLst>
-                <p:cond delay="0" evt="onNext">
-                  <p:tgtEl>
-                    <p:sldTgt/>
-                  </p:tgtEl>
-                </p:cond>
-              </p:nextCondLst>
-            </p:seq>
-          </p:childTnLst>
-        </p:cTn>
-      </p:par>
-    </p:tnLst>
-  </p:timing>
+  <p:clrMapOvr>
+    <a:masterClrMapping/>
+  </p:clrMapOvr>
 </p:sld>
 </file>
 
 <file path=ppt/slides/slide6.xml><?xml version="1.0" encoding="utf-8"?>
-<p:sld xmlns:a="http://schemas.openxmlformats.org/drawingml/2006/main" xmlns:p="http://schemas.openxmlformats.org/presentationml/2006/main" xmlns:r="http://schemas.openxmlformats.org/officeDocument/2006/relationships">
+<p:sld xmlns:a="http://schemas.openxmlformats.org/drawingml/2006/main" xmlns:r="http://schemas.openxmlformats.org/officeDocument/2006/relationships" xmlns:p="http://schemas.openxmlformats.org/presentationml/2006/main">
   <p:cSld>
     <p:spTree>
       <p:nvGrpSpPr>
@@ -2955,325 +3129,135 @@
           </a:prstGeom>
         </p:spPr>
         <p:txBody>
-          <a:bodyPr anchor="ctr" bIns="0" lIns="0" rIns="0" tIns="0" wrap="none"/>
+          <a:bodyPr wrap="none" lIns="0" tIns="0" rIns="0" bIns="0" anchor="ctr"/>
+          <a:lstStyle/>
           <a:p>
             <a:pPr algn="ctr"/>
             <a:r>
-              <a:rPr lang="en-US">
-                <a:solidFill>
-                  <a:srgbClr val="000000"/>
-                </a:solidFill>
-              </a:rPr>
-              <a:t>Algorithm Heuristics</a:t>
-            </a:r>
-            <a:endParaRPr/>
-          </a:p>
-        </p:txBody>
-      </p:sp>
-      <p:sp>
-        <p:nvSpPr>
-          <p:cNvPr id="54" name="TextShape 2"/>
+              <a:rPr lang="en-US" sz="3600" b="1" dirty="0" smtClean="0">
+                <a:latin typeface="Franklin Gothic Medium" pitchFamily="34" charset="0"/>
+              </a:rPr>
+              <a:t>Lessons Learned</a:t>
+            </a:r>
+            <a:endParaRPr sz="3600" b="1" dirty="0">
+              <a:latin typeface="Franklin Gothic Medium" pitchFamily="34" charset="0"/>
+            </a:endParaRPr>
+          </a:p>
+        </p:txBody>
+      </p:sp>
+      <p:sp>
+        <p:nvSpPr>
+          <p:cNvPr id="4" name="TextBox 3"/>
           <p:cNvSpPr txBox="1"/>
           <p:nvPr/>
         </p:nvSpPr>
         <p:spPr>
           <a:xfrm>
-            <a:off x="0" y="838080"/>
-            <a:ext cx="9143640" cy="6019560"/>
-          </a:xfrm>
-          <a:prstGeom prst="rect">
-            <a:avLst/>
-          </a:prstGeom>
-        </p:spPr>
-        <p:txBody>
-          <a:bodyPr bIns="0" lIns="0" rIns="0" tIns="0" wrap="none"/>
+            <a:off x="533400" y="1524000"/>
+            <a:ext cx="7848600" cy="2800767"/>
+          </a:xfrm>
+          <a:prstGeom prst="rect">
+            <a:avLst/>
+          </a:prstGeom>
+          <a:noFill/>
+        </p:spPr>
+        <p:txBody>
+          <a:bodyPr wrap="square" rtlCol="0">
+            <a:spAutoFit/>
+          </a:bodyPr>
+          <a:lstStyle/>
           <a:p>
             <a:pPr>
-              <a:buSzPct val="25000"/>
-              <a:buFont typeface="StarSymbol"/>
-              <a:buChar char=""/>
-            </a:pPr>
-            <a:r>
-              <a:rPr lang="en-US"/>
-              <a:t>Multiple steps had possible algorithms</a:t>
-            </a:r>
-            <a:endParaRPr/>
-          </a:p>
-          <a:p>
-            <a:pPr lvl="1">
-              <a:buSzPct val="25000"/>
-              <a:buFont typeface="StarSymbol"/>
-              <a:buChar char=""/>
-            </a:pPr>
-            <a:r>
-              <a:rPr lang="en-US"/>
-              <a:t>Inverse kinetic algorithm</a:t>
-            </a:r>
-            <a:endParaRPr/>
-          </a:p>
-          <a:p>
-            <a:pPr lvl="1">
-              <a:buSzPct val="25000"/>
-              <a:buFont typeface="StarSymbol"/>
-              <a:buChar char=""/>
-            </a:pPr>
-            <a:r>
-              <a:rPr lang="en-US"/>
-              <a:t>Matrix inverse algorithm</a:t>
-            </a:r>
-            <a:endParaRPr/>
-          </a:p>
-          <a:p>
-            <a:pPr lvl="1">
-              <a:buSzPct val="25000"/>
-              <a:buFont typeface="StarSymbol"/>
-              <a:buChar char=""/>
-            </a:pPr>
-            <a:r>
-              <a:rPr lang="en-US"/>
-              <a:t>Sin and cos algorithms</a:t>
-            </a:r>
-            <a:endParaRPr/>
+              <a:buFont typeface="Arial" pitchFamily="34" charset="0"/>
+              <a:buChar char="•"/>
+            </a:pPr>
+            <a:r>
+              <a:rPr lang="en-US" sz="2800" dirty="0" smtClean="0">
+                <a:latin typeface="Franklin Gothic Medium" pitchFamily="34" charset="0"/>
+              </a:rPr>
+              <a:t>Test the whole stack earlier</a:t>
+            </a:r>
           </a:p>
           <a:p>
             <a:pPr>
-              <a:buSzPct val="25000"/>
-              <a:buFont typeface="StarSymbol"/>
-              <a:buChar char=""/>
-            </a:pPr>
-            <a:r>
-              <a:rPr lang="en-US"/>
-              <a:t>Best algorithms for software might not be best for hardware</a:t>
-            </a:r>
-            <a:endParaRPr/>
-          </a:p>
-          <a:p>
-            <a:pPr lvl="1">
-              <a:buSzPct val="25000"/>
-              <a:buFont typeface="StarSymbol"/>
-              <a:buChar char=""/>
-            </a:pPr>
-            <a:r>
-              <a:rPr lang="en-US"/>
-              <a:t>Can it be parallized?</a:t>
-            </a:r>
-            <a:endParaRPr/>
-          </a:p>
-          <a:p>
-            <a:pPr lvl="1">
-              <a:buSzPct val="25000"/>
-              <a:buFont typeface="StarSymbol"/>
-              <a:buChar char=""/>
-            </a:pPr>
-            <a:r>
-              <a:rPr lang="en-US"/>
-              <a:t>How many operations are needed?</a:t>
-            </a:r>
-            <a:endParaRPr/>
-          </a:p>
-          <a:p>
-            <a:pPr lvl="1">
-              <a:buSzPct val="25000"/>
-              <a:buFont typeface="StarSymbol"/>
-              <a:buChar char=""/>
-            </a:pPr>
-            <a:r>
-              <a:rPr lang="en-US"/>
-              <a:t>How big will the implementation be?</a:t>
-            </a:r>
-            <a:endParaRPr/>
-          </a:p>
-          <a:p>
-            <a:pPr lvl="1">
-              <a:buSzPct val="25000"/>
-              <a:buFont typeface="StarSymbol"/>
-              <a:buChar char=""/>
-            </a:pPr>
-            <a:r>
-              <a:rPr lang="en-US"/>
-              <a:t>Accurate in fixed point?</a:t>
-            </a:r>
-            <a:endParaRPr/>
+              <a:buFont typeface="Arial" pitchFamily="34" charset="0"/>
+              <a:buChar char="•"/>
+            </a:pPr>
+            <a:r>
+              <a:rPr lang="en-US" sz="2800" dirty="0" smtClean="0">
+                <a:latin typeface="Franklin Gothic Medium" pitchFamily="34" charset="0"/>
+              </a:rPr>
+              <a:t>Plan before trying to implement</a:t>
+            </a:r>
           </a:p>
           <a:p>
             <a:pPr>
-              <a:buSzPct val="25000"/>
-              <a:buFont typeface="StarSymbol"/>
-              <a:buChar char=""/>
-            </a:pPr>
-            <a:r>
-              <a:rPr lang="en-US"/>
-              <a:t>Need to be able to understand the algorithm to implement it</a:t>
-            </a:r>
-            <a:endParaRPr/>
-          </a:p>
-          <a:p>
-            <a:pPr lvl="1">
-              <a:buSzPct val="25000"/>
-              <a:buFont typeface="StarSymbol"/>
-              <a:buChar char=""/>
-            </a:pPr>
-            <a:r>
-              <a:rPr lang="en-US"/>
-              <a:t>Algorithms were found in research papers and described abstractly</a:t>
-            </a:r>
-            <a:endParaRPr/>
-          </a:p>
-          <a:p>
-            <a:pPr lvl="1">
-              <a:buSzPct val="25000"/>
-              <a:buFont typeface="StarSymbol"/>
-              <a:buChar char=""/>
-            </a:pPr>
-            <a:r>
-              <a:rPr lang="en-US"/>
-              <a:t>Need to test thoroughly to ensure algorithm was implemented correctly  </a:t>
-            </a:r>
-            <a:endParaRPr/>
+              <a:buFont typeface="Arial" pitchFamily="34" charset="0"/>
+              <a:buChar char="•"/>
+            </a:pPr>
+            <a:r>
+              <a:rPr lang="en-US" sz="2800" dirty="0" smtClean="0">
+                <a:latin typeface="Franklin Gothic Medium" pitchFamily="34" charset="0"/>
+              </a:rPr>
+              <a:t>Use timing diagrams and area estimates before touching hardware</a:t>
+            </a:r>
+          </a:p>
+          <a:p>
+            <a:pPr>
+              <a:buFont typeface="Arial" pitchFamily="34" charset="0"/>
+              <a:buChar char="•"/>
+            </a:pPr>
+            <a:r>
+              <a:rPr lang="en-US" sz="2800" dirty="0" smtClean="0">
+                <a:latin typeface="Franklin Gothic Medium" pitchFamily="34" charset="0"/>
+              </a:rPr>
+              <a:t>Leave no ambiguity in the design</a:t>
+            </a:r>
+            <a:endParaRPr lang="en-US" sz="2800" dirty="0" smtClean="0">
+              <a:latin typeface="Franklin Gothic Medium" pitchFamily="34" charset="0"/>
+            </a:endParaRPr>
+          </a:p>
+          <a:p>
+            <a:pPr>
+              <a:buFont typeface="Arial" pitchFamily="34" charset="0"/>
+              <a:buChar char="•"/>
+            </a:pPr>
+            <a:endParaRPr lang="en-US" dirty="0" smtClean="0">
+              <a:latin typeface="Franklin Gothic Medium" pitchFamily="34" charset="0"/>
+            </a:endParaRPr>
+          </a:p>
+          <a:p>
+            <a:pPr>
+              <a:buFont typeface="Arial" pitchFamily="34" charset="0"/>
+              <a:buChar char="•"/>
+            </a:pPr>
+            <a:endParaRPr lang="en-US" dirty="0">
+              <a:latin typeface="Franklin Gothic Medium" pitchFamily="34" charset="0"/>
+            </a:endParaRPr>
           </a:p>
         </p:txBody>
       </p:sp>
     </p:spTree>
   </p:cSld>
+  <p:clrMapOvr>
+    <a:masterClrMapping/>
+  </p:clrMapOvr>
   <p:timing>
     <p:tnLst>
       <p:par>
-        <p:cTn dur="indefinite" id="7" nodeType="tmRoot" restart="never">
+        <p:cTn id="1" dur="indefinite" restart="never" nodeType="tmRoot">
           <p:childTnLst>
             <p:seq>
-              <p:cTn id="8" nodeType="mainSeq"/>
+              <p:cTn id="2" nodeType="mainSeq"/>
               <p:prevCondLst>
-                <p:cond delay="0" evt="onPrev">
+                <p:cond evt="onPrev" delay="0">
                   <p:tgtEl>
                     <p:sldTgt/>
                   </p:tgtEl>
                 </p:cond>
               </p:prevCondLst>
               <p:nextCondLst>
-                <p:cond delay="0" evt="onNext">
-                  <p:tgtEl>
-                    <p:sldTgt/>
-                  </p:tgtEl>
-                </p:cond>
-              </p:nextCondLst>
-            </p:seq>
-          </p:childTnLst>
-        </p:cTn>
-      </p:par>
-    </p:tnLst>
-  </p:timing>
-</p:sld>
-</file>
-
-<file path=ppt/slides/slide7.xml><?xml version="1.0" encoding="utf-8"?>
-<p:sld xmlns:a="http://schemas.openxmlformats.org/drawingml/2006/main" xmlns:p="http://schemas.openxmlformats.org/presentationml/2006/main" xmlns:r="http://schemas.openxmlformats.org/officeDocument/2006/relationships">
-  <p:cSld>
-    <p:spTree>
-      <p:nvGrpSpPr>
-        <p:cNvPr id="1" name=""/>
-        <p:cNvGrpSpPr/>
-        <p:nvPr/>
-      </p:nvGrpSpPr>
-      <p:grpSpPr>
-        <a:xfrm>
-          <a:off x="0" y="0"/>
-          <a:ext cx="0" cy="0"/>
-          <a:chOff x="0" y="0"/>
-          <a:chExt cx="0" cy="0"/>
-        </a:xfrm>
-      </p:grpSpPr>
-      <p:sp>
-        <p:nvSpPr>
-          <p:cNvPr id="55" name="TextShape 1"/>
-          <p:cNvSpPr txBox="1"/>
-          <p:nvPr/>
-        </p:nvSpPr>
-        <p:spPr>
-          <a:xfrm>
-            <a:off x="0" y="58320"/>
-            <a:ext cx="9143640" cy="568800"/>
-          </a:xfrm>
-          <a:prstGeom prst="rect">
-            <a:avLst/>
-          </a:prstGeom>
-        </p:spPr>
-        <p:txBody>
-          <a:bodyPr anchor="ctr" bIns="0" lIns="0" rIns="0" tIns="0" wrap="none"/>
-          <a:p>
-            <a:pPr algn="ctr"/>
-            <a:r>
-              <a:rPr lang="en-US">
-                <a:solidFill>
-                  <a:srgbClr val="000000"/>
-                </a:solidFill>
-              </a:rPr>
-              <a:t>Lianne's Lessons Learned</a:t>
-            </a:r>
-            <a:endParaRPr/>
-          </a:p>
-        </p:txBody>
-      </p:sp>
-      <p:sp>
-        <p:nvSpPr>
-          <p:cNvPr id="56" name="TextShape 2"/>
-          <p:cNvSpPr txBox="1"/>
-          <p:nvPr/>
-        </p:nvSpPr>
-        <p:spPr>
-          <a:xfrm>
-            <a:off x="360" y="731520"/>
-            <a:ext cx="9143640" cy="6019560"/>
-          </a:xfrm>
-          <a:prstGeom prst="rect">
-            <a:avLst/>
-          </a:prstGeom>
-        </p:spPr>
-        <p:txBody>
-          <a:bodyPr bIns="0" lIns="0" rIns="0" tIns="0" wrap="none"/>
-          <a:p>
-            <a:pPr>
-              <a:buSzPct val="25000"/>
-              <a:buFont typeface="StarSymbol"/>
-              <a:buChar char=""/>
-            </a:pPr>
-            <a:r>
-              <a:rPr lang="en-US"/>
-              <a:t>Plan before trying to implement</a:t>
-            </a:r>
-            <a:endParaRPr/>
-          </a:p>
-          <a:p>
-            <a:pPr>
-              <a:buSzPct val="25000"/>
-              <a:buFont typeface="StarSymbol"/>
-              <a:buChar char=""/>
-            </a:pPr>
-            <a:r>
-              <a:rPr lang="en-US"/>
-              <a:t>Need to use timing diagram to understand which steps have to happen in what order to maximize resource sharing and parallelism </a:t>
-            </a:r>
-            <a:endParaRPr/>
-          </a:p>
-        </p:txBody>
-      </p:sp>
-    </p:spTree>
-  </p:cSld>
-  <p:timing>
-    <p:tnLst>
-      <p:par>
-        <p:cTn dur="indefinite" id="9" nodeType="tmRoot" restart="never">
-          <p:childTnLst>
-            <p:seq>
-              <p:cTn id="10" nodeType="mainSeq"/>
-              <p:prevCondLst>
-                <p:cond delay="0" evt="onPrev">
-                  <p:tgtEl>
-                    <p:sldTgt/>
-                  </p:tgtEl>
-                </p:cond>
-              </p:prevCondLst>
-              <p:nextCondLst>
-                <p:cond delay="0" evt="onNext">
+                <p:cond evt="onNext" delay="0">
                   <p:tgtEl>
                     <p:sldTgt/>
                   </p:tgtEl>
@@ -3508,5 +3492,7 @@
       </a:bgFillStyleLst>
     </a:fmtScheme>
   </a:themeElements>
+  <a:objectDefaults/>
+  <a:extraClrSchemeLst/>
 </a:theme>
 </file>
--- a/doc/talk/IKSwift.pptx
+++ b/doc/talk/IKSwift.pptx
@@ -5,12 +5,11 @@
     <p:sldMasterId id="2147483648" r:id="rId1"/>
   </p:sldMasterIdLst>
   <p:sldIdLst>
-    <p:sldId id="256" r:id="rId2"/>
-    <p:sldId id="257" r:id="rId3"/>
-    <p:sldId id="258" r:id="rId4"/>
-    <p:sldId id="259" r:id="rId5"/>
-    <p:sldId id="263" r:id="rId6"/>
-    <p:sldId id="261" r:id="rId7"/>
+    <p:sldId id="257" r:id="rId2"/>
+    <p:sldId id="258" r:id="rId3"/>
+    <p:sldId id="259" r:id="rId4"/>
+    <p:sldId id="263" r:id="rId5"/>
+    <p:sldId id="261" r:id="rId6"/>
   </p:sldIdLst>
   <p:sldSz cx="9144000" cy="6858000" type="screen4x3"/>
   <p:notesSz cx="7772400" cy="10058400"/>
@@ -1842,7 +1841,7 @@
       </p:grpSpPr>
       <p:sp>
         <p:nvSpPr>
-          <p:cNvPr id="41" name="TextShape 1"/>
+          <p:cNvPr id="43" name="TextShape 1"/>
           <p:cNvSpPr txBox="1"/>
           <p:nvPr/>
         </p:nvSpPr>
@@ -1865,35 +1864,91 @@
               </a:lnSpc>
             </a:pPr>
             <a:r>
-              <a:rPr lang="en-US" sz="4000" b="1">
+              <a:rPr lang="en-US" sz="3600" b="1">
                 <a:solidFill>
                   <a:srgbClr val="000000"/>
                 </a:solidFill>
                 <a:latin typeface="Franklin Gothic Medium"/>
               </a:rPr>
-              <a:t>Outline</a:t>
-            </a:r>
-            <a:endParaRPr/>
-          </a:p>
-        </p:txBody>
-      </p:sp>
-      <p:sp>
-        <p:nvSpPr>
-          <p:cNvPr id="42" name="TextShape 2"/>
-          <p:cNvSpPr txBox="1"/>
+              <a:t>A Core Robot Algorithm: Inverse Kinematics</a:t>
+            </a:r>
+            <a:endParaRPr/>
+          </a:p>
+        </p:txBody>
+      </p:sp>
+      <p:pic>
+        <p:nvPicPr>
+          <p:cNvPr id="44" name="Content Placeholder 3"/>
+          <p:cNvPicPr/>
           <p:nvPr/>
-        </p:nvSpPr>
-        <p:spPr>
-          <a:xfrm>
-            <a:off x="0" y="838080"/>
-            <a:ext cx="9143640" cy="6019560"/>
-          </a:xfrm>
-          <a:prstGeom prst="rect">
-            <a:avLst/>
-          </a:prstGeom>
-        </p:spPr>
-        <p:txBody>
-          <a:bodyPr/>
+        </p:nvPicPr>
+        <p:blipFill>
+          <a:blip r:embed="rId2" cstate="print"/>
+          <a:srcRect l="9093" t="2755" r="9642" b="14894"/>
+          <a:stretch>
+            <a:fillRect/>
+          </a:stretch>
+        </p:blipFill>
+        <p:spPr>
+          <a:xfrm>
+            <a:off x="0" y="1063440"/>
+            <a:ext cx="4144680" cy="2980800"/>
+          </a:xfrm>
+          <a:prstGeom prst="rect">
+            <a:avLst/>
+          </a:prstGeom>
+          <a:ln>
+            <a:noFill/>
+          </a:ln>
+        </p:spPr>
+      </p:pic>
+      <p:pic>
+        <p:nvPicPr>
+          <p:cNvPr id="45" name="Content Placeholder 3"/>
+          <p:cNvPicPr/>
+          <p:nvPr/>
+        </p:nvPicPr>
+        <p:blipFill>
+          <a:blip r:embed="rId3" cstate="print"/>
+          <a:srcRect l="1005" t="1496" r="4188" b="10295"/>
+          <a:stretch>
+            <a:fillRect/>
+          </a:stretch>
+        </p:blipFill>
+        <p:spPr>
+          <a:xfrm>
+            <a:off x="189000" y="4435560"/>
+            <a:ext cx="3778200" cy="2041200"/>
+          </a:xfrm>
+          <a:prstGeom prst="rect">
+            <a:avLst/>
+          </a:prstGeom>
+          <a:ln>
+            <a:noFill/>
+          </a:ln>
+        </p:spPr>
+      </p:pic>
+      <p:sp>
+        <p:nvSpPr>
+          <p:cNvPr id="46" name="CustomShape 2"/>
+          <p:cNvSpPr/>
+          <p:nvPr/>
+        </p:nvSpPr>
+        <p:spPr>
+          <a:xfrm>
+            <a:off x="4191120" y="1066680"/>
+            <a:ext cx="4952520" cy="7404840"/>
+          </a:xfrm>
+          <a:prstGeom prst="rect">
+            <a:avLst/>
+          </a:prstGeom>
+          <a:noFill/>
+          <a:ln>
+            <a:noFill/>
+          </a:ln>
+        </p:spPr>
+        <p:txBody>
+          <a:bodyPr lIns="90000" tIns="45000" rIns="90000" bIns="45000"/>
           <a:lstStyle/>
           <a:p>
             <a:pPr>
@@ -1904,15 +1959,87 @@
               <a:buChar char="•"/>
             </a:pPr>
             <a:r>
-              <a:rPr lang="en-US" sz="2400">
-                <a:solidFill>
-                  <a:srgbClr val="000000"/>
-                </a:solidFill>
-                <a:latin typeface="Franklin Gothic Book"/>
-              </a:rPr>
-              <a:t>an overview of the project and its objectives,</a:t>
-            </a:r>
-            <a:endParaRPr/>
+              <a:rPr lang="en-US" sz="2400" dirty="0" smtClean="0">
+                <a:solidFill>
+                  <a:srgbClr val="000000"/>
+                </a:solidFill>
+                <a:latin typeface="Franklin Gothic Medium" pitchFamily="34" charset="0"/>
+              </a:rPr>
+              <a:t>Setting a robot’s joints so end </a:t>
+            </a:r>
+            <a:r>
+              <a:rPr lang="en-US" sz="2400" dirty="0" err="1" smtClean="0">
+                <a:solidFill>
+                  <a:srgbClr val="000000"/>
+                </a:solidFill>
+                <a:latin typeface="Franklin Gothic Medium" pitchFamily="34" charset="0"/>
+              </a:rPr>
+              <a:t>effector</a:t>
+            </a:r>
+            <a:r>
+              <a:rPr lang="en-US" sz="2400" dirty="0" smtClean="0">
+                <a:solidFill>
+                  <a:srgbClr val="000000"/>
+                </a:solidFill>
+                <a:latin typeface="Franklin Gothic Medium" pitchFamily="34" charset="0"/>
+              </a:rPr>
+              <a:t> reaches a target</a:t>
+            </a:r>
+            <a:endParaRPr dirty="0">
+              <a:latin typeface="Franklin Gothic Medium" pitchFamily="34" charset="0"/>
+            </a:endParaRPr>
+          </a:p>
+          <a:p>
+            <a:pPr lvl="1">
+              <a:lnSpc>
+                <a:spcPct val="100000"/>
+              </a:lnSpc>
+              <a:buFont typeface="Arial"/>
+              <a:buChar char="•"/>
+            </a:pPr>
+            <a:r>
+              <a:rPr lang="en-US" sz="2400" dirty="0">
+                <a:solidFill>
+                  <a:srgbClr val="000000"/>
+                </a:solidFill>
+                <a:latin typeface="Franklin Gothic Medium" pitchFamily="34" charset="0"/>
+              </a:rPr>
+              <a:t>Input: current robot geometry</a:t>
+            </a:r>
+            <a:endParaRPr dirty="0">
+              <a:latin typeface="Franklin Gothic Medium" pitchFamily="34" charset="0"/>
+            </a:endParaRPr>
+          </a:p>
+          <a:p>
+            <a:pPr lvl="1">
+              <a:lnSpc>
+                <a:spcPct val="100000"/>
+              </a:lnSpc>
+              <a:buFont typeface="Arial"/>
+              <a:buChar char="•"/>
+            </a:pPr>
+            <a:r>
+              <a:rPr lang="en-US" sz="2400" dirty="0">
+                <a:solidFill>
+                  <a:srgbClr val="000000"/>
+                </a:solidFill>
+                <a:latin typeface="Franklin Gothic Medium" pitchFamily="34" charset="0"/>
+              </a:rPr>
+              <a:t>Output: required joint increments</a:t>
+            </a:r>
+            <a:endParaRPr dirty="0">
+              <a:latin typeface="Franklin Gothic Medium" pitchFamily="34" charset="0"/>
+            </a:endParaRPr>
+          </a:p>
+          <a:p>
+            <a:pPr>
+              <a:lnSpc>
+                <a:spcPct val="100000"/>
+              </a:lnSpc>
+            </a:pPr>
+            <a:endParaRPr dirty="0">
+              <a:latin typeface="Franklin Gothic Medium" pitchFamily="34" charset="0"/>
+            </a:endParaRPr>
           </a:p>
           <a:p>
             <a:pPr>
@@ -1923,15 +2050,232 @@
               <a:buChar char="•"/>
             </a:pPr>
             <a:r>
-              <a:rPr lang="en-US" sz="2400">
-                <a:solidFill>
-                  <a:srgbClr val="000000"/>
-                </a:solidFill>
-                <a:latin typeface="Franklin Gothic Book"/>
-              </a:rPr>
-              <a:t>a discussion of the architectural and timing design</a:t>
-            </a:r>
-            <a:endParaRPr/>
+              <a:rPr lang="en-US" sz="2400" dirty="0">
+                <a:solidFill>
+                  <a:srgbClr val="000000"/>
+                </a:solidFill>
+                <a:latin typeface="Franklin Gothic Medium" pitchFamily="34" charset="0"/>
+              </a:rPr>
+              <a:t>Computationally intensive problem all limbed robots must solve</a:t>
+            </a:r>
+            <a:endParaRPr dirty="0">
+              <a:latin typeface="Franklin Gothic Medium" pitchFamily="34" charset="0"/>
+            </a:endParaRPr>
+          </a:p>
+          <a:p>
+            <a:pPr>
+              <a:lnSpc>
+                <a:spcPct val="100000"/>
+              </a:lnSpc>
+            </a:pPr>
+            <a:endParaRPr dirty="0">
+              <a:latin typeface="Franklin Gothic Medium" pitchFamily="34" charset="0"/>
+            </a:endParaRPr>
+          </a:p>
+          <a:p>
+            <a:pPr>
+              <a:lnSpc>
+                <a:spcPct val="100000"/>
+              </a:lnSpc>
+              <a:buFont typeface="Arial"/>
+              <a:buChar char="•"/>
+            </a:pPr>
+            <a:r>
+              <a:rPr lang="en-US" sz="2400" dirty="0">
+                <a:solidFill>
+                  <a:srgbClr val="000000"/>
+                </a:solidFill>
+                <a:latin typeface="Franklin Gothic Medium" pitchFamily="34" charset="0"/>
+              </a:rPr>
+              <a:t>Beyond controlling single arms and legs, many larger problems rely on inverse kinematics</a:t>
+            </a:r>
+            <a:endParaRPr dirty="0">
+              <a:latin typeface="Franklin Gothic Medium" pitchFamily="34" charset="0"/>
+            </a:endParaRPr>
+          </a:p>
+          <a:p>
+            <a:pPr lvl="1">
+              <a:lnSpc>
+                <a:spcPct val="100000"/>
+              </a:lnSpc>
+              <a:buFont typeface="Arial"/>
+              <a:buChar char="•"/>
+            </a:pPr>
+            <a:r>
+              <a:rPr lang="en-US" sz="2400" dirty="0">
+                <a:solidFill>
+                  <a:srgbClr val="000000"/>
+                </a:solidFill>
+                <a:latin typeface="Franklin Gothic Medium" pitchFamily="34" charset="0"/>
+              </a:rPr>
+              <a:t>redundant manipulators</a:t>
+            </a:r>
+            <a:endParaRPr dirty="0">
+              <a:latin typeface="Franklin Gothic Medium" pitchFamily="34" charset="0"/>
+            </a:endParaRPr>
+          </a:p>
+          <a:p>
+            <a:pPr lvl="1">
+              <a:lnSpc>
+                <a:spcPct val="100000"/>
+              </a:lnSpc>
+              <a:buFont typeface="Arial"/>
+              <a:buChar char="•"/>
+            </a:pPr>
+            <a:r>
+              <a:rPr lang="en-US" sz="2400" dirty="0">
+                <a:solidFill>
+                  <a:srgbClr val="000000"/>
+                </a:solidFill>
+                <a:latin typeface="Franklin Gothic Medium" pitchFamily="34" charset="0"/>
+              </a:rPr>
+              <a:t>multiple end effectors</a:t>
+            </a:r>
+            <a:endParaRPr dirty="0">
+              <a:latin typeface="Franklin Gothic Medium" pitchFamily="34" charset="0"/>
+            </a:endParaRPr>
+          </a:p>
+          <a:p>
+            <a:pPr lvl="1">
+              <a:lnSpc>
+                <a:spcPct val="100000"/>
+              </a:lnSpc>
+              <a:buFont typeface="Arial"/>
+              <a:buChar char="•"/>
+            </a:pPr>
+            <a:r>
+              <a:rPr lang="en-US" sz="2400" dirty="0">
+                <a:solidFill>
+                  <a:srgbClr val="000000"/>
+                </a:solidFill>
+                <a:latin typeface="Franklin Gothic Medium" pitchFamily="34" charset="0"/>
+              </a:rPr>
+              <a:t>inverse dynamics</a:t>
+            </a:r>
+            <a:endParaRPr dirty="0">
+              <a:latin typeface="Franklin Gothic Medium" pitchFamily="34" charset="0"/>
+            </a:endParaRPr>
+          </a:p>
+          <a:p>
+            <a:pPr>
+              <a:lnSpc>
+                <a:spcPct val="100000"/>
+              </a:lnSpc>
+            </a:pPr>
+            <a:endParaRPr dirty="0"/>
+          </a:p>
+        </p:txBody>
+      </p:sp>
+    </p:spTree>
+  </p:cSld>
+  <p:clrMapOvr>
+    <a:masterClrMapping/>
+  </p:clrMapOvr>
+</p:sld>
+</file>
+
+<file path=ppt/slides/slide2.xml><?xml version="1.0" encoding="utf-8"?>
+<p:sld xmlns:a="http://schemas.openxmlformats.org/drawingml/2006/main" xmlns:r="http://schemas.openxmlformats.org/officeDocument/2006/relationships" xmlns:p="http://schemas.openxmlformats.org/presentationml/2006/main">
+  <p:cSld>
+    <p:spTree>
+      <p:nvGrpSpPr>
+        <p:cNvPr id="1" name=""/>
+        <p:cNvGrpSpPr/>
+        <p:nvPr/>
+      </p:nvGrpSpPr>
+      <p:grpSpPr>
+        <a:xfrm>
+          <a:off x="0" y="0"/>
+          <a:ext cx="0" cy="0"/>
+          <a:chOff x="0" y="0"/>
+          <a:chExt cx="0" cy="0"/>
+        </a:xfrm>
+      </p:grpSpPr>
+      <p:sp>
+        <p:nvSpPr>
+          <p:cNvPr id="47" name="TextShape 1"/>
+          <p:cNvSpPr txBox="1"/>
+          <p:nvPr/>
+        </p:nvSpPr>
+        <p:spPr>
+          <a:xfrm>
+            <a:off x="0" y="152280"/>
+            <a:ext cx="9143640" cy="380520"/>
+          </a:xfrm>
+          <a:prstGeom prst="rect">
+            <a:avLst/>
+          </a:prstGeom>
+        </p:spPr>
+        <p:txBody>
+          <a:bodyPr anchor="ctr"/>
+          <a:lstStyle/>
+          <a:p>
+            <a:pPr algn="ctr">
+              <a:lnSpc>
+                <a:spcPct val="100000"/>
+              </a:lnSpc>
+            </a:pPr>
+            <a:r>
+              <a:rPr lang="en-US" sz="3600" b="1" dirty="0">
+                <a:solidFill>
+                  <a:srgbClr val="000000"/>
+                </a:solidFill>
+                <a:latin typeface="Franklin Gothic Medium"/>
+              </a:rPr>
+              <a:t>A Digital Accelerator for Inverse Kinematics</a:t>
+            </a:r>
+            <a:endParaRPr dirty="0"/>
+          </a:p>
+        </p:txBody>
+      </p:sp>
+      <p:sp>
+        <p:nvSpPr>
+          <p:cNvPr id="48" name="TextShape 2"/>
+          <p:cNvSpPr txBox="1"/>
+          <p:nvPr/>
+        </p:nvSpPr>
+        <p:spPr>
+          <a:xfrm>
+            <a:off x="0" y="838080"/>
+            <a:ext cx="9143640" cy="6019560"/>
+          </a:xfrm>
+          <a:prstGeom prst="rect">
+            <a:avLst/>
+          </a:prstGeom>
+        </p:spPr>
+        <p:txBody>
+          <a:bodyPr/>
+          <a:lstStyle/>
+          <a:p>
+            <a:pPr>
+              <a:lnSpc>
+                <a:spcPct val="100000"/>
+              </a:lnSpc>
+            </a:pPr>
+            <a:endParaRPr sz="2800" dirty="0">
+              <a:latin typeface="Franklin Gothic Medium" pitchFamily="34" charset="0"/>
+            </a:endParaRPr>
+          </a:p>
+          <a:p>
+            <a:pPr>
+              <a:lnSpc>
+                <a:spcPct val="100000"/>
+              </a:lnSpc>
+              <a:buFont typeface="Arial"/>
+              <a:buChar char="•"/>
+            </a:pPr>
+            <a:r>
+              <a:rPr lang="en-US" sz="2800" dirty="0">
+                <a:solidFill>
+                  <a:srgbClr val="000000"/>
+                </a:solidFill>
+                <a:latin typeface="Franklin Gothic Medium" pitchFamily="34" charset="0"/>
+              </a:rPr>
+              <a:t>Inverse kinematics not well suited for normal digital architectures</a:t>
+            </a:r>
+            <a:endParaRPr sz="2800" dirty="0">
+              <a:latin typeface="Franklin Gothic Medium" pitchFamily="34" charset="0"/>
+            </a:endParaRPr>
           </a:p>
           <a:p>
             <a:pPr lvl="1">
@@ -1942,15 +2286,64 @@
               <a:buChar char="–"/>
             </a:pPr>
             <a:r>
-              <a:rPr lang="en-US">
-                <a:solidFill>
-                  <a:srgbClr val="000000"/>
-                </a:solidFill>
-                <a:latin typeface="Franklin Gothic Book"/>
-              </a:rPr>
-              <a:t>New hardware architecture diagram</a:t>
-            </a:r>
-            <a:endParaRPr/>
+              <a:rPr lang="en-US" sz="2800" dirty="0">
+                <a:solidFill>
+                  <a:srgbClr val="000000"/>
+                </a:solidFill>
+                <a:latin typeface="Franklin Gothic Medium" pitchFamily="34" charset="0"/>
+              </a:rPr>
+              <a:t>Entirely floating point array, matrix operations</a:t>
+            </a:r>
+            <a:endParaRPr sz="2800" dirty="0">
+              <a:latin typeface="Franklin Gothic Medium" pitchFamily="34" charset="0"/>
+            </a:endParaRPr>
+          </a:p>
+          <a:p>
+            <a:pPr lvl="1">
+              <a:lnSpc>
+                <a:spcPct val="100000"/>
+              </a:lnSpc>
+              <a:buFont typeface="Arial"/>
+              <a:buChar char="–"/>
+            </a:pPr>
+            <a:r>
+              <a:rPr lang="en-US" sz="2800" dirty="0">
+                <a:solidFill>
+                  <a:srgbClr val="000000"/>
+                </a:solidFill>
+                <a:latin typeface="Franklin Gothic Medium" pitchFamily="34" charset="0"/>
+              </a:rPr>
+              <a:t>40% of cycles in inverting matrices</a:t>
+            </a:r>
+            <a:endParaRPr sz="2800" dirty="0">
+              <a:latin typeface="Franklin Gothic Medium" pitchFamily="34" charset="0"/>
+            </a:endParaRPr>
+          </a:p>
+          <a:p>
+            <a:pPr lvl="1">
+              <a:lnSpc>
+                <a:spcPct val="100000"/>
+              </a:lnSpc>
+              <a:buFont typeface="Arial"/>
+              <a:buChar char="–"/>
+            </a:pPr>
+            <a:r>
+              <a:rPr lang="en-US" sz="2800" dirty="0">
+                <a:solidFill>
+                  <a:srgbClr val="000000"/>
+                </a:solidFill>
+                <a:latin typeface="Franklin Gothic Medium" pitchFamily="34" charset="0"/>
+              </a:rPr>
+              <a:t>15% of cycles in sine, cosine operations</a:t>
+            </a:r>
+            <a:endParaRPr sz="2800" dirty="0">
+              <a:latin typeface="Franklin Gothic Medium" pitchFamily="34" charset="0"/>
+            </a:endParaRPr>
+          </a:p>
+          <a:p>
+            <a:endParaRPr sz="2800" dirty="0">
+              <a:latin typeface="Franklin Gothic Medium" pitchFamily="34" charset="0"/>
+            </a:endParaRPr>
           </a:p>
           <a:p>
             <a:pPr>
@@ -1961,31 +2354,26 @@
               <a:buChar char="•"/>
             </a:pPr>
             <a:r>
-              <a:rPr lang="en-US" sz="2400">
-                <a:solidFill>
-                  <a:srgbClr val="000000"/>
-                </a:solidFill>
-                <a:latin typeface="Franklin Gothic Book"/>
-              </a:rPr>
-              <a:t>experiences and issues in implementation (the difficult parts)</a:t>
-            </a:r>
-            <a:endParaRPr/>
-          </a:p>
-          <a:p>
-            <a:pPr lvl="1">
-              <a:buFont typeface="Arial"/>
-              <a:buChar char="–"/>
-            </a:pPr>
-            <a:r>
-              <a:rPr lang="en-US" sz="2400">
-                <a:solidFill>
-                  <a:srgbClr val="000000"/>
-                </a:solidFill>
-                <a:latin typeface="Franklin Gothic Book"/>
-              </a:rPr>
-              <a:t>Deciding on algorithms</a:t>
-            </a:r>
-            <a:endParaRPr/>
+              <a:rPr lang="en-US" sz="2800" dirty="0" smtClean="0">
+                <a:solidFill>
+                  <a:srgbClr val="000000"/>
+                </a:solidFill>
+                <a:latin typeface="Franklin Gothic Medium" pitchFamily="34" charset="0"/>
+              </a:rPr>
+              <a:t>We solve IK </a:t>
+            </a:r>
+            <a:r>
+              <a:rPr lang="en-US" sz="2800" dirty="0">
+                <a:solidFill>
+                  <a:srgbClr val="000000"/>
+                </a:solidFill>
+                <a:latin typeface="Franklin Gothic Medium" pitchFamily="34" charset="0"/>
+              </a:rPr>
+              <a:t>via damped least squares</a:t>
+            </a:r>
+            <a:endParaRPr sz="2800" dirty="0">
+              <a:latin typeface="Franklin Gothic Medium" pitchFamily="34" charset="0"/>
+            </a:endParaRPr>
           </a:p>
           <a:p>
             <a:pPr lvl="1">
@@ -1996,15 +2384,17 @@
               <a:buChar char="–"/>
             </a:pPr>
             <a:r>
-              <a:rPr lang="en-US">
-                <a:solidFill>
-                  <a:srgbClr val="000000"/>
-                </a:solidFill>
-                <a:latin typeface="Franklin Gothic Book"/>
-              </a:rPr>
-              <a:t>Fixed point accuracy and precision</a:t>
-            </a:r>
-            <a:endParaRPr/>
+              <a:rPr lang="en-US" sz="2800" dirty="0">
+                <a:solidFill>
+                  <a:srgbClr val="000000"/>
+                </a:solidFill>
+                <a:latin typeface="Franklin Gothic Medium" pitchFamily="34" charset="0"/>
+              </a:rPr>
+              <a:t>Dedicated sine, cosine function generators</a:t>
+            </a:r>
+            <a:endParaRPr sz="2800" dirty="0">
+              <a:latin typeface="Franklin Gothic Medium" pitchFamily="34" charset="0"/>
+            </a:endParaRPr>
           </a:p>
           <a:p>
             <a:pPr lvl="1">
@@ -2015,15 +2405,17 @@
               <a:buChar char="–"/>
             </a:pPr>
             <a:r>
-              <a:rPr lang="en-US">
-                <a:solidFill>
-                  <a:srgbClr val="000000"/>
-                </a:solidFill>
-                <a:latin typeface="Franklin Gothic Book"/>
-              </a:rPr>
-              <a:t>FPGA resources</a:t>
-            </a:r>
-            <a:endParaRPr/>
+              <a:rPr lang="en-US" sz="2800" dirty="0">
+                <a:solidFill>
+                  <a:srgbClr val="000000"/>
+                </a:solidFill>
+                <a:latin typeface="Franklin Gothic Medium" pitchFamily="34" charset="0"/>
+              </a:rPr>
+              <a:t>Parallel, fixed-point functional units</a:t>
+            </a:r>
+            <a:endParaRPr sz="2800" dirty="0">
+              <a:latin typeface="Franklin Gothic Medium" pitchFamily="34" charset="0"/>
+            </a:endParaRPr>
           </a:p>
           <a:p>
             <a:pPr lvl="1">
@@ -2034,34 +2426,208 @@
               <a:buChar char="–"/>
             </a:pPr>
             <a:r>
-              <a:rPr lang="en-US">
-                <a:solidFill>
-                  <a:srgbClr val="000000"/>
-                </a:solidFill>
-                <a:latin typeface="Franklin Gothic Book"/>
-              </a:rPr>
-              <a:t>Driver data movement</a:t>
-            </a:r>
-            <a:endParaRPr/>
-          </a:p>
+              <a:rPr lang="en-US" sz="2800" dirty="0">
+                <a:solidFill>
+                  <a:srgbClr val="000000"/>
+                </a:solidFill>
+                <a:latin typeface="Franklin Gothic Medium" pitchFamily="34" charset="0"/>
+              </a:rPr>
+              <a:t>Solves IK problem in </a:t>
+            </a:r>
+            <a:r>
+              <a:rPr lang="en-US" sz="2800" dirty="0" smtClean="0">
+                <a:solidFill>
+                  <a:srgbClr val="000000"/>
+                </a:solidFill>
+                <a:latin typeface="Franklin Gothic Medium" pitchFamily="34" charset="0"/>
+              </a:rPr>
+              <a:t>100μs</a:t>
+            </a:r>
+            <a:r>
+              <a:rPr lang="en-US" sz="2800" dirty="0">
+                <a:solidFill>
+                  <a:srgbClr val="000000"/>
+                </a:solidFill>
+                <a:latin typeface="Franklin Gothic Medium" pitchFamily="34" charset="0"/>
+              </a:rPr>
+              <a:t>: compare against 10ms for general algorithm on CPU</a:t>
+            </a:r>
+            <a:endParaRPr sz="2800" dirty="0">
+              <a:latin typeface="Franklin Gothic Medium" pitchFamily="34" charset="0"/>
+            </a:endParaRPr>
+          </a:p>
+        </p:txBody>
+      </p:sp>
+    </p:spTree>
+  </p:cSld>
+  <p:clrMapOvr>
+    <a:masterClrMapping/>
+  </p:clrMapOvr>
+</p:sld>
+</file>
+
+<file path=ppt/slides/slide3.xml><?xml version="1.0" encoding="utf-8"?>
+<p:sld xmlns:a="http://schemas.openxmlformats.org/drawingml/2006/main" xmlns:r="http://schemas.openxmlformats.org/officeDocument/2006/relationships" xmlns:p="http://schemas.openxmlformats.org/presentationml/2006/main">
+  <p:cSld>
+    <p:spTree>
+      <p:nvGrpSpPr>
+        <p:cNvPr id="1" name=""/>
+        <p:cNvGrpSpPr/>
+        <p:nvPr/>
+      </p:nvGrpSpPr>
+      <p:grpSpPr>
+        <a:xfrm>
+          <a:off x="0" y="0"/>
+          <a:ext cx="0" cy="0"/>
+          <a:chOff x="0" y="0"/>
+          <a:chExt cx="0" cy="0"/>
+        </a:xfrm>
+      </p:grpSpPr>
+      <p:sp>
+        <p:nvSpPr>
+          <p:cNvPr id="49" name="TextShape 1"/>
+          <p:cNvSpPr txBox="1"/>
+          <p:nvPr/>
+        </p:nvSpPr>
+        <p:spPr>
+          <a:xfrm>
+            <a:off x="0" y="58320"/>
+            <a:ext cx="9143640" cy="568800"/>
+          </a:xfrm>
+          <a:prstGeom prst="rect">
+            <a:avLst/>
+          </a:prstGeom>
+        </p:spPr>
+        <p:txBody>
+          <a:bodyPr wrap="none" lIns="0" tIns="0" rIns="0" bIns="0" anchor="ctr"/>
+          <a:lstStyle/>
+          <a:p>
+            <a:pPr algn="ctr"/>
+            <a:r>
+              <a:rPr lang="en-US" sz="3600" b="1" dirty="0" smtClean="0">
+                <a:latin typeface="Franklin Gothic Medium" pitchFamily="34" charset="0"/>
+              </a:rPr>
+              <a:t>Architecture and Timing Design</a:t>
+            </a:r>
+            <a:endParaRPr sz="3600" b="1" dirty="0">
+              <a:latin typeface="Franklin Gothic Medium" pitchFamily="34" charset="0"/>
+            </a:endParaRPr>
+          </a:p>
+        </p:txBody>
+      </p:sp>
+      <p:sp>
+        <p:nvSpPr>
+          <p:cNvPr id="5" name="TextBox 4"/>
+          <p:cNvSpPr txBox="1"/>
+          <p:nvPr/>
+        </p:nvSpPr>
+        <p:spPr>
+          <a:xfrm>
+            <a:off x="457200" y="1295400"/>
+            <a:ext cx="8382000" cy="3970318"/>
+          </a:xfrm>
+          <a:prstGeom prst="rect">
+            <a:avLst/>
+          </a:prstGeom>
+          <a:noFill/>
+        </p:spPr>
+        <p:txBody>
+          <a:bodyPr wrap="square" rtlCol="0">
+            <a:spAutoFit/>
+          </a:bodyPr>
+          <a:lstStyle/>
           <a:p>
             <a:pPr>
-              <a:lnSpc>
-                <a:spcPct val="100000"/>
-              </a:lnSpc>
-              <a:buFont typeface="Arial"/>
+              <a:buFont typeface="Arial" pitchFamily="34" charset="0"/>
               <a:buChar char="•"/>
             </a:pPr>
             <a:r>
-              <a:rPr lang="en-US" sz="2400">
-                <a:solidFill>
-                  <a:srgbClr val="000000"/>
-                </a:solidFill>
-                <a:latin typeface="Franklin Gothic Book"/>
-              </a:rPr>
-              <a:t>a summary including lessons learned</a:t>
-            </a:r>
-            <a:endParaRPr/>
+              <a:rPr lang="en-US" sz="2800" dirty="0" smtClean="0">
+                <a:latin typeface="Franklin Gothic Medium" pitchFamily="34" charset="0"/>
+              </a:rPr>
+              <a:t>Architectural Choices</a:t>
+            </a:r>
+          </a:p>
+          <a:p>
+            <a:pPr lvl="1">
+              <a:buFont typeface="Arial" pitchFamily="34" charset="0"/>
+              <a:buChar char="•"/>
+            </a:pPr>
+            <a:r>
+              <a:rPr lang="en-US" sz="2800" dirty="0" smtClean="0">
+                <a:latin typeface="Franklin Gothic Medium" pitchFamily="34" charset="0"/>
+              </a:rPr>
+              <a:t>Pipelining sine/cosine and array multiply</a:t>
+            </a:r>
+          </a:p>
+          <a:p>
+            <a:pPr lvl="1">
+              <a:buFont typeface="Arial" pitchFamily="34" charset="0"/>
+              <a:buChar char="•"/>
+            </a:pPr>
+            <a:r>
+              <a:rPr lang="en-US" sz="2800" dirty="0" smtClean="0">
+                <a:latin typeface="Franklin Gothic Medium" pitchFamily="34" charset="0"/>
+              </a:rPr>
+              <a:t>Parallelized matrix multiply and matrix inversion</a:t>
+            </a:r>
+          </a:p>
+          <a:p>
+            <a:pPr lvl="1">
+              <a:buFont typeface="Arial" pitchFamily="34" charset="0"/>
+              <a:buChar char="•"/>
+            </a:pPr>
+            <a:r>
+              <a:rPr lang="en-US" sz="2800" dirty="0">
+                <a:latin typeface="Franklin Gothic Medium" pitchFamily="34" charset="0"/>
+              </a:rPr>
+              <a:t>F</a:t>
+            </a:r>
+            <a:r>
+              <a:rPr lang="en-US" sz="2800" dirty="0" smtClean="0">
+                <a:latin typeface="Franklin Gothic Medium" pitchFamily="34" charset="0"/>
+              </a:rPr>
+              <a:t>ixed point representations throughout system</a:t>
+            </a:r>
+          </a:p>
+          <a:p>
+            <a:pPr>
+              <a:buFont typeface="Arial" pitchFamily="34" charset="0"/>
+              <a:buChar char="•"/>
+            </a:pPr>
+            <a:r>
+              <a:rPr lang="en-US" sz="2800" dirty="0" smtClean="0">
+                <a:latin typeface="Franklin Gothic Medium" pitchFamily="34" charset="0"/>
+              </a:rPr>
+              <a:t>Timing Choices</a:t>
+            </a:r>
+          </a:p>
+          <a:p>
+            <a:pPr lvl="1">
+              <a:buFont typeface="Arial" pitchFamily="34" charset="0"/>
+              <a:buChar char="•"/>
+            </a:pPr>
+            <a:r>
+              <a:rPr lang="en-US" sz="2800" dirty="0" smtClean="0">
+                <a:latin typeface="Franklin Gothic Medium" pitchFamily="34" charset="0"/>
+              </a:rPr>
+              <a:t>Single array of multipliers shared amongst modules</a:t>
+            </a:r>
+          </a:p>
+          <a:p>
+            <a:pPr lvl="1">
+              <a:buFont typeface="Arial" pitchFamily="34" charset="0"/>
+              <a:buChar char="•"/>
+            </a:pPr>
+            <a:r>
+              <a:rPr lang="en-US" sz="2800" dirty="0" smtClean="0">
+                <a:latin typeface="Franklin Gothic Medium" pitchFamily="34" charset="0"/>
+              </a:rPr>
+              <a:t>Aggregate individual enable and done signals into global state machine</a:t>
+            </a:r>
+            <a:endParaRPr lang="en-US" sz="2800" dirty="0">
+              <a:latin typeface="Franklin Gothic Medium" pitchFamily="34" charset="0"/>
+            </a:endParaRPr>
           </a:p>
         </p:txBody>
       </p:sp>
@@ -2100,650 +2666,6 @@
 </p:sld>
 </file>
 
-<file path=ppt/slides/slide2.xml><?xml version="1.0" encoding="utf-8"?>
-<p:sld xmlns:a="http://schemas.openxmlformats.org/drawingml/2006/main" xmlns:r="http://schemas.openxmlformats.org/officeDocument/2006/relationships" xmlns:p="http://schemas.openxmlformats.org/presentationml/2006/main">
-  <p:cSld>
-    <p:spTree>
-      <p:nvGrpSpPr>
-        <p:cNvPr id="1" name=""/>
-        <p:cNvGrpSpPr/>
-        <p:nvPr/>
-      </p:nvGrpSpPr>
-      <p:grpSpPr>
-        <a:xfrm>
-          <a:off x="0" y="0"/>
-          <a:ext cx="0" cy="0"/>
-          <a:chOff x="0" y="0"/>
-          <a:chExt cx="0" cy="0"/>
-        </a:xfrm>
-      </p:grpSpPr>
-      <p:sp>
-        <p:nvSpPr>
-          <p:cNvPr id="43" name="TextShape 1"/>
-          <p:cNvSpPr txBox="1"/>
-          <p:nvPr/>
-        </p:nvSpPr>
-        <p:spPr>
-          <a:xfrm>
-            <a:off x="0" y="152280"/>
-            <a:ext cx="9143640" cy="380520"/>
-          </a:xfrm>
-          <a:prstGeom prst="rect">
-            <a:avLst/>
-          </a:prstGeom>
-        </p:spPr>
-        <p:txBody>
-          <a:bodyPr anchor="ctr"/>
-          <a:lstStyle/>
-          <a:p>
-            <a:pPr algn="ctr">
-              <a:lnSpc>
-                <a:spcPct val="100000"/>
-              </a:lnSpc>
-            </a:pPr>
-            <a:r>
-              <a:rPr lang="en-US" sz="3600" b="1">
-                <a:solidFill>
-                  <a:srgbClr val="000000"/>
-                </a:solidFill>
-                <a:latin typeface="Franklin Gothic Medium"/>
-              </a:rPr>
-              <a:t>A Core Robot Algorithm: Inverse Kinematics</a:t>
-            </a:r>
-            <a:endParaRPr/>
-          </a:p>
-        </p:txBody>
-      </p:sp>
-      <p:pic>
-        <p:nvPicPr>
-          <p:cNvPr id="44" name="Content Placeholder 3"/>
-          <p:cNvPicPr/>
-          <p:nvPr/>
-        </p:nvPicPr>
-        <p:blipFill>
-          <a:blip r:embed="rId2" cstate="print"/>
-          <a:srcRect l="9093" t="2755" r="9642" b="14894"/>
-          <a:stretch>
-            <a:fillRect/>
-          </a:stretch>
-        </p:blipFill>
-        <p:spPr>
-          <a:xfrm>
-            <a:off x="0" y="1063440"/>
-            <a:ext cx="4144680" cy="2980800"/>
-          </a:xfrm>
-          <a:prstGeom prst="rect">
-            <a:avLst/>
-          </a:prstGeom>
-          <a:ln>
-            <a:noFill/>
-          </a:ln>
-        </p:spPr>
-      </p:pic>
-      <p:pic>
-        <p:nvPicPr>
-          <p:cNvPr id="45" name="Content Placeholder 3"/>
-          <p:cNvPicPr/>
-          <p:nvPr/>
-        </p:nvPicPr>
-        <p:blipFill>
-          <a:blip r:embed="rId3" cstate="print"/>
-          <a:srcRect l="1005" t="1496" r="4188" b="10295"/>
-          <a:stretch>
-            <a:fillRect/>
-          </a:stretch>
-        </p:blipFill>
-        <p:spPr>
-          <a:xfrm>
-            <a:off x="189000" y="4435560"/>
-            <a:ext cx="3778200" cy="2041200"/>
-          </a:xfrm>
-          <a:prstGeom prst="rect">
-            <a:avLst/>
-          </a:prstGeom>
-          <a:ln>
-            <a:noFill/>
-          </a:ln>
-        </p:spPr>
-      </p:pic>
-      <p:sp>
-        <p:nvSpPr>
-          <p:cNvPr id="46" name="CustomShape 2"/>
-          <p:cNvSpPr/>
-          <p:nvPr/>
-        </p:nvSpPr>
-        <p:spPr>
-          <a:xfrm>
-            <a:off x="4191120" y="1066680"/>
-            <a:ext cx="4952520" cy="7404840"/>
-          </a:xfrm>
-          <a:prstGeom prst="rect">
-            <a:avLst/>
-          </a:prstGeom>
-          <a:noFill/>
-          <a:ln>
-            <a:noFill/>
-          </a:ln>
-        </p:spPr>
-        <p:txBody>
-          <a:bodyPr lIns="90000" tIns="45000" rIns="90000" bIns="45000"/>
-          <a:lstStyle/>
-          <a:p>
-            <a:pPr>
-              <a:lnSpc>
-                <a:spcPct val="100000"/>
-              </a:lnSpc>
-              <a:buFont typeface="Arial"/>
-              <a:buChar char="•"/>
-            </a:pPr>
-            <a:r>
-              <a:rPr lang="en-US" sz="2400" dirty="0" smtClean="0">
-                <a:solidFill>
-                  <a:srgbClr val="000000"/>
-                </a:solidFill>
-                <a:latin typeface="Franklin Gothic Medium" pitchFamily="34" charset="0"/>
-              </a:rPr>
-              <a:t>Setting a robot’s joints so end </a:t>
-            </a:r>
-            <a:r>
-              <a:rPr lang="en-US" sz="2400" dirty="0" err="1" smtClean="0">
-                <a:solidFill>
-                  <a:srgbClr val="000000"/>
-                </a:solidFill>
-                <a:latin typeface="Franklin Gothic Medium" pitchFamily="34" charset="0"/>
-              </a:rPr>
-              <a:t>effector</a:t>
-            </a:r>
-            <a:r>
-              <a:rPr lang="en-US" sz="2400" dirty="0" smtClean="0">
-                <a:solidFill>
-                  <a:srgbClr val="000000"/>
-                </a:solidFill>
-                <a:latin typeface="Franklin Gothic Medium" pitchFamily="34" charset="0"/>
-              </a:rPr>
-              <a:t> reaches a target</a:t>
-            </a:r>
-            <a:endParaRPr dirty="0">
-              <a:latin typeface="Franklin Gothic Medium" pitchFamily="34" charset="0"/>
-            </a:endParaRPr>
-          </a:p>
-          <a:p>
-            <a:pPr lvl="1">
-              <a:lnSpc>
-                <a:spcPct val="100000"/>
-              </a:lnSpc>
-              <a:buFont typeface="Arial"/>
-              <a:buChar char="•"/>
-            </a:pPr>
-            <a:r>
-              <a:rPr lang="en-US" sz="2400" dirty="0">
-                <a:solidFill>
-                  <a:srgbClr val="000000"/>
-                </a:solidFill>
-                <a:latin typeface="Franklin Gothic Medium" pitchFamily="34" charset="0"/>
-              </a:rPr>
-              <a:t>Input: current robot geometry</a:t>
-            </a:r>
-            <a:endParaRPr dirty="0">
-              <a:latin typeface="Franklin Gothic Medium" pitchFamily="34" charset="0"/>
-            </a:endParaRPr>
-          </a:p>
-          <a:p>
-            <a:pPr lvl="1">
-              <a:lnSpc>
-                <a:spcPct val="100000"/>
-              </a:lnSpc>
-              <a:buFont typeface="Arial"/>
-              <a:buChar char="•"/>
-            </a:pPr>
-            <a:r>
-              <a:rPr lang="en-US" sz="2400" dirty="0">
-                <a:solidFill>
-                  <a:srgbClr val="000000"/>
-                </a:solidFill>
-                <a:latin typeface="Franklin Gothic Medium" pitchFamily="34" charset="0"/>
-              </a:rPr>
-              <a:t>Output: required joint increments</a:t>
-            </a:r>
-            <a:endParaRPr dirty="0">
-              <a:latin typeface="Franklin Gothic Medium" pitchFamily="34" charset="0"/>
-            </a:endParaRPr>
-          </a:p>
-          <a:p>
-            <a:pPr>
-              <a:lnSpc>
-                <a:spcPct val="100000"/>
-              </a:lnSpc>
-            </a:pPr>
-            <a:endParaRPr dirty="0">
-              <a:latin typeface="Franklin Gothic Medium" pitchFamily="34" charset="0"/>
-            </a:endParaRPr>
-          </a:p>
-          <a:p>
-            <a:pPr>
-              <a:lnSpc>
-                <a:spcPct val="100000"/>
-              </a:lnSpc>
-              <a:buFont typeface="Arial"/>
-              <a:buChar char="•"/>
-            </a:pPr>
-            <a:r>
-              <a:rPr lang="en-US" sz="2400" dirty="0">
-                <a:solidFill>
-                  <a:srgbClr val="000000"/>
-                </a:solidFill>
-                <a:latin typeface="Franklin Gothic Medium" pitchFamily="34" charset="0"/>
-              </a:rPr>
-              <a:t>Computationally intensive problem all limbed robots must solve</a:t>
-            </a:r>
-            <a:endParaRPr dirty="0">
-              <a:latin typeface="Franklin Gothic Medium" pitchFamily="34" charset="0"/>
-            </a:endParaRPr>
-          </a:p>
-          <a:p>
-            <a:pPr>
-              <a:lnSpc>
-                <a:spcPct val="100000"/>
-              </a:lnSpc>
-            </a:pPr>
-            <a:endParaRPr dirty="0">
-              <a:latin typeface="Franklin Gothic Medium" pitchFamily="34" charset="0"/>
-            </a:endParaRPr>
-          </a:p>
-          <a:p>
-            <a:pPr>
-              <a:lnSpc>
-                <a:spcPct val="100000"/>
-              </a:lnSpc>
-              <a:buFont typeface="Arial"/>
-              <a:buChar char="•"/>
-            </a:pPr>
-            <a:r>
-              <a:rPr lang="en-US" sz="2400" dirty="0">
-                <a:solidFill>
-                  <a:srgbClr val="000000"/>
-                </a:solidFill>
-                <a:latin typeface="Franklin Gothic Medium" pitchFamily="34" charset="0"/>
-              </a:rPr>
-              <a:t>Beyond controlling single arms and legs, many larger problems rely on inverse kinematics</a:t>
-            </a:r>
-            <a:endParaRPr dirty="0">
-              <a:latin typeface="Franklin Gothic Medium" pitchFamily="34" charset="0"/>
-            </a:endParaRPr>
-          </a:p>
-          <a:p>
-            <a:pPr lvl="1">
-              <a:lnSpc>
-                <a:spcPct val="100000"/>
-              </a:lnSpc>
-              <a:buFont typeface="Arial"/>
-              <a:buChar char="•"/>
-            </a:pPr>
-            <a:r>
-              <a:rPr lang="en-US" sz="2400" dirty="0">
-                <a:solidFill>
-                  <a:srgbClr val="000000"/>
-                </a:solidFill>
-                <a:latin typeface="Franklin Gothic Medium" pitchFamily="34" charset="0"/>
-              </a:rPr>
-              <a:t>redundant manipulators</a:t>
-            </a:r>
-            <a:endParaRPr dirty="0">
-              <a:latin typeface="Franklin Gothic Medium" pitchFamily="34" charset="0"/>
-            </a:endParaRPr>
-          </a:p>
-          <a:p>
-            <a:pPr lvl="1">
-              <a:lnSpc>
-                <a:spcPct val="100000"/>
-              </a:lnSpc>
-              <a:buFont typeface="Arial"/>
-              <a:buChar char="•"/>
-            </a:pPr>
-            <a:r>
-              <a:rPr lang="en-US" sz="2400" dirty="0">
-                <a:solidFill>
-                  <a:srgbClr val="000000"/>
-                </a:solidFill>
-                <a:latin typeface="Franklin Gothic Medium" pitchFamily="34" charset="0"/>
-              </a:rPr>
-              <a:t>multiple end effectors</a:t>
-            </a:r>
-            <a:endParaRPr dirty="0">
-              <a:latin typeface="Franklin Gothic Medium" pitchFamily="34" charset="0"/>
-            </a:endParaRPr>
-          </a:p>
-          <a:p>
-            <a:pPr lvl="1">
-              <a:lnSpc>
-                <a:spcPct val="100000"/>
-              </a:lnSpc>
-              <a:buFont typeface="Arial"/>
-              <a:buChar char="•"/>
-            </a:pPr>
-            <a:r>
-              <a:rPr lang="en-US" sz="2400" dirty="0">
-                <a:solidFill>
-                  <a:srgbClr val="000000"/>
-                </a:solidFill>
-                <a:latin typeface="Franklin Gothic Medium" pitchFamily="34" charset="0"/>
-              </a:rPr>
-              <a:t>inverse dynamics</a:t>
-            </a:r>
-            <a:endParaRPr dirty="0">
-              <a:latin typeface="Franklin Gothic Medium" pitchFamily="34" charset="0"/>
-            </a:endParaRPr>
-          </a:p>
-          <a:p>
-            <a:pPr>
-              <a:lnSpc>
-                <a:spcPct val="100000"/>
-              </a:lnSpc>
-            </a:pPr>
-            <a:endParaRPr dirty="0"/>
-          </a:p>
-        </p:txBody>
-      </p:sp>
-    </p:spTree>
-  </p:cSld>
-  <p:clrMapOvr>
-    <a:masterClrMapping/>
-  </p:clrMapOvr>
-</p:sld>
-</file>
-
-<file path=ppt/slides/slide3.xml><?xml version="1.0" encoding="utf-8"?>
-<p:sld xmlns:a="http://schemas.openxmlformats.org/drawingml/2006/main" xmlns:r="http://schemas.openxmlformats.org/officeDocument/2006/relationships" xmlns:p="http://schemas.openxmlformats.org/presentationml/2006/main">
-  <p:cSld>
-    <p:spTree>
-      <p:nvGrpSpPr>
-        <p:cNvPr id="1" name=""/>
-        <p:cNvGrpSpPr/>
-        <p:nvPr/>
-      </p:nvGrpSpPr>
-      <p:grpSpPr>
-        <a:xfrm>
-          <a:off x="0" y="0"/>
-          <a:ext cx="0" cy="0"/>
-          <a:chOff x="0" y="0"/>
-          <a:chExt cx="0" cy="0"/>
-        </a:xfrm>
-      </p:grpSpPr>
-      <p:sp>
-        <p:nvSpPr>
-          <p:cNvPr id="47" name="TextShape 1"/>
-          <p:cNvSpPr txBox="1"/>
-          <p:nvPr/>
-        </p:nvSpPr>
-        <p:spPr>
-          <a:xfrm>
-            <a:off x="0" y="152280"/>
-            <a:ext cx="9143640" cy="380520"/>
-          </a:xfrm>
-          <a:prstGeom prst="rect">
-            <a:avLst/>
-          </a:prstGeom>
-        </p:spPr>
-        <p:txBody>
-          <a:bodyPr anchor="ctr"/>
-          <a:lstStyle/>
-          <a:p>
-            <a:pPr algn="ctr">
-              <a:lnSpc>
-                <a:spcPct val="100000"/>
-              </a:lnSpc>
-            </a:pPr>
-            <a:r>
-              <a:rPr lang="en-US" sz="3600" b="1" dirty="0">
-                <a:solidFill>
-                  <a:srgbClr val="000000"/>
-                </a:solidFill>
-                <a:latin typeface="Franklin Gothic Medium"/>
-              </a:rPr>
-              <a:t>A Digital Accelerator for Inverse Kinematics</a:t>
-            </a:r>
-            <a:endParaRPr dirty="0"/>
-          </a:p>
-        </p:txBody>
-      </p:sp>
-      <p:sp>
-        <p:nvSpPr>
-          <p:cNvPr id="48" name="TextShape 2"/>
-          <p:cNvSpPr txBox="1"/>
-          <p:nvPr/>
-        </p:nvSpPr>
-        <p:spPr>
-          <a:xfrm>
-            <a:off x="0" y="838080"/>
-            <a:ext cx="9143640" cy="6019560"/>
-          </a:xfrm>
-          <a:prstGeom prst="rect">
-            <a:avLst/>
-          </a:prstGeom>
-        </p:spPr>
-        <p:txBody>
-          <a:bodyPr/>
-          <a:lstStyle/>
-          <a:p>
-            <a:pPr>
-              <a:lnSpc>
-                <a:spcPct val="100000"/>
-              </a:lnSpc>
-            </a:pPr>
-            <a:endParaRPr sz="2800" dirty="0">
-              <a:latin typeface="Franklin Gothic Medium" pitchFamily="34" charset="0"/>
-            </a:endParaRPr>
-          </a:p>
-          <a:p>
-            <a:pPr>
-              <a:lnSpc>
-                <a:spcPct val="100000"/>
-              </a:lnSpc>
-              <a:buFont typeface="Arial"/>
-              <a:buChar char="•"/>
-            </a:pPr>
-            <a:r>
-              <a:rPr lang="en-US" sz="2800" dirty="0">
-                <a:solidFill>
-                  <a:srgbClr val="000000"/>
-                </a:solidFill>
-                <a:latin typeface="Franklin Gothic Medium" pitchFamily="34" charset="0"/>
-              </a:rPr>
-              <a:t>Inverse kinematics not well suited for normal digital architectures</a:t>
-            </a:r>
-            <a:endParaRPr sz="2800" dirty="0">
-              <a:latin typeface="Franklin Gothic Medium" pitchFamily="34" charset="0"/>
-            </a:endParaRPr>
-          </a:p>
-          <a:p>
-            <a:pPr lvl="1">
-              <a:lnSpc>
-                <a:spcPct val="100000"/>
-              </a:lnSpc>
-              <a:buFont typeface="Arial"/>
-              <a:buChar char="–"/>
-            </a:pPr>
-            <a:r>
-              <a:rPr lang="en-US" sz="2800" dirty="0">
-                <a:solidFill>
-                  <a:srgbClr val="000000"/>
-                </a:solidFill>
-                <a:latin typeface="Franklin Gothic Medium" pitchFamily="34" charset="0"/>
-              </a:rPr>
-              <a:t>Entirely floating point array, matrix operations</a:t>
-            </a:r>
-            <a:endParaRPr sz="2800" dirty="0">
-              <a:latin typeface="Franklin Gothic Medium" pitchFamily="34" charset="0"/>
-            </a:endParaRPr>
-          </a:p>
-          <a:p>
-            <a:pPr lvl="1">
-              <a:lnSpc>
-                <a:spcPct val="100000"/>
-              </a:lnSpc>
-              <a:buFont typeface="Arial"/>
-              <a:buChar char="–"/>
-            </a:pPr>
-            <a:r>
-              <a:rPr lang="en-US" sz="2800" dirty="0">
-                <a:solidFill>
-                  <a:srgbClr val="000000"/>
-                </a:solidFill>
-                <a:latin typeface="Franklin Gothic Medium" pitchFamily="34" charset="0"/>
-              </a:rPr>
-              <a:t>40% of cycles in inverting matrices</a:t>
-            </a:r>
-            <a:endParaRPr sz="2800" dirty="0">
-              <a:latin typeface="Franklin Gothic Medium" pitchFamily="34" charset="0"/>
-            </a:endParaRPr>
-          </a:p>
-          <a:p>
-            <a:pPr lvl="1">
-              <a:lnSpc>
-                <a:spcPct val="100000"/>
-              </a:lnSpc>
-              <a:buFont typeface="Arial"/>
-              <a:buChar char="–"/>
-            </a:pPr>
-            <a:r>
-              <a:rPr lang="en-US" sz="2800" dirty="0">
-                <a:solidFill>
-                  <a:srgbClr val="000000"/>
-                </a:solidFill>
-                <a:latin typeface="Franklin Gothic Medium" pitchFamily="34" charset="0"/>
-              </a:rPr>
-              <a:t>15% of cycles in sine, cosine operations</a:t>
-            </a:r>
-            <a:endParaRPr sz="2800" dirty="0">
-              <a:latin typeface="Franklin Gothic Medium" pitchFamily="34" charset="0"/>
-            </a:endParaRPr>
-          </a:p>
-          <a:p>
-            <a:endParaRPr sz="2800" dirty="0">
-              <a:latin typeface="Franklin Gothic Medium" pitchFamily="34" charset="0"/>
-            </a:endParaRPr>
-          </a:p>
-          <a:p>
-            <a:pPr>
-              <a:lnSpc>
-                <a:spcPct val="100000"/>
-              </a:lnSpc>
-              <a:buFont typeface="Arial"/>
-              <a:buChar char="•"/>
-            </a:pPr>
-            <a:r>
-              <a:rPr lang="en-US" sz="2800" dirty="0" smtClean="0">
-                <a:solidFill>
-                  <a:srgbClr val="000000"/>
-                </a:solidFill>
-                <a:latin typeface="Franklin Gothic Medium" pitchFamily="34" charset="0"/>
-              </a:rPr>
-              <a:t>We solve IK </a:t>
-            </a:r>
-            <a:r>
-              <a:rPr lang="en-US" sz="2800" dirty="0">
-                <a:solidFill>
-                  <a:srgbClr val="000000"/>
-                </a:solidFill>
-                <a:latin typeface="Franklin Gothic Medium" pitchFamily="34" charset="0"/>
-              </a:rPr>
-              <a:t>via damped least squares</a:t>
-            </a:r>
-            <a:endParaRPr sz="2800" dirty="0">
-              <a:latin typeface="Franklin Gothic Medium" pitchFamily="34" charset="0"/>
-            </a:endParaRPr>
-          </a:p>
-          <a:p>
-            <a:pPr lvl="1">
-              <a:lnSpc>
-                <a:spcPct val="100000"/>
-              </a:lnSpc>
-              <a:buFont typeface="Arial"/>
-              <a:buChar char="–"/>
-            </a:pPr>
-            <a:r>
-              <a:rPr lang="en-US" sz="2800" dirty="0">
-                <a:solidFill>
-                  <a:srgbClr val="000000"/>
-                </a:solidFill>
-                <a:latin typeface="Franklin Gothic Medium" pitchFamily="34" charset="0"/>
-              </a:rPr>
-              <a:t>Dedicated sine, cosine function generators</a:t>
-            </a:r>
-            <a:endParaRPr sz="2800" dirty="0">
-              <a:latin typeface="Franklin Gothic Medium" pitchFamily="34" charset="0"/>
-            </a:endParaRPr>
-          </a:p>
-          <a:p>
-            <a:pPr lvl="1">
-              <a:lnSpc>
-                <a:spcPct val="100000"/>
-              </a:lnSpc>
-              <a:buFont typeface="Arial"/>
-              <a:buChar char="–"/>
-            </a:pPr>
-            <a:r>
-              <a:rPr lang="en-US" sz="2800" dirty="0">
-                <a:solidFill>
-                  <a:srgbClr val="000000"/>
-                </a:solidFill>
-                <a:latin typeface="Franklin Gothic Medium" pitchFamily="34" charset="0"/>
-              </a:rPr>
-              <a:t>Parallel, fixed-point functional units</a:t>
-            </a:r>
-            <a:endParaRPr sz="2800" dirty="0">
-              <a:latin typeface="Franklin Gothic Medium" pitchFamily="34" charset="0"/>
-            </a:endParaRPr>
-          </a:p>
-          <a:p>
-            <a:pPr lvl="1">
-              <a:lnSpc>
-                <a:spcPct val="100000"/>
-              </a:lnSpc>
-              <a:buFont typeface="Arial"/>
-              <a:buChar char="–"/>
-            </a:pPr>
-            <a:r>
-              <a:rPr lang="en-US" sz="2800" dirty="0">
-                <a:solidFill>
-                  <a:srgbClr val="000000"/>
-                </a:solidFill>
-                <a:latin typeface="Franklin Gothic Medium" pitchFamily="34" charset="0"/>
-              </a:rPr>
-              <a:t>Solves IK problem in </a:t>
-            </a:r>
-            <a:r>
-              <a:rPr lang="en-US" sz="2800" dirty="0" smtClean="0">
-                <a:solidFill>
-                  <a:srgbClr val="000000"/>
-                </a:solidFill>
-                <a:latin typeface="Franklin Gothic Medium" pitchFamily="34" charset="0"/>
-              </a:rPr>
-              <a:t>100μs</a:t>
-            </a:r>
-            <a:r>
-              <a:rPr lang="en-US" sz="2800" dirty="0">
-                <a:solidFill>
-                  <a:srgbClr val="000000"/>
-                </a:solidFill>
-                <a:latin typeface="Franklin Gothic Medium" pitchFamily="34" charset="0"/>
-              </a:rPr>
-              <a:t>: compare against 10ms for general algorithm on CPU</a:t>
-            </a:r>
-            <a:endParaRPr sz="2800" dirty="0">
-              <a:latin typeface="Franklin Gothic Medium" pitchFamily="34" charset="0"/>
-            </a:endParaRPr>
-          </a:p>
-        </p:txBody>
-      </p:sp>
-    </p:spTree>
-  </p:cSld>
-  <p:clrMapOvr>
-    <a:masterClrMapping/>
-  </p:clrMapOvr>
-</p:sld>
-</file>
-
 <file path=ppt/slides/slide4.xml><?xml version="1.0" encoding="utf-8"?>
 <p:sld xmlns:a="http://schemas.openxmlformats.org/drawingml/2006/main" xmlns:r="http://schemas.openxmlformats.org/officeDocument/2006/relationships" xmlns:p="http://schemas.openxmlformats.org/presentationml/2006/main">
   <p:cSld>
@@ -2763,206 +2685,6 @@
       </p:grpSpPr>
       <p:sp>
         <p:nvSpPr>
-          <p:cNvPr id="49" name="TextShape 1"/>
-          <p:cNvSpPr txBox="1"/>
-          <p:nvPr/>
-        </p:nvSpPr>
-        <p:spPr>
-          <a:xfrm>
-            <a:off x="0" y="58320"/>
-            <a:ext cx="9143640" cy="568800"/>
-          </a:xfrm>
-          <a:prstGeom prst="rect">
-            <a:avLst/>
-          </a:prstGeom>
-        </p:spPr>
-        <p:txBody>
-          <a:bodyPr wrap="none" lIns="0" tIns="0" rIns="0" bIns="0" anchor="ctr"/>
-          <a:lstStyle/>
-          <a:p>
-            <a:pPr algn="ctr"/>
-            <a:r>
-              <a:rPr lang="en-US" sz="3600" b="1" dirty="0" smtClean="0">
-                <a:latin typeface="Franklin Gothic Medium" pitchFamily="34" charset="0"/>
-              </a:rPr>
-              <a:t>Architecture and Timing Design</a:t>
-            </a:r>
-            <a:endParaRPr sz="3600" b="1" dirty="0">
-              <a:latin typeface="Franklin Gothic Medium" pitchFamily="34" charset="0"/>
-            </a:endParaRPr>
-          </a:p>
-        </p:txBody>
-      </p:sp>
-      <p:sp>
-        <p:nvSpPr>
-          <p:cNvPr id="5" name="TextBox 4"/>
-          <p:cNvSpPr txBox="1"/>
-          <p:nvPr/>
-        </p:nvSpPr>
-        <p:spPr>
-          <a:xfrm>
-            <a:off x="457200" y="1295400"/>
-            <a:ext cx="8382000" cy="3970318"/>
-          </a:xfrm>
-          <a:prstGeom prst="rect">
-            <a:avLst/>
-          </a:prstGeom>
-          <a:noFill/>
-        </p:spPr>
-        <p:txBody>
-          <a:bodyPr wrap="square" rtlCol="0">
-            <a:spAutoFit/>
-          </a:bodyPr>
-          <a:lstStyle/>
-          <a:p>
-            <a:pPr>
-              <a:buFont typeface="Arial" pitchFamily="34" charset="0"/>
-              <a:buChar char="•"/>
-            </a:pPr>
-            <a:r>
-              <a:rPr lang="en-US" sz="2800" dirty="0" smtClean="0">
-                <a:latin typeface="Franklin Gothic Medium" pitchFamily="34" charset="0"/>
-              </a:rPr>
-              <a:t>Architectural Choices</a:t>
-            </a:r>
-          </a:p>
-          <a:p>
-            <a:pPr lvl="1">
-              <a:buFont typeface="Arial" pitchFamily="34" charset="0"/>
-              <a:buChar char="•"/>
-            </a:pPr>
-            <a:r>
-              <a:rPr lang="en-US" sz="2800" dirty="0" smtClean="0">
-                <a:latin typeface="Franklin Gothic Medium" pitchFamily="34" charset="0"/>
-              </a:rPr>
-              <a:t>Pipelining sine/cosine and array multiply</a:t>
-            </a:r>
-          </a:p>
-          <a:p>
-            <a:pPr lvl="1">
-              <a:buFont typeface="Arial" pitchFamily="34" charset="0"/>
-              <a:buChar char="•"/>
-            </a:pPr>
-            <a:r>
-              <a:rPr lang="en-US" sz="2800" dirty="0" smtClean="0">
-                <a:latin typeface="Franklin Gothic Medium" pitchFamily="34" charset="0"/>
-              </a:rPr>
-              <a:t>Parallelized matrix multiply and matrix inversion</a:t>
-            </a:r>
-          </a:p>
-          <a:p>
-            <a:pPr lvl="1">
-              <a:buFont typeface="Arial" pitchFamily="34" charset="0"/>
-              <a:buChar char="•"/>
-            </a:pPr>
-            <a:r>
-              <a:rPr lang="en-US" sz="2800" dirty="0">
-                <a:latin typeface="Franklin Gothic Medium" pitchFamily="34" charset="0"/>
-              </a:rPr>
-              <a:t>F</a:t>
-            </a:r>
-            <a:r>
-              <a:rPr lang="en-US" sz="2800" dirty="0" smtClean="0">
-                <a:latin typeface="Franklin Gothic Medium" pitchFamily="34" charset="0"/>
-              </a:rPr>
-              <a:t>ixed point representations throughout system</a:t>
-            </a:r>
-          </a:p>
-          <a:p>
-            <a:pPr>
-              <a:buFont typeface="Arial" pitchFamily="34" charset="0"/>
-              <a:buChar char="•"/>
-            </a:pPr>
-            <a:r>
-              <a:rPr lang="en-US" sz="2800" dirty="0" smtClean="0">
-                <a:latin typeface="Franklin Gothic Medium" pitchFamily="34" charset="0"/>
-              </a:rPr>
-              <a:t>Timing Choices</a:t>
-            </a:r>
-          </a:p>
-          <a:p>
-            <a:pPr lvl="1">
-              <a:buFont typeface="Arial" pitchFamily="34" charset="0"/>
-              <a:buChar char="•"/>
-            </a:pPr>
-            <a:r>
-              <a:rPr lang="en-US" sz="2800" dirty="0" smtClean="0">
-                <a:latin typeface="Franklin Gothic Medium" pitchFamily="34" charset="0"/>
-              </a:rPr>
-              <a:t>Single array of multipliers shared amongst modules</a:t>
-            </a:r>
-          </a:p>
-          <a:p>
-            <a:pPr lvl="1">
-              <a:buFont typeface="Arial" pitchFamily="34" charset="0"/>
-              <a:buChar char="•"/>
-            </a:pPr>
-            <a:r>
-              <a:rPr lang="en-US" sz="2800" dirty="0" smtClean="0">
-                <a:latin typeface="Franklin Gothic Medium" pitchFamily="34" charset="0"/>
-              </a:rPr>
-              <a:t>Aggregate individual enable and done signals into global state machine</a:t>
-            </a:r>
-            <a:endParaRPr lang="en-US" sz="2800" dirty="0">
-              <a:latin typeface="Franklin Gothic Medium" pitchFamily="34" charset="0"/>
-            </a:endParaRPr>
-          </a:p>
-        </p:txBody>
-      </p:sp>
-    </p:spTree>
-  </p:cSld>
-  <p:clrMapOvr>
-    <a:masterClrMapping/>
-  </p:clrMapOvr>
-  <p:timing>
-    <p:tnLst>
-      <p:par>
-        <p:cTn id="1" dur="indefinite" restart="never" nodeType="tmRoot">
-          <p:childTnLst>
-            <p:seq>
-              <p:cTn id="2" nodeType="mainSeq"/>
-              <p:prevCondLst>
-                <p:cond evt="onPrev" delay="0">
-                  <p:tgtEl>
-                    <p:sldTgt/>
-                  </p:tgtEl>
-                </p:cond>
-              </p:prevCondLst>
-              <p:nextCondLst>
-                <p:cond evt="onNext" delay="0">
-                  <p:tgtEl>
-                    <p:sldTgt/>
-                  </p:tgtEl>
-                </p:cond>
-              </p:nextCondLst>
-            </p:seq>
-          </p:childTnLst>
-        </p:cTn>
-      </p:par>
-    </p:tnLst>
-  </p:timing>
-</p:sld>
-</file>
-
-<file path=ppt/slides/slide5.xml><?xml version="1.0" encoding="utf-8"?>
-<p:sld xmlns:a="http://schemas.openxmlformats.org/drawingml/2006/main" xmlns:r="http://schemas.openxmlformats.org/officeDocument/2006/relationships" xmlns:p="http://schemas.openxmlformats.org/presentationml/2006/main">
-  <p:cSld>
-    <p:spTree>
-      <p:nvGrpSpPr>
-        <p:cNvPr id="1" name=""/>
-        <p:cNvGrpSpPr/>
-        <p:nvPr/>
-      </p:nvGrpSpPr>
-      <p:grpSpPr>
-        <a:xfrm>
-          <a:off x="0" y="0"/>
-          <a:ext cx="0" cy="0"/>
-          <a:chOff x="0" y="0"/>
-          <a:chExt cx="0" cy="0"/>
-        </a:xfrm>
-      </p:grpSpPr>
-      <p:sp>
-        <p:nvSpPr>
           <p:cNvPr id="2" name="Title 1"/>
           <p:cNvSpPr>
             <a:spLocks noGrp="1"/>
@@ -3096,7 +2818,7 @@
 </p:sld>
 </file>
 
-<file path=ppt/slides/slide6.xml><?xml version="1.0" encoding="utf-8"?>
+<file path=ppt/slides/slide5.xml><?xml version="1.0" encoding="utf-8"?>
 <p:sld xmlns:a="http://schemas.openxmlformats.org/drawingml/2006/main" xmlns:r="http://schemas.openxmlformats.org/officeDocument/2006/relationships" xmlns:p="http://schemas.openxmlformats.org/presentationml/2006/main">
   <p:cSld>
     <p:spTree>

--- a/doc/talk/IKSwift.pptx
+++ b/doc/talk/IKSwift.pptx
@@ -7,9 +7,10 @@
   <p:sldIdLst>
     <p:sldId id="257" r:id="rId2"/>
     <p:sldId id="258" r:id="rId3"/>
-    <p:sldId id="259" r:id="rId4"/>
-    <p:sldId id="263" r:id="rId5"/>
-    <p:sldId id="261" r:id="rId6"/>
+    <p:sldId id="264" r:id="rId4"/>
+    <p:sldId id="259" r:id="rId5"/>
+    <p:sldId id="263" r:id="rId6"/>
+    <p:sldId id="261" r:id="rId7"/>
   </p:sldIdLst>
   <p:sldSz cx="9144000" cy="6858000" type="screen4x3"/>
   <p:notesSz cx="7772400" cy="10058400"/>
@@ -2485,6 +2486,103 @@
       </p:grpSpPr>
       <p:sp>
         <p:nvSpPr>
+          <p:cNvPr id="4" name="Title 3"/>
+          <p:cNvSpPr>
+            <a:spLocks noGrp="1"/>
+          </p:cNvSpPr>
+          <p:nvPr>
+            <p:ph type="title"/>
+          </p:nvPr>
+        </p:nvSpPr>
+        <p:spPr/>
+        <p:txBody>
+          <a:bodyPr/>
+          <a:lstStyle/>
+          <a:p>
+            <a:pPr algn="ctr"/>
+            <a:r>
+              <a:rPr lang="en-US" sz="3200" b="1" dirty="0" smtClean="0">
+                <a:latin typeface="Franklin Gothic Medium"/>
+                <a:cs typeface="Franklin Gothic Medium"/>
+              </a:rPr>
+              <a:t>Architecture and </a:t>
+            </a:r>
+            <a:r>
+              <a:rPr lang="en-US" sz="3200" b="1" dirty="0" err="1" smtClean="0">
+                <a:latin typeface="Franklin Gothic Medium"/>
+                <a:cs typeface="Franklin Gothic Medium"/>
+              </a:rPr>
+              <a:t>Toolchain</a:t>
+            </a:r>
+            <a:endParaRPr lang="en-US" sz="3200" b="1" dirty="0">
+              <a:latin typeface="Franklin Gothic Medium"/>
+              <a:cs typeface="Franklin Gothic Medium"/>
+            </a:endParaRPr>
+          </a:p>
+        </p:txBody>
+      </p:sp>
+      <p:pic>
+        <p:nvPicPr>
+          <p:cNvPr id="6" name="Picture 5" descr="toolchain.eps"/>
+          <p:cNvPicPr>
+            <a:picLocks noChangeAspect="1"/>
+          </p:cNvPicPr>
+          <p:nvPr/>
+        </p:nvPicPr>
+        <p:blipFill>
+          <a:blip r:embed="rId2">
+            <a:extLst>
+              <a:ext uri="{28A0092B-C50C-407E-A947-70E740481C1C}">
+                <a14:useLocalDpi xmlns:a14="http://schemas.microsoft.com/office/drawing/2010/main" val="0"/>
+              </a:ext>
+            </a:extLst>
+          </a:blip>
+          <a:stretch>
+            <a:fillRect/>
+          </a:stretch>
+        </p:blipFill>
+        <p:spPr>
+          <a:xfrm>
+            <a:off x="0" y="1128944"/>
+            <a:ext cx="9144000" cy="5119456"/>
+          </a:xfrm>
+          <a:prstGeom prst="rect">
+            <a:avLst/>
+          </a:prstGeom>
+        </p:spPr>
+      </p:pic>
+    </p:spTree>
+    <p:extLst>
+      <p:ext uri="{BB962C8B-B14F-4D97-AF65-F5344CB8AC3E}">
+        <p14:creationId xmlns:p14="http://schemas.microsoft.com/office/powerpoint/2010/main" val="4177583015"/>
+      </p:ext>
+    </p:extLst>
+  </p:cSld>
+  <p:clrMapOvr>
+    <a:masterClrMapping/>
+  </p:clrMapOvr>
+</p:sld>
+</file>
+
+<file path=ppt/slides/slide4.xml><?xml version="1.0" encoding="utf-8"?>
+<p:sld xmlns:a="http://schemas.openxmlformats.org/drawingml/2006/main" xmlns:r="http://schemas.openxmlformats.org/officeDocument/2006/relationships" xmlns:p="http://schemas.openxmlformats.org/presentationml/2006/main">
+  <p:cSld>
+    <p:spTree>
+      <p:nvGrpSpPr>
+        <p:cNvPr id="1" name=""/>
+        <p:cNvGrpSpPr/>
+        <p:nvPr/>
+      </p:nvGrpSpPr>
+      <p:grpSpPr>
+        <a:xfrm>
+          <a:off x="0" y="0"/>
+          <a:ext cx="0" cy="0"/>
+          <a:chOff x="0" y="0"/>
+          <a:chExt cx="0" cy="0"/>
+        </a:xfrm>
+      </p:grpSpPr>
+      <p:sp>
+        <p:nvSpPr>
           <p:cNvPr id="49" name="TextShape 1"/>
           <p:cNvSpPr txBox="1"/>
           <p:nvPr/>
@@ -2523,8 +2621,8 @@
         </p:nvSpPr>
         <p:spPr>
           <a:xfrm>
-            <a:off x="457200" y="1295400"/>
-            <a:ext cx="8382000" cy="3970318"/>
+            <a:off x="0" y="1295400"/>
+            <a:ext cx="9144000" cy="3970318"/>
           </a:xfrm>
           <a:prstGeom prst="rect">
             <a:avLst/>
@@ -2587,8 +2685,23 @@
               <a:rPr lang="en-US" sz="2800" dirty="0" smtClean="0">
                 <a:latin typeface="Franklin Gothic Medium" pitchFamily="34" charset="0"/>
               </a:rPr>
-              <a:t>ixed point representations throughout system</a:t>
-            </a:r>
+              <a:t>ixed point representations throughout </a:t>
+            </a:r>
+            <a:r>
+              <a:rPr lang="en-US" sz="2800" dirty="0" smtClean="0">
+                <a:latin typeface="Franklin Gothic Medium" pitchFamily="34" charset="0"/>
+              </a:rPr>
+              <a:t>system</a:t>
+            </a:r>
+          </a:p>
+          <a:p>
+            <a:pPr lvl="1">
+              <a:buFont typeface="Arial" pitchFamily="34" charset="0"/>
+              <a:buChar char="•"/>
+            </a:pPr>
+            <a:endParaRPr lang="en-US" sz="2800" dirty="0" smtClean="0">
+              <a:latin typeface="Franklin Gothic Medium" pitchFamily="34" charset="0"/>
+            </a:endParaRPr>
           </a:p>
           <a:p>
             <a:pPr>
@@ -2639,7 +2752,7 @@
   <p:timing>
     <p:tnLst>
       <p:par>
-        <p:cTn id="1" dur="indefinite" restart="never" nodeType="tmRoot">
+        <p:cTn xmlns:p14="http://schemas.microsoft.com/office/powerpoint/2010/main" id="1" dur="indefinite" restart="never" nodeType="tmRoot">
           <p:childTnLst>
             <p:seq>
               <p:cTn id="2" nodeType="mainSeq"/>
@@ -2666,158 +2779,6 @@
 </p:sld>
 </file>
 
-<file path=ppt/slides/slide4.xml><?xml version="1.0" encoding="utf-8"?>
-<p:sld xmlns:a="http://schemas.openxmlformats.org/drawingml/2006/main" xmlns:r="http://schemas.openxmlformats.org/officeDocument/2006/relationships" xmlns:p="http://schemas.openxmlformats.org/presentationml/2006/main">
-  <p:cSld>
-    <p:spTree>
-      <p:nvGrpSpPr>
-        <p:cNvPr id="1" name=""/>
-        <p:cNvGrpSpPr/>
-        <p:nvPr/>
-      </p:nvGrpSpPr>
-      <p:grpSpPr>
-        <a:xfrm>
-          <a:off x="0" y="0"/>
-          <a:ext cx="0" cy="0"/>
-          <a:chOff x="0" y="0"/>
-          <a:chExt cx="0" cy="0"/>
-        </a:xfrm>
-      </p:grpSpPr>
-      <p:sp>
-        <p:nvSpPr>
-          <p:cNvPr id="2" name="Title 1"/>
-          <p:cNvSpPr>
-            <a:spLocks noGrp="1"/>
-          </p:cNvSpPr>
-          <p:nvPr>
-            <p:ph type="title"/>
-          </p:nvPr>
-        </p:nvSpPr>
-        <p:spPr/>
-        <p:txBody>
-          <a:bodyPr/>
-          <a:lstStyle/>
-          <a:p>
-            <a:pPr algn="ctr"/>
-            <a:r>
-              <a:rPr lang="en-US" sz="3600" b="1" dirty="0" smtClean="0">
-                <a:latin typeface="Franklin Gothic Medium" pitchFamily="34" charset="0"/>
-              </a:rPr>
-              <a:t>Experiences and Issues</a:t>
-            </a:r>
-            <a:endParaRPr lang="en-US" sz="3600" b="1" dirty="0">
-              <a:latin typeface="Franklin Gothic Medium" pitchFamily="34" charset="0"/>
-            </a:endParaRPr>
-          </a:p>
-        </p:txBody>
-      </p:sp>
-      <p:sp>
-        <p:nvSpPr>
-          <p:cNvPr id="3" name="Text Placeholder 2"/>
-          <p:cNvSpPr>
-            <a:spLocks noGrp="1"/>
-          </p:cNvSpPr>
-          <p:nvPr>
-            <p:ph type="body"/>
-          </p:nvPr>
-        </p:nvSpPr>
-        <p:spPr>
-          <a:xfrm>
-            <a:off x="609600" y="1524000"/>
-            <a:ext cx="9143640" cy="6019560"/>
-          </a:xfrm>
-        </p:spPr>
-        <p:txBody>
-          <a:bodyPr/>
-          <a:lstStyle/>
-          <a:p>
-            <a:pPr algn="l">
-              <a:buFont typeface="Arial" pitchFamily="34" charset="0"/>
-              <a:buChar char="•"/>
-            </a:pPr>
-            <a:r>
-              <a:rPr lang="en-US" sz="2800" dirty="0" smtClean="0">
-                <a:latin typeface="Franklin Gothic Medium" pitchFamily="34" charset="0"/>
-              </a:rPr>
-              <a:t>Deciding on the algorithm to use</a:t>
-            </a:r>
-          </a:p>
-          <a:p>
-            <a:pPr algn="l">
-              <a:buFont typeface="Arial" pitchFamily="34" charset="0"/>
-              <a:buChar char="•"/>
-            </a:pPr>
-            <a:r>
-              <a:rPr lang="en-US" sz="2800" dirty="0" smtClean="0">
-                <a:latin typeface="Franklin Gothic Medium" pitchFamily="34" charset="0"/>
-              </a:rPr>
-              <a:t>Determining what implementation would fit on </a:t>
-            </a:r>
-          </a:p>
-          <a:p>
-            <a:pPr algn="l"/>
-            <a:r>
-              <a:rPr lang="en-US" sz="2800" dirty="0">
-                <a:latin typeface="Franklin Gothic Medium" pitchFamily="34" charset="0"/>
-              </a:rPr>
-              <a:t>  </a:t>
-            </a:r>
-            <a:r>
-              <a:rPr lang="en-US" sz="2800" dirty="0" smtClean="0">
-                <a:latin typeface="Franklin Gothic Medium" pitchFamily="34" charset="0"/>
-              </a:rPr>
-              <a:t>the board</a:t>
-            </a:r>
-          </a:p>
-          <a:p>
-            <a:pPr algn="l">
-              <a:buFont typeface="Arial" pitchFamily="34" charset="0"/>
-              <a:buChar char="•"/>
-            </a:pPr>
-            <a:r>
-              <a:rPr lang="en-US" sz="2800" dirty="0" smtClean="0">
-                <a:latin typeface="Franklin Gothic Medium" pitchFamily="34" charset="0"/>
-              </a:rPr>
-              <a:t>Convincing ourselves the algorithm works</a:t>
-            </a:r>
-          </a:p>
-          <a:p>
-            <a:pPr algn="l">
-              <a:buFont typeface="Arial" pitchFamily="34" charset="0"/>
-              <a:buChar char="•"/>
-            </a:pPr>
-            <a:r>
-              <a:rPr lang="en-US" sz="2800" dirty="0" smtClean="0">
-                <a:latin typeface="Franklin Gothic Medium" pitchFamily="34" charset="0"/>
-              </a:rPr>
-              <a:t>Extensively tested the core hardware, but not the</a:t>
-            </a:r>
-          </a:p>
-          <a:p>
-            <a:pPr algn="l"/>
-            <a:r>
-              <a:rPr lang="en-US" sz="2800" dirty="0" smtClean="0">
-                <a:latin typeface="Franklin Gothic Medium" pitchFamily="34" charset="0"/>
-              </a:rPr>
-              <a:t>  top-level interface (until yesterday)</a:t>
-            </a:r>
-          </a:p>
-          <a:p>
-            <a:pPr algn="l"/>
-            <a:endParaRPr lang="en-US" sz="2800" dirty="0" smtClean="0">
-              <a:latin typeface="Franklin Gothic Medium" pitchFamily="34" charset="0"/>
-            </a:endParaRPr>
-          </a:p>
-        </p:txBody>
-      </p:sp>
-    </p:spTree>
-  </p:cSld>
-  <p:clrMapOvr>
-    <a:masterClrMapping/>
-  </p:clrMapOvr>
-</p:sld>
-</file>
-
 <file path=ppt/slides/slide5.xml><?xml version="1.0" encoding="utf-8"?>
 <p:sld xmlns:a="http://schemas.openxmlformats.org/drawingml/2006/main" xmlns:r="http://schemas.openxmlformats.org/officeDocument/2006/relationships" xmlns:p="http://schemas.openxmlformats.org/presentationml/2006/main">
   <p:cSld>
@@ -2837,6 +2798,158 @@
       </p:grpSpPr>
       <p:sp>
         <p:nvSpPr>
+          <p:cNvPr id="2" name="Title 1"/>
+          <p:cNvSpPr>
+            <a:spLocks noGrp="1"/>
+          </p:cNvSpPr>
+          <p:nvPr>
+            <p:ph type="title"/>
+          </p:nvPr>
+        </p:nvSpPr>
+        <p:spPr/>
+        <p:txBody>
+          <a:bodyPr/>
+          <a:lstStyle/>
+          <a:p>
+            <a:pPr algn="ctr"/>
+            <a:r>
+              <a:rPr lang="en-US" sz="3600" b="1" dirty="0" smtClean="0">
+                <a:latin typeface="Franklin Gothic Medium" pitchFamily="34" charset="0"/>
+              </a:rPr>
+              <a:t>Experiences and Issues</a:t>
+            </a:r>
+            <a:endParaRPr lang="en-US" sz="3600" b="1" dirty="0">
+              <a:latin typeface="Franklin Gothic Medium" pitchFamily="34" charset="0"/>
+            </a:endParaRPr>
+          </a:p>
+        </p:txBody>
+      </p:sp>
+      <p:sp>
+        <p:nvSpPr>
+          <p:cNvPr id="3" name="Text Placeholder 2"/>
+          <p:cNvSpPr>
+            <a:spLocks noGrp="1"/>
+          </p:cNvSpPr>
+          <p:nvPr>
+            <p:ph type="body"/>
+          </p:nvPr>
+        </p:nvSpPr>
+        <p:spPr>
+          <a:xfrm>
+            <a:off x="609600" y="1524000"/>
+            <a:ext cx="9143640" cy="6019560"/>
+          </a:xfrm>
+        </p:spPr>
+        <p:txBody>
+          <a:bodyPr/>
+          <a:lstStyle/>
+          <a:p>
+            <a:pPr algn="l">
+              <a:buFont typeface="Arial" pitchFamily="34" charset="0"/>
+              <a:buChar char="•"/>
+            </a:pPr>
+            <a:r>
+              <a:rPr lang="en-US" sz="2800" dirty="0" smtClean="0">
+                <a:latin typeface="Franklin Gothic Medium" pitchFamily="34" charset="0"/>
+              </a:rPr>
+              <a:t>Deciding on the algorithm to use</a:t>
+            </a:r>
+          </a:p>
+          <a:p>
+            <a:pPr algn="l">
+              <a:buFont typeface="Arial" pitchFamily="34" charset="0"/>
+              <a:buChar char="•"/>
+            </a:pPr>
+            <a:r>
+              <a:rPr lang="en-US" sz="2800" dirty="0" smtClean="0">
+                <a:latin typeface="Franklin Gothic Medium" pitchFamily="34" charset="0"/>
+              </a:rPr>
+              <a:t>Determining what implementation would fit on </a:t>
+            </a:r>
+          </a:p>
+          <a:p>
+            <a:pPr algn="l"/>
+            <a:r>
+              <a:rPr lang="en-US" sz="2800" dirty="0">
+                <a:latin typeface="Franklin Gothic Medium" pitchFamily="34" charset="0"/>
+              </a:rPr>
+              <a:t>  </a:t>
+            </a:r>
+            <a:r>
+              <a:rPr lang="en-US" sz="2800" dirty="0" smtClean="0">
+                <a:latin typeface="Franklin Gothic Medium" pitchFamily="34" charset="0"/>
+              </a:rPr>
+              <a:t>the board</a:t>
+            </a:r>
+          </a:p>
+          <a:p>
+            <a:pPr algn="l">
+              <a:buFont typeface="Arial" pitchFamily="34" charset="0"/>
+              <a:buChar char="•"/>
+            </a:pPr>
+            <a:r>
+              <a:rPr lang="en-US" sz="2800" dirty="0" smtClean="0">
+                <a:latin typeface="Franklin Gothic Medium" pitchFamily="34" charset="0"/>
+              </a:rPr>
+              <a:t>Convincing ourselves the algorithm works</a:t>
+            </a:r>
+          </a:p>
+          <a:p>
+            <a:pPr algn="l">
+              <a:buFont typeface="Arial" pitchFamily="34" charset="0"/>
+              <a:buChar char="•"/>
+            </a:pPr>
+            <a:r>
+              <a:rPr lang="en-US" sz="2800" dirty="0" smtClean="0">
+                <a:latin typeface="Franklin Gothic Medium" pitchFamily="34" charset="0"/>
+              </a:rPr>
+              <a:t>Extensively tested the core hardware, but not the</a:t>
+            </a:r>
+          </a:p>
+          <a:p>
+            <a:pPr algn="l"/>
+            <a:r>
+              <a:rPr lang="en-US" sz="2800" dirty="0" smtClean="0">
+                <a:latin typeface="Franklin Gothic Medium" pitchFamily="34" charset="0"/>
+              </a:rPr>
+              <a:t>  top-level interface (until yesterday)</a:t>
+            </a:r>
+          </a:p>
+          <a:p>
+            <a:pPr algn="l"/>
+            <a:endParaRPr lang="en-US" sz="2800" dirty="0" smtClean="0">
+              <a:latin typeface="Franklin Gothic Medium" pitchFamily="34" charset="0"/>
+            </a:endParaRPr>
+          </a:p>
+        </p:txBody>
+      </p:sp>
+    </p:spTree>
+  </p:cSld>
+  <p:clrMapOvr>
+    <a:masterClrMapping/>
+  </p:clrMapOvr>
+</p:sld>
+</file>
+
+<file path=ppt/slides/slide6.xml><?xml version="1.0" encoding="utf-8"?>
+<p:sld xmlns:a="http://schemas.openxmlformats.org/drawingml/2006/main" xmlns:r="http://schemas.openxmlformats.org/officeDocument/2006/relationships" xmlns:p="http://schemas.openxmlformats.org/presentationml/2006/main">
+  <p:cSld>
+    <p:spTree>
+      <p:nvGrpSpPr>
+        <p:cNvPr id="1" name=""/>
+        <p:cNvGrpSpPr/>
+        <p:nvPr/>
+      </p:nvGrpSpPr>
+      <p:grpSpPr>
+        <a:xfrm>
+          <a:off x="0" y="0"/>
+          <a:ext cx="0" cy="0"/>
+          <a:chOff x="0" y="0"/>
+          <a:chExt cx="0" cy="0"/>
+        </a:xfrm>
+      </p:grpSpPr>
+      <p:sp>
+        <p:nvSpPr>
           <p:cNvPr id="53" name="TextShape 1"/>
           <p:cNvSpPr txBox="1"/>
           <p:nvPr/>
@@ -2935,9 +3048,6 @@
               </a:rPr>
               <a:t>Leave no ambiguity in the design</a:t>
             </a:r>
-            <a:endParaRPr lang="en-US" sz="2800" dirty="0" smtClean="0">
-              <a:latin typeface="Franklin Gothic Medium" pitchFamily="34" charset="0"/>
-            </a:endParaRPr>
           </a:p>
           <a:p>
             <a:pPr>
@@ -2967,7 +3077,7 @@
   <p:timing>
     <p:tnLst>
       <p:par>
-        <p:cTn id="1" dur="indefinite" restart="never" nodeType="tmRoot">
+        <p:cTn xmlns:p14="http://schemas.microsoft.com/office/powerpoint/2010/main" id="1" dur="indefinite" restart="never" nodeType="tmRoot">
           <p:childTnLst>
             <p:seq>
               <p:cTn id="2" nodeType="mainSeq"/>

--- a/doc/talk/IKSwift.pptx
+++ b/doc/talk/IKSwift.pptx
@@ -2685,13 +2685,7 @@
               <a:rPr lang="en-US" sz="2800" dirty="0" smtClean="0">
                 <a:latin typeface="Franklin Gothic Medium" pitchFamily="34" charset="0"/>
               </a:rPr>
-              <a:t>ixed point representations throughout </a:t>
-            </a:r>
-            <a:r>
-              <a:rPr lang="en-US" sz="2800" dirty="0" smtClean="0">
-                <a:latin typeface="Franklin Gothic Medium" pitchFamily="34" charset="0"/>
-              </a:rPr>
-              <a:t>system</a:t>
+              <a:t>ixed point representations throughout system</a:t>
             </a:r>
           </a:p>
           <a:p>
@@ -2836,8 +2830,8 @@
         </p:nvSpPr>
         <p:spPr>
           <a:xfrm>
-            <a:off x="609600" y="1524000"/>
-            <a:ext cx="9143640" cy="6019560"/>
+            <a:off x="228600" y="533400"/>
+            <a:ext cx="9143640" cy="5790960"/>
           </a:xfrm>
         </p:spPr>
         <p:txBody>
